--- a/week15/Lecture15.pptx
+++ b/week15/Lecture15.pptx
@@ -215,7 +215,7 @@
           <a:p>
             <a:fld id="{634F3F22-B4BB-3F48-9180-464A9F2D66D1}" type="datetimeFigureOut">
               <a:rPr kumimoji="1" lang="zh-CN" altLang="en-US" smtClean="0"/>
-              <a:t>2021/12/19</a:t>
+              <a:t>2021/12/20</a:t>
             </a:fld>
             <a:endParaRPr kumimoji="1" lang="zh-CN" altLang="en-US"/>
           </a:p>
@@ -695,7 +695,7 @@
           <a:p>
             <a:fld id="{FC19A4FA-3D9A-4114-B0D5-759CBD56F1AB}" type="datetimeFigureOut">
               <a:rPr lang="zh-CN" altLang="en-US" smtClean="0"/>
-              <a:t>2021/12/19</a:t>
+              <a:t>2021/12/20</a:t>
             </a:fld>
             <a:endParaRPr lang="zh-CN" altLang="en-US"/>
           </a:p>
@@ -898,7 +898,7 @@
           <a:p>
             <a:fld id="{FC19A4FA-3D9A-4114-B0D5-759CBD56F1AB}" type="datetimeFigureOut">
               <a:rPr lang="zh-CN" altLang="en-US" smtClean="0"/>
-              <a:t>2021/12/19</a:t>
+              <a:t>2021/12/20</a:t>
             </a:fld>
             <a:endParaRPr lang="zh-CN" altLang="en-US"/>
           </a:p>
@@ -1076,7 +1076,7 @@
           <a:p>
             <a:fld id="{FC19A4FA-3D9A-4114-B0D5-759CBD56F1AB}" type="datetimeFigureOut">
               <a:rPr lang="zh-CN" altLang="en-US" smtClean="0"/>
-              <a:t>2021/12/19</a:t>
+              <a:t>2021/12/20</a:t>
             </a:fld>
             <a:endParaRPr lang="zh-CN" altLang="en-US"/>
           </a:p>
@@ -1300,7 +1300,7 @@
           <a:p>
             <a:fld id="{FC19A4FA-3D9A-4114-B0D5-759CBD56F1AB}" type="datetimeFigureOut">
               <a:rPr lang="zh-CN" altLang="en-US" smtClean="0"/>
-              <a:t>2021/12/19</a:t>
+              <a:t>2021/12/20</a:t>
             </a:fld>
             <a:endParaRPr lang="zh-CN" altLang="en-US"/>
           </a:p>
@@ -1534,7 +1534,7 @@
           <a:p>
             <a:fld id="{FC19A4FA-3D9A-4114-B0D5-759CBD56F1AB}" type="datetimeFigureOut">
               <a:rPr lang="zh-CN" altLang="en-US" smtClean="0"/>
-              <a:t>2021/12/19</a:t>
+              <a:t>2021/12/20</a:t>
             </a:fld>
             <a:endParaRPr lang="zh-CN" altLang="en-US"/>
           </a:p>
@@ -1933,7 +1933,7 @@
           <a:p>
             <a:fld id="{FC19A4FA-3D9A-4114-B0D5-759CBD56F1AB}" type="datetimeFigureOut">
               <a:rPr lang="zh-CN" altLang="en-US" smtClean="0"/>
-              <a:t>2021/12/19</a:t>
+              <a:t>2021/12/20</a:t>
             </a:fld>
             <a:endParaRPr lang="zh-CN" altLang="en-US"/>
           </a:p>
@@ -2213,7 +2213,7 @@
           <a:p>
             <a:fld id="{FC19A4FA-3D9A-4114-B0D5-759CBD56F1AB}" type="datetimeFigureOut">
               <a:rPr lang="zh-CN" altLang="en-US" smtClean="0"/>
-              <a:t>2021/12/19</a:t>
+              <a:t>2021/12/20</a:t>
             </a:fld>
             <a:endParaRPr lang="zh-CN" altLang="en-US"/>
           </a:p>
@@ -2365,7 +2365,7 @@
           <a:p>
             <a:fld id="{FC19A4FA-3D9A-4114-B0D5-759CBD56F1AB}" type="datetimeFigureOut">
               <a:rPr lang="zh-CN" altLang="en-US" smtClean="0"/>
-              <a:t>2021/12/19</a:t>
+              <a:t>2021/12/20</a:t>
             </a:fld>
             <a:endParaRPr lang="zh-CN" altLang="en-US"/>
           </a:p>
@@ -2495,7 +2495,7 @@
           <a:p>
             <a:fld id="{FC19A4FA-3D9A-4114-B0D5-759CBD56F1AB}" type="datetimeFigureOut">
               <a:rPr lang="zh-CN" altLang="en-US" smtClean="0"/>
-              <a:t>2021/12/19</a:t>
+              <a:t>2021/12/20</a:t>
             </a:fld>
             <a:endParaRPr lang="zh-CN" altLang="en-US"/>
           </a:p>
@@ -2805,7 +2805,7 @@
           <a:p>
             <a:fld id="{FC19A4FA-3D9A-4114-B0D5-759CBD56F1AB}" type="datetimeFigureOut">
               <a:rPr lang="zh-CN" altLang="en-US" smtClean="0"/>
-              <a:t>2021/12/19</a:t>
+              <a:t>2021/12/20</a:t>
             </a:fld>
             <a:endParaRPr lang="zh-CN" altLang="en-US"/>
           </a:p>
@@ -3092,7 +3092,7 @@
           <a:p>
             <a:fld id="{FC19A4FA-3D9A-4114-B0D5-759CBD56F1AB}" type="datetimeFigureOut">
               <a:rPr lang="zh-CN" altLang="en-US" smtClean="0"/>
-              <a:t>2021/12/19</a:t>
+              <a:t>2021/12/20</a:t>
             </a:fld>
             <a:endParaRPr lang="zh-CN" altLang="en-US"/>
           </a:p>
@@ -3385,7 +3385,7 @@
           <a:p>
             <a:fld id="{FC19A4FA-3D9A-4114-B0D5-759CBD56F1AB}" type="datetimeFigureOut">
               <a:rPr lang="zh-CN" altLang="en-US" smtClean="0"/>
-              <a:t>2021/12/19</a:t>
+              <a:t>2021/12/20</a:t>
             </a:fld>
             <a:endParaRPr lang="zh-CN" altLang="en-US"/>
           </a:p>

--- a/week15/Lecture15.pptx
+++ b/week15/Lecture15.pptx
@@ -5,7 +5,7 @@
     <p:sldMasterId id="2147483648" r:id="rId1"/>
   </p:sldMasterIdLst>
   <p:notesMasterIdLst>
-    <p:notesMasterId r:id="rId19"/>
+    <p:notesMasterId r:id="rId27"/>
   </p:notesMasterIdLst>
   <p:sldIdLst>
     <p:sldId id="256" r:id="rId2"/>
@@ -25,6 +25,14 @@
     <p:sldId id="738" r:id="rId16"/>
     <p:sldId id="734" r:id="rId17"/>
     <p:sldId id="735" r:id="rId18"/>
+    <p:sldId id="740" r:id="rId19"/>
+    <p:sldId id="741" r:id="rId20"/>
+    <p:sldId id="744" r:id="rId21"/>
+    <p:sldId id="742" r:id="rId22"/>
+    <p:sldId id="745" r:id="rId23"/>
+    <p:sldId id="746" r:id="rId24"/>
+    <p:sldId id="747" r:id="rId25"/>
+    <p:sldId id="748" r:id="rId26"/>
   </p:sldIdLst>
   <p:sldSz cx="12192000" cy="6858000"/>
   <p:notesSz cx="6858000" cy="9144000"/>
@@ -213,7 +221,7 @@
           <a:p>
             <a:fld id="{634F3F22-B4BB-3F48-9180-464A9F2D66D1}" type="datetimeFigureOut">
               <a:rPr kumimoji="1" lang="zh-CN" altLang="en-US" smtClean="0"/>
-              <a:t>2021/12/24</a:t>
+              <a:t>2024/6/4</a:t>
             </a:fld>
             <a:endParaRPr kumimoji="1" lang="zh-CN" altLang="en-US"/>
           </a:p>
@@ -693,7 +701,7 @@
           <a:p>
             <a:fld id="{FC19A4FA-3D9A-4114-B0D5-759CBD56F1AB}" type="datetimeFigureOut">
               <a:rPr lang="zh-CN" altLang="en-US" smtClean="0"/>
-              <a:t>2021/12/24</a:t>
+              <a:t>2024/6/4</a:t>
             </a:fld>
             <a:endParaRPr lang="zh-CN" altLang="en-US"/>
           </a:p>
@@ -896,7 +904,7 @@
           <a:p>
             <a:fld id="{FC19A4FA-3D9A-4114-B0D5-759CBD56F1AB}" type="datetimeFigureOut">
               <a:rPr lang="zh-CN" altLang="en-US" smtClean="0"/>
-              <a:t>2021/12/24</a:t>
+              <a:t>2024/6/4</a:t>
             </a:fld>
             <a:endParaRPr lang="zh-CN" altLang="en-US"/>
           </a:p>
@@ -1074,7 +1082,7 @@
           <a:p>
             <a:fld id="{FC19A4FA-3D9A-4114-B0D5-759CBD56F1AB}" type="datetimeFigureOut">
               <a:rPr lang="zh-CN" altLang="en-US" smtClean="0"/>
-              <a:t>2021/12/24</a:t>
+              <a:t>2024/6/4</a:t>
             </a:fld>
             <a:endParaRPr lang="zh-CN" altLang="en-US"/>
           </a:p>
@@ -1298,7 +1306,7 @@
           <a:p>
             <a:fld id="{FC19A4FA-3D9A-4114-B0D5-759CBD56F1AB}" type="datetimeFigureOut">
               <a:rPr lang="zh-CN" altLang="en-US" smtClean="0"/>
-              <a:t>2021/12/24</a:t>
+              <a:t>2024/6/4</a:t>
             </a:fld>
             <a:endParaRPr lang="zh-CN" altLang="en-US"/>
           </a:p>
@@ -1532,7 +1540,7 @@
           <a:p>
             <a:fld id="{FC19A4FA-3D9A-4114-B0D5-759CBD56F1AB}" type="datetimeFigureOut">
               <a:rPr lang="zh-CN" altLang="en-US" smtClean="0"/>
-              <a:t>2021/12/24</a:t>
+              <a:t>2024/6/4</a:t>
             </a:fld>
             <a:endParaRPr lang="zh-CN" altLang="en-US"/>
           </a:p>
@@ -1931,7 +1939,7 @@
           <a:p>
             <a:fld id="{FC19A4FA-3D9A-4114-B0D5-759CBD56F1AB}" type="datetimeFigureOut">
               <a:rPr lang="zh-CN" altLang="en-US" smtClean="0"/>
-              <a:t>2021/12/24</a:t>
+              <a:t>2024/6/4</a:t>
             </a:fld>
             <a:endParaRPr lang="zh-CN" altLang="en-US"/>
           </a:p>
@@ -2211,7 +2219,7 @@
           <a:p>
             <a:fld id="{FC19A4FA-3D9A-4114-B0D5-759CBD56F1AB}" type="datetimeFigureOut">
               <a:rPr lang="zh-CN" altLang="en-US" smtClean="0"/>
-              <a:t>2021/12/24</a:t>
+              <a:t>2024/6/4</a:t>
             </a:fld>
             <a:endParaRPr lang="zh-CN" altLang="en-US"/>
           </a:p>
@@ -2363,7 +2371,7 @@
           <a:p>
             <a:fld id="{FC19A4FA-3D9A-4114-B0D5-759CBD56F1AB}" type="datetimeFigureOut">
               <a:rPr lang="zh-CN" altLang="en-US" smtClean="0"/>
-              <a:t>2021/12/24</a:t>
+              <a:t>2024/6/4</a:t>
             </a:fld>
             <a:endParaRPr lang="zh-CN" altLang="en-US"/>
           </a:p>
@@ -2493,7 +2501,7 @@
           <a:p>
             <a:fld id="{FC19A4FA-3D9A-4114-B0D5-759CBD56F1AB}" type="datetimeFigureOut">
               <a:rPr lang="zh-CN" altLang="en-US" smtClean="0"/>
-              <a:t>2021/12/24</a:t>
+              <a:t>2024/6/4</a:t>
             </a:fld>
             <a:endParaRPr lang="zh-CN" altLang="en-US"/>
           </a:p>
@@ -2803,7 +2811,7 @@
           <a:p>
             <a:fld id="{FC19A4FA-3D9A-4114-B0D5-759CBD56F1AB}" type="datetimeFigureOut">
               <a:rPr lang="zh-CN" altLang="en-US" smtClean="0"/>
-              <a:t>2021/12/24</a:t>
+              <a:t>2024/6/4</a:t>
             </a:fld>
             <a:endParaRPr lang="zh-CN" altLang="en-US"/>
           </a:p>
@@ -3090,7 +3098,7 @@
           <a:p>
             <a:fld id="{FC19A4FA-3D9A-4114-B0D5-759CBD56F1AB}" type="datetimeFigureOut">
               <a:rPr lang="zh-CN" altLang="en-US" smtClean="0"/>
-              <a:t>2021/12/24</a:t>
+              <a:t>2024/6/4</a:t>
             </a:fld>
             <a:endParaRPr lang="zh-CN" altLang="en-US"/>
           </a:p>
@@ -3383,7 +3391,7 @@
           <a:p>
             <a:fld id="{FC19A4FA-3D9A-4114-B0D5-759CBD56F1AB}" type="datetimeFigureOut">
               <a:rPr lang="zh-CN" altLang="en-US" smtClean="0"/>
-              <a:t>2021/12/24</a:t>
+              <a:t>2024/6/4</a:t>
             </a:fld>
             <a:endParaRPr lang="zh-CN" altLang="en-US"/>
           </a:p>
@@ -4189,6 +4197,51 @@
           </a:p>
         </p:txBody>
       </p:sp>
+      <p:pic>
+        <p:nvPicPr>
+          <p:cNvPr id="3" name="图片 2">
+            <a:extLst>
+              <a:ext uri="{FF2B5EF4-FFF2-40B4-BE49-F238E27FC236}">
+                <a16:creationId xmlns:a16="http://schemas.microsoft.com/office/drawing/2014/main" id="{374B3DC9-426A-1428-9D08-FFB20BA5A1FA}"/>
+              </a:ext>
+            </a:extLst>
+          </p:cNvPr>
+          <p:cNvPicPr>
+            <a:picLocks noChangeAspect="1"/>
+          </p:cNvPicPr>
+          <p:nvPr/>
+        </p:nvPicPr>
+        <p:blipFill>
+          <a:blip r:embed="rId2">
+            <a:extLst>
+              <a:ext uri="{28A0092B-C50C-407E-A947-70E740481C1C}">
+                <a14:useLocalDpi xmlns:a14="http://schemas.microsoft.com/office/drawing/2010/main" val="0"/>
+              </a:ext>
+              <a:ext uri="{837473B0-CC2E-450A-ABE3-18F120FF3D39}">
+                <a1611:picAttrSrcUrl xmlns:a1611="http://schemas.microsoft.com/office/drawing/2016/11/main" r:id="rId3"/>
+              </a:ext>
+            </a:extLst>
+          </a:blip>
+          <a:stretch>
+            <a:fillRect/>
+          </a:stretch>
+        </p:blipFill>
+        <p:spPr>
+          <a:xfrm>
+            <a:off x="8814816" y="0"/>
+            <a:ext cx="3377184" cy="2237124"/>
+          </a:xfrm>
+          <a:prstGeom prst="rect">
+            <a:avLst/>
+          </a:prstGeom>
+          <a:ln>
+            <a:noFill/>
+          </a:ln>
+          <a:effectLst>
+            <a:softEdge rad="112500"/>
+          </a:effectLst>
+        </p:spPr>
+      </p:pic>
     </p:spTree>
     <p:extLst>
       <p:ext uri="{BB962C8B-B14F-4D97-AF65-F5344CB8AC3E}">
@@ -7316,6 +7369,2924 @@
 </p:sld>
 </file>
 
+<file path=ppt/slides/slide18.xml><?xml version="1.0" encoding="utf-8"?>
+<p:sld xmlns:a="http://schemas.openxmlformats.org/drawingml/2006/main" xmlns:r="http://schemas.openxmlformats.org/officeDocument/2006/relationships" xmlns:p="http://schemas.openxmlformats.org/presentationml/2006/main">
+  <p:cSld>
+    <p:spTree>
+      <p:nvGrpSpPr>
+        <p:cNvPr id="1" name=""/>
+        <p:cNvGrpSpPr/>
+        <p:nvPr/>
+      </p:nvGrpSpPr>
+      <p:grpSpPr>
+        <a:xfrm>
+          <a:off x="0" y="0"/>
+          <a:ext cx="0" cy="0"/>
+          <a:chOff x="0" y="0"/>
+          <a:chExt cx="0" cy="0"/>
+        </a:xfrm>
+      </p:grpSpPr>
+      <p:sp>
+        <p:nvSpPr>
+          <p:cNvPr id="4" name="标题 3">
+            <a:extLst>
+              <a:ext uri="{FF2B5EF4-FFF2-40B4-BE49-F238E27FC236}">
+                <a16:creationId xmlns:a16="http://schemas.microsoft.com/office/drawing/2014/main" id="{55B65FD9-CDC4-D8DB-866D-38CAD2154391}"/>
+              </a:ext>
+            </a:extLst>
+          </p:cNvPr>
+          <p:cNvSpPr>
+            <a:spLocks noGrp="1"/>
+          </p:cNvSpPr>
+          <p:nvPr>
+            <p:ph type="ctrTitle"/>
+          </p:nvPr>
+        </p:nvSpPr>
+        <p:spPr/>
+        <p:txBody>
+          <a:bodyPr/>
+          <a:lstStyle/>
+          <a:p>
+            <a:r>
+              <a:rPr lang="en-US" altLang="zh-CN" dirty="0"/>
+              <a:t>The Style</a:t>
+            </a:r>
+            <a:endParaRPr lang="zh-CN" altLang="en-US" dirty="0"/>
+          </a:p>
+        </p:txBody>
+      </p:sp>
+      <p:sp>
+        <p:nvSpPr>
+          <p:cNvPr id="5" name="副标题 4">
+            <a:extLst>
+              <a:ext uri="{FF2B5EF4-FFF2-40B4-BE49-F238E27FC236}">
+                <a16:creationId xmlns:a16="http://schemas.microsoft.com/office/drawing/2014/main" id="{C2E08A4A-5621-F6CC-D237-5D6CEB945012}"/>
+              </a:ext>
+            </a:extLst>
+          </p:cNvPr>
+          <p:cNvSpPr>
+            <a:spLocks noGrp="1"/>
+          </p:cNvSpPr>
+          <p:nvPr>
+            <p:ph type="subTitle" idx="1"/>
+          </p:nvPr>
+        </p:nvSpPr>
+        <p:spPr/>
+        <p:txBody>
+          <a:bodyPr/>
+          <a:lstStyle/>
+          <a:p>
+            <a:endParaRPr lang="zh-CN" altLang="en-US"/>
+          </a:p>
+        </p:txBody>
+      </p:sp>
+    </p:spTree>
+    <p:extLst>
+      <p:ext uri="{BB962C8B-B14F-4D97-AF65-F5344CB8AC3E}">
+        <p14:creationId xmlns:p14="http://schemas.microsoft.com/office/powerpoint/2010/main" val="2462840656"/>
+      </p:ext>
+    </p:extLst>
+  </p:cSld>
+  <p:clrMapOvr>
+    <a:masterClrMapping/>
+  </p:clrMapOvr>
+</p:sld>
+</file>
+
+<file path=ppt/slides/slide19.xml><?xml version="1.0" encoding="utf-8"?>
+<p:sld xmlns:a="http://schemas.openxmlformats.org/drawingml/2006/main" xmlns:r="http://schemas.openxmlformats.org/officeDocument/2006/relationships" xmlns:p="http://schemas.openxmlformats.org/presentationml/2006/main">
+  <p:cSld>
+    <p:spTree>
+      <p:nvGrpSpPr>
+        <p:cNvPr id="1" name=""/>
+        <p:cNvGrpSpPr/>
+        <p:nvPr/>
+      </p:nvGrpSpPr>
+      <p:grpSpPr>
+        <a:xfrm>
+          <a:off x="0" y="0"/>
+          <a:ext cx="0" cy="0"/>
+          <a:chOff x="0" y="0"/>
+          <a:chExt cx="0" cy="0"/>
+        </a:xfrm>
+      </p:grpSpPr>
+      <p:sp>
+        <p:nvSpPr>
+          <p:cNvPr id="2" name="标题 1">
+            <a:extLst>
+              <a:ext uri="{FF2B5EF4-FFF2-40B4-BE49-F238E27FC236}">
+                <a16:creationId xmlns:a16="http://schemas.microsoft.com/office/drawing/2014/main" id="{C4BAAE89-D285-89ED-21BE-FDC8CCA3791E}"/>
+              </a:ext>
+            </a:extLst>
+          </p:cNvPr>
+          <p:cNvSpPr>
+            <a:spLocks noGrp="1"/>
+          </p:cNvSpPr>
+          <p:nvPr>
+            <p:ph type="title"/>
+          </p:nvPr>
+        </p:nvSpPr>
+        <p:spPr/>
+        <p:txBody>
+          <a:bodyPr/>
+          <a:lstStyle/>
+          <a:p>
+            <a:r>
+              <a:rPr kumimoji="1" lang="en-US" altLang="zh-CN" dirty="0"/>
+              <a:t>A Typical Object-oriented Style</a:t>
+            </a:r>
+            <a:endParaRPr kumimoji="1" lang="zh-CN" altLang="en-US" dirty="0"/>
+          </a:p>
+        </p:txBody>
+      </p:sp>
+      <p:sp>
+        <p:nvSpPr>
+          <p:cNvPr id="3" name="内容占位符 2">
+            <a:extLst>
+              <a:ext uri="{FF2B5EF4-FFF2-40B4-BE49-F238E27FC236}">
+                <a16:creationId xmlns:a16="http://schemas.microsoft.com/office/drawing/2014/main" id="{AB93FE5B-D37D-D233-4B99-BC2ADD684AC0}"/>
+              </a:ext>
+            </a:extLst>
+          </p:cNvPr>
+          <p:cNvSpPr>
+            <a:spLocks noGrp="1"/>
+          </p:cNvSpPr>
+          <p:nvPr>
+            <p:ph idx="1"/>
+          </p:nvPr>
+        </p:nvSpPr>
+        <p:spPr>
+          <a:xfrm>
+            <a:off x="838199" y="1326995"/>
+            <a:ext cx="11053879" cy="501805"/>
+          </a:xfrm>
+        </p:spPr>
+        <p:txBody>
+          <a:bodyPr/>
+          <a:lstStyle/>
+          <a:p>
+            <a:r>
+              <a:rPr kumimoji="1" lang="en-US" altLang="zh-CN" dirty="0"/>
+              <a:t>Is it a good style?</a:t>
+            </a:r>
+            <a:endParaRPr kumimoji="1" lang="zh-CN" altLang="en-US" dirty="0"/>
+          </a:p>
+        </p:txBody>
+      </p:sp>
+      <p:sp>
+        <p:nvSpPr>
+          <p:cNvPr id="5" name="文本框 4">
+            <a:extLst>
+              <a:ext uri="{FF2B5EF4-FFF2-40B4-BE49-F238E27FC236}">
+                <a16:creationId xmlns:a16="http://schemas.microsoft.com/office/drawing/2014/main" id="{3B5FEE65-DC75-628C-55B0-D69B9E0260DB}"/>
+              </a:ext>
+            </a:extLst>
+          </p:cNvPr>
+          <p:cNvSpPr txBox="1"/>
+          <p:nvPr/>
+        </p:nvSpPr>
+        <p:spPr>
+          <a:xfrm>
+            <a:off x="146304" y="1838487"/>
+            <a:ext cx="5367528" cy="4401205"/>
+          </a:xfrm>
+          <a:prstGeom prst="rect">
+            <a:avLst/>
+          </a:prstGeom>
+          <a:solidFill>
+            <a:schemeClr val="accent1">
+              <a:lumMod val="20000"/>
+              <a:lumOff val="80000"/>
+            </a:schemeClr>
+          </a:solidFill>
+        </p:spPr>
+        <p:txBody>
+          <a:bodyPr wrap="square">
+            <a:spAutoFit/>
+          </a:bodyPr>
+          <a:lstStyle/>
+          <a:p>
+            <a:r>
+              <a:rPr lang="en" altLang="zh-CN" sz="1400" b="0" dirty="0">
+                <a:solidFill>
+                  <a:srgbClr val="0000FF"/>
+                </a:solidFill>
+                <a:effectLst/>
+                <a:latin typeface="Menlo" panose="020B0609030804020204" pitchFamily="49" charset="0"/>
+              </a:rPr>
+              <a:t>class</a:t>
+            </a:r>
+            <a:r>
+              <a:rPr lang="en" altLang="zh-CN" sz="1400" b="0" dirty="0">
+                <a:solidFill>
+                  <a:srgbClr val="000000"/>
+                </a:solidFill>
+                <a:effectLst/>
+                <a:latin typeface="Menlo" panose="020B0609030804020204" pitchFamily="49" charset="0"/>
+              </a:rPr>
+              <a:t> </a:t>
+            </a:r>
+            <a:r>
+              <a:rPr lang="en" altLang="zh-CN" sz="1400" b="0" dirty="0">
+                <a:solidFill>
+                  <a:srgbClr val="267F99"/>
+                </a:solidFill>
+                <a:effectLst/>
+                <a:latin typeface="Menlo" panose="020B0609030804020204" pitchFamily="49" charset="0"/>
+              </a:rPr>
+              <a:t>Matrix</a:t>
+            </a:r>
+            <a:endParaRPr lang="en" altLang="zh-CN" sz="1400" b="0" dirty="0">
+              <a:solidFill>
+                <a:srgbClr val="000000"/>
+              </a:solidFill>
+              <a:effectLst/>
+              <a:latin typeface="Menlo" panose="020B0609030804020204" pitchFamily="49" charset="0"/>
+            </a:endParaRPr>
+          </a:p>
+          <a:p>
+            <a:r>
+              <a:rPr lang="en" altLang="zh-CN" sz="1400" b="0" dirty="0">
+                <a:solidFill>
+                  <a:srgbClr val="000000"/>
+                </a:solidFill>
+                <a:effectLst/>
+                <a:latin typeface="Menlo" panose="020B0609030804020204" pitchFamily="49" charset="0"/>
+              </a:rPr>
+              <a:t>{</a:t>
+            </a:r>
+          </a:p>
+          <a:p>
+            <a:r>
+              <a:rPr lang="en" altLang="zh-CN" sz="1400" b="0" dirty="0">
+                <a:solidFill>
+                  <a:srgbClr val="0000FF"/>
+                </a:solidFill>
+                <a:effectLst/>
+                <a:latin typeface="Menlo" panose="020B0609030804020204" pitchFamily="49" charset="0"/>
+              </a:rPr>
+              <a:t>  private:</a:t>
+            </a:r>
+            <a:endParaRPr lang="en" altLang="zh-CN" sz="1400" b="0" dirty="0">
+              <a:solidFill>
+                <a:srgbClr val="000000"/>
+              </a:solidFill>
+              <a:effectLst/>
+              <a:latin typeface="Menlo" panose="020B0609030804020204" pitchFamily="49" charset="0"/>
+            </a:endParaRPr>
+          </a:p>
+          <a:p>
+            <a:r>
+              <a:rPr lang="en" altLang="zh-CN" sz="1400" b="0" dirty="0">
+                <a:solidFill>
+                  <a:srgbClr val="0000FF"/>
+                </a:solidFill>
+                <a:effectLst/>
+                <a:latin typeface="Menlo" panose="020B0609030804020204" pitchFamily="49" charset="0"/>
+              </a:rPr>
+              <a:t>    </a:t>
+            </a:r>
+            <a:r>
+              <a:rPr lang="en" altLang="zh-CN" sz="1400" b="0" dirty="0" err="1">
+                <a:solidFill>
+                  <a:srgbClr val="0000FF"/>
+                </a:solidFill>
+                <a:effectLst/>
+                <a:latin typeface="Menlo" panose="020B0609030804020204" pitchFamily="49" charset="0"/>
+              </a:rPr>
+              <a:t>size_t</a:t>
+            </a:r>
+            <a:r>
+              <a:rPr lang="en" altLang="zh-CN" sz="1400" b="0" dirty="0">
+                <a:solidFill>
+                  <a:srgbClr val="000000"/>
+                </a:solidFill>
+                <a:effectLst/>
+                <a:latin typeface="Menlo" panose="020B0609030804020204" pitchFamily="49" charset="0"/>
+              </a:rPr>
+              <a:t> </a:t>
+            </a:r>
+            <a:r>
+              <a:rPr lang="en" altLang="zh-CN" sz="1400" b="0" dirty="0">
+                <a:solidFill>
+                  <a:srgbClr val="001080"/>
+                </a:solidFill>
+                <a:effectLst/>
+                <a:latin typeface="Menlo" panose="020B0609030804020204" pitchFamily="49" charset="0"/>
+              </a:rPr>
+              <a:t>rows</a:t>
+            </a:r>
+            <a:r>
+              <a:rPr lang="en" altLang="zh-CN" sz="1400" b="0" dirty="0">
+                <a:solidFill>
+                  <a:srgbClr val="000000"/>
+                </a:solidFill>
+                <a:effectLst/>
+                <a:latin typeface="Menlo" panose="020B0609030804020204" pitchFamily="49" charset="0"/>
+              </a:rPr>
+              <a:t>;</a:t>
+            </a:r>
+          </a:p>
+          <a:p>
+            <a:r>
+              <a:rPr lang="en" altLang="zh-CN" sz="1400" b="0" dirty="0">
+                <a:solidFill>
+                  <a:srgbClr val="0000FF"/>
+                </a:solidFill>
+                <a:effectLst/>
+                <a:latin typeface="Menlo" panose="020B0609030804020204" pitchFamily="49" charset="0"/>
+              </a:rPr>
+              <a:t>    </a:t>
+            </a:r>
+            <a:r>
+              <a:rPr lang="en" altLang="zh-CN" sz="1400" b="0" dirty="0" err="1">
+                <a:solidFill>
+                  <a:srgbClr val="0000FF"/>
+                </a:solidFill>
+                <a:effectLst/>
+                <a:latin typeface="Menlo" panose="020B0609030804020204" pitchFamily="49" charset="0"/>
+              </a:rPr>
+              <a:t>size_t</a:t>
+            </a:r>
+            <a:r>
+              <a:rPr lang="en" altLang="zh-CN" sz="1400" b="0" dirty="0">
+                <a:solidFill>
+                  <a:srgbClr val="000000"/>
+                </a:solidFill>
+                <a:effectLst/>
+                <a:latin typeface="Menlo" panose="020B0609030804020204" pitchFamily="49" charset="0"/>
+              </a:rPr>
+              <a:t> </a:t>
+            </a:r>
+            <a:r>
+              <a:rPr lang="en" altLang="zh-CN" sz="1400" b="0" dirty="0">
+                <a:solidFill>
+                  <a:srgbClr val="001080"/>
+                </a:solidFill>
+                <a:effectLst/>
+                <a:latin typeface="Menlo" panose="020B0609030804020204" pitchFamily="49" charset="0"/>
+              </a:rPr>
+              <a:t>cols</a:t>
+            </a:r>
+            <a:r>
+              <a:rPr lang="en" altLang="zh-CN" sz="1400" b="0" dirty="0">
+                <a:solidFill>
+                  <a:srgbClr val="000000"/>
+                </a:solidFill>
+                <a:effectLst/>
+                <a:latin typeface="Menlo" panose="020B0609030804020204" pitchFamily="49" charset="0"/>
+              </a:rPr>
+              <a:t>;</a:t>
+            </a:r>
+          </a:p>
+          <a:p>
+            <a:r>
+              <a:rPr lang="en" altLang="zh-CN" sz="1400" b="0" dirty="0">
+                <a:solidFill>
+                  <a:srgbClr val="0000FF"/>
+                </a:solidFill>
+                <a:effectLst/>
+                <a:latin typeface="Menlo" panose="020B0609030804020204" pitchFamily="49" charset="0"/>
+              </a:rPr>
+              <a:t>    float</a:t>
+            </a:r>
+            <a:r>
+              <a:rPr lang="en" altLang="zh-CN" sz="1400" b="0" dirty="0">
+                <a:solidFill>
+                  <a:srgbClr val="000000"/>
+                </a:solidFill>
+                <a:effectLst/>
+                <a:latin typeface="Menlo" panose="020B0609030804020204" pitchFamily="49" charset="0"/>
+              </a:rPr>
+              <a:t> * </a:t>
+            </a:r>
+            <a:r>
+              <a:rPr lang="en" altLang="zh-CN" sz="1400" b="0" dirty="0">
+                <a:solidFill>
+                  <a:srgbClr val="001080"/>
+                </a:solidFill>
+                <a:effectLst/>
+                <a:latin typeface="Menlo" panose="020B0609030804020204" pitchFamily="49" charset="0"/>
+              </a:rPr>
+              <a:t>data</a:t>
+            </a:r>
+            <a:r>
+              <a:rPr lang="en" altLang="zh-CN" sz="1400" b="0" dirty="0">
+                <a:solidFill>
+                  <a:srgbClr val="000000"/>
+                </a:solidFill>
+                <a:effectLst/>
+                <a:latin typeface="Menlo" panose="020B0609030804020204" pitchFamily="49" charset="0"/>
+              </a:rPr>
+              <a:t>;</a:t>
+            </a:r>
+          </a:p>
+          <a:p>
+            <a:r>
+              <a:rPr lang="en" altLang="zh-CN" sz="1400" b="0" dirty="0">
+                <a:solidFill>
+                  <a:srgbClr val="0000FF"/>
+                </a:solidFill>
+                <a:effectLst/>
+                <a:latin typeface="Menlo" panose="020B0609030804020204" pitchFamily="49" charset="0"/>
+              </a:rPr>
+              <a:t>  public:</a:t>
+            </a:r>
+            <a:endParaRPr lang="en" altLang="zh-CN" sz="1400" b="0" dirty="0">
+              <a:solidFill>
+                <a:srgbClr val="000000"/>
+              </a:solidFill>
+              <a:effectLst/>
+              <a:latin typeface="Menlo" panose="020B0609030804020204" pitchFamily="49" charset="0"/>
+            </a:endParaRPr>
+          </a:p>
+          <a:p>
+            <a:r>
+              <a:rPr lang="en" altLang="zh-CN" sz="1400" b="0" dirty="0">
+                <a:solidFill>
+                  <a:srgbClr val="795E26"/>
+                </a:solidFill>
+                <a:effectLst/>
+                <a:latin typeface="Menlo" panose="020B0609030804020204" pitchFamily="49" charset="0"/>
+              </a:rPr>
+              <a:t>    Matrix</a:t>
+            </a:r>
+            <a:r>
+              <a:rPr lang="en" altLang="zh-CN" sz="1400" b="0" dirty="0">
+                <a:solidFill>
+                  <a:srgbClr val="000000"/>
+                </a:solidFill>
+                <a:effectLst/>
+                <a:latin typeface="Menlo" panose="020B0609030804020204" pitchFamily="49" charset="0"/>
+              </a:rPr>
+              <a:t>(</a:t>
+            </a:r>
+            <a:r>
+              <a:rPr lang="en" altLang="zh-CN" sz="1400" b="0" dirty="0" err="1">
+                <a:solidFill>
+                  <a:srgbClr val="0000FF"/>
+                </a:solidFill>
+                <a:effectLst/>
+                <a:latin typeface="Menlo" panose="020B0609030804020204" pitchFamily="49" charset="0"/>
+              </a:rPr>
+              <a:t>size_t</a:t>
+            </a:r>
+            <a:r>
+              <a:rPr lang="en" altLang="zh-CN" sz="1400" b="0" dirty="0">
+                <a:solidFill>
+                  <a:srgbClr val="000000"/>
+                </a:solidFill>
+                <a:effectLst/>
+                <a:latin typeface="Menlo" panose="020B0609030804020204" pitchFamily="49" charset="0"/>
+              </a:rPr>
+              <a:t> </a:t>
+            </a:r>
+            <a:r>
+              <a:rPr lang="en" altLang="zh-CN" sz="1400" b="0" dirty="0">
+                <a:solidFill>
+                  <a:srgbClr val="001080"/>
+                </a:solidFill>
+                <a:effectLst/>
+                <a:latin typeface="Menlo" panose="020B0609030804020204" pitchFamily="49" charset="0"/>
+              </a:rPr>
+              <a:t>r</a:t>
+            </a:r>
+            <a:r>
+              <a:rPr lang="en" altLang="zh-CN" sz="1400" b="0" dirty="0">
+                <a:solidFill>
+                  <a:srgbClr val="000000"/>
+                </a:solidFill>
+                <a:effectLst/>
+                <a:latin typeface="Menlo" panose="020B0609030804020204" pitchFamily="49" charset="0"/>
+              </a:rPr>
+              <a:t>, </a:t>
+            </a:r>
+            <a:r>
+              <a:rPr lang="en" altLang="zh-CN" sz="1400" b="0" dirty="0" err="1">
+                <a:solidFill>
+                  <a:srgbClr val="0000FF"/>
+                </a:solidFill>
+                <a:effectLst/>
+                <a:latin typeface="Menlo" panose="020B0609030804020204" pitchFamily="49" charset="0"/>
+              </a:rPr>
+              <a:t>size_t</a:t>
+            </a:r>
+            <a:r>
+              <a:rPr lang="en" altLang="zh-CN" sz="1400" b="0" dirty="0">
+                <a:solidFill>
+                  <a:srgbClr val="000000"/>
+                </a:solidFill>
+                <a:effectLst/>
+                <a:latin typeface="Menlo" panose="020B0609030804020204" pitchFamily="49" charset="0"/>
+              </a:rPr>
+              <a:t> </a:t>
+            </a:r>
+            <a:r>
+              <a:rPr lang="en" altLang="zh-CN" sz="1400" b="0" dirty="0">
+                <a:solidFill>
+                  <a:srgbClr val="001080"/>
+                </a:solidFill>
+                <a:effectLst/>
+                <a:latin typeface="Menlo" panose="020B0609030804020204" pitchFamily="49" charset="0"/>
+              </a:rPr>
+              <a:t>c</a:t>
+            </a:r>
+            <a:r>
+              <a:rPr lang="en" altLang="zh-CN" sz="1400" b="0" dirty="0">
+                <a:solidFill>
+                  <a:srgbClr val="000000"/>
+                </a:solidFill>
+                <a:effectLst/>
+                <a:latin typeface="Menlo" panose="020B0609030804020204" pitchFamily="49" charset="0"/>
+              </a:rPr>
+              <a:t>){...}</a:t>
+            </a:r>
+          </a:p>
+          <a:p>
+            <a:r>
+              <a:rPr lang="en" altLang="zh-CN" sz="1400" b="0" dirty="0">
+                <a:solidFill>
+                  <a:srgbClr val="0000FF"/>
+                </a:solidFill>
+                <a:effectLst/>
+                <a:latin typeface="Menlo" panose="020B0609030804020204" pitchFamily="49" charset="0"/>
+              </a:rPr>
+              <a:t>    </a:t>
+            </a:r>
+            <a:r>
+              <a:rPr lang="en" altLang="zh-CN" sz="1400" b="0" dirty="0" err="1">
+                <a:solidFill>
+                  <a:srgbClr val="0000FF"/>
+                </a:solidFill>
+                <a:effectLst/>
+                <a:latin typeface="Menlo" panose="020B0609030804020204" pitchFamily="49" charset="0"/>
+              </a:rPr>
+              <a:t>size_t</a:t>
+            </a:r>
+            <a:r>
+              <a:rPr lang="en" altLang="zh-CN" sz="1400" b="0" dirty="0">
+                <a:solidFill>
+                  <a:srgbClr val="000000"/>
+                </a:solidFill>
+                <a:effectLst/>
+                <a:latin typeface="Menlo" panose="020B0609030804020204" pitchFamily="49" charset="0"/>
+              </a:rPr>
+              <a:t> </a:t>
+            </a:r>
+            <a:r>
+              <a:rPr lang="en" altLang="zh-CN" sz="1400" b="0" dirty="0" err="1">
+                <a:solidFill>
+                  <a:srgbClr val="795E26"/>
+                </a:solidFill>
+                <a:effectLst/>
+                <a:latin typeface="Menlo" panose="020B0609030804020204" pitchFamily="49" charset="0"/>
+              </a:rPr>
+              <a:t>getRows</a:t>
+            </a:r>
+            <a:r>
+              <a:rPr lang="en" altLang="zh-CN" sz="1400" b="0" dirty="0">
+                <a:solidFill>
+                  <a:srgbClr val="000000"/>
+                </a:solidFill>
+                <a:effectLst/>
+                <a:latin typeface="Menlo" panose="020B0609030804020204" pitchFamily="49" charset="0"/>
+              </a:rPr>
+              <a:t>() </a:t>
+            </a:r>
+            <a:r>
+              <a:rPr lang="en" altLang="zh-CN" sz="1400" b="0" dirty="0">
+                <a:solidFill>
+                  <a:srgbClr val="0000FF"/>
+                </a:solidFill>
+                <a:effectLst/>
+                <a:latin typeface="Menlo" panose="020B0609030804020204" pitchFamily="49" charset="0"/>
+              </a:rPr>
+              <a:t>const</a:t>
+            </a:r>
+            <a:r>
+              <a:rPr lang="en" altLang="zh-CN" sz="1400" b="0" dirty="0">
+                <a:solidFill>
+                  <a:srgbClr val="000000"/>
+                </a:solidFill>
+                <a:effectLst/>
+                <a:latin typeface="Menlo" panose="020B0609030804020204" pitchFamily="49" charset="0"/>
+              </a:rPr>
+              <a:t> {</a:t>
+            </a:r>
+            <a:r>
+              <a:rPr lang="en" altLang="zh-CN" sz="1400" b="0" dirty="0">
+                <a:solidFill>
+                  <a:srgbClr val="AF00DB"/>
+                </a:solidFill>
+                <a:effectLst/>
+                <a:latin typeface="Menlo" panose="020B0609030804020204" pitchFamily="49" charset="0"/>
+              </a:rPr>
+              <a:t>return</a:t>
+            </a:r>
+            <a:r>
+              <a:rPr lang="en" altLang="zh-CN" sz="1400" b="0" dirty="0">
+                <a:solidFill>
+                  <a:srgbClr val="000000"/>
+                </a:solidFill>
+                <a:effectLst/>
+                <a:latin typeface="Menlo" panose="020B0609030804020204" pitchFamily="49" charset="0"/>
+              </a:rPr>
+              <a:t> </a:t>
+            </a:r>
+            <a:r>
+              <a:rPr lang="en" altLang="zh-CN" sz="1400" b="0" dirty="0">
+                <a:solidFill>
+                  <a:srgbClr val="001080"/>
+                </a:solidFill>
+                <a:effectLst/>
+                <a:latin typeface="Menlo" panose="020B0609030804020204" pitchFamily="49" charset="0"/>
+              </a:rPr>
+              <a:t>rows</a:t>
+            </a:r>
+            <a:r>
+              <a:rPr lang="en" altLang="zh-CN" sz="1400" b="0" dirty="0">
+                <a:solidFill>
+                  <a:srgbClr val="000000"/>
+                </a:solidFill>
+                <a:effectLst/>
+                <a:latin typeface="Menlo" panose="020B0609030804020204" pitchFamily="49" charset="0"/>
+              </a:rPr>
+              <a:t>;}</a:t>
+            </a:r>
+          </a:p>
+          <a:p>
+            <a:r>
+              <a:rPr lang="en" altLang="zh-CN" sz="1400" b="0" dirty="0">
+                <a:solidFill>
+                  <a:srgbClr val="0000FF"/>
+                </a:solidFill>
+                <a:effectLst/>
+                <a:latin typeface="Menlo" panose="020B0609030804020204" pitchFamily="49" charset="0"/>
+              </a:rPr>
+              <a:t>    </a:t>
+            </a:r>
+            <a:r>
+              <a:rPr lang="en" altLang="zh-CN" sz="1400" b="0" dirty="0" err="1">
+                <a:solidFill>
+                  <a:srgbClr val="0000FF"/>
+                </a:solidFill>
+                <a:effectLst/>
+                <a:latin typeface="Menlo" panose="020B0609030804020204" pitchFamily="49" charset="0"/>
+              </a:rPr>
+              <a:t>size_t</a:t>
+            </a:r>
+            <a:r>
+              <a:rPr lang="en" altLang="zh-CN" sz="1400" b="0" dirty="0">
+                <a:solidFill>
+                  <a:srgbClr val="000000"/>
+                </a:solidFill>
+                <a:effectLst/>
+                <a:latin typeface="Menlo" panose="020B0609030804020204" pitchFamily="49" charset="0"/>
+              </a:rPr>
+              <a:t> </a:t>
+            </a:r>
+            <a:r>
+              <a:rPr lang="en" altLang="zh-CN" sz="1400" b="0" dirty="0" err="1">
+                <a:solidFill>
+                  <a:srgbClr val="795E26"/>
+                </a:solidFill>
+                <a:effectLst/>
+                <a:latin typeface="Menlo" panose="020B0609030804020204" pitchFamily="49" charset="0"/>
+              </a:rPr>
+              <a:t>getCols</a:t>
+            </a:r>
+            <a:r>
+              <a:rPr lang="en" altLang="zh-CN" sz="1400" b="0" dirty="0">
+                <a:solidFill>
+                  <a:srgbClr val="000000"/>
+                </a:solidFill>
+                <a:effectLst/>
+                <a:latin typeface="Menlo" panose="020B0609030804020204" pitchFamily="49" charset="0"/>
+              </a:rPr>
+              <a:t>() </a:t>
+            </a:r>
+            <a:r>
+              <a:rPr lang="en" altLang="zh-CN" sz="1400" b="0" dirty="0">
+                <a:solidFill>
+                  <a:srgbClr val="0000FF"/>
+                </a:solidFill>
+                <a:effectLst/>
+                <a:latin typeface="Menlo" panose="020B0609030804020204" pitchFamily="49" charset="0"/>
+              </a:rPr>
+              <a:t>const</a:t>
+            </a:r>
+            <a:r>
+              <a:rPr lang="en" altLang="zh-CN" sz="1400" b="0" dirty="0">
+                <a:solidFill>
+                  <a:srgbClr val="000000"/>
+                </a:solidFill>
+                <a:effectLst/>
+                <a:latin typeface="Menlo" panose="020B0609030804020204" pitchFamily="49" charset="0"/>
+              </a:rPr>
+              <a:t> {</a:t>
+            </a:r>
+            <a:r>
+              <a:rPr lang="en" altLang="zh-CN" sz="1400" b="0" dirty="0">
+                <a:solidFill>
+                  <a:srgbClr val="AF00DB"/>
+                </a:solidFill>
+                <a:effectLst/>
+                <a:latin typeface="Menlo" panose="020B0609030804020204" pitchFamily="49" charset="0"/>
+              </a:rPr>
+              <a:t>return</a:t>
+            </a:r>
+            <a:r>
+              <a:rPr lang="en" altLang="zh-CN" sz="1400" b="0" dirty="0">
+                <a:solidFill>
+                  <a:srgbClr val="000000"/>
+                </a:solidFill>
+                <a:effectLst/>
+                <a:latin typeface="Menlo" panose="020B0609030804020204" pitchFamily="49" charset="0"/>
+              </a:rPr>
+              <a:t> </a:t>
+            </a:r>
+            <a:r>
+              <a:rPr lang="en" altLang="zh-CN" sz="1400" b="0" dirty="0">
+                <a:solidFill>
+                  <a:srgbClr val="001080"/>
+                </a:solidFill>
+                <a:effectLst/>
+                <a:latin typeface="Menlo" panose="020B0609030804020204" pitchFamily="49" charset="0"/>
+              </a:rPr>
+              <a:t>cols</a:t>
+            </a:r>
+            <a:r>
+              <a:rPr lang="en" altLang="zh-CN" sz="1400" b="0" dirty="0">
+                <a:solidFill>
+                  <a:srgbClr val="000000"/>
+                </a:solidFill>
+                <a:effectLst/>
+                <a:latin typeface="Menlo" panose="020B0609030804020204" pitchFamily="49" charset="0"/>
+              </a:rPr>
+              <a:t>;}</a:t>
+            </a:r>
+          </a:p>
+          <a:p>
+            <a:r>
+              <a:rPr lang="en" altLang="zh-CN" sz="1400" b="0" dirty="0">
+                <a:solidFill>
+                  <a:srgbClr val="0000FF"/>
+                </a:solidFill>
+                <a:effectLst/>
+                <a:latin typeface="Menlo" panose="020B0609030804020204" pitchFamily="49" charset="0"/>
+              </a:rPr>
+              <a:t>    float</a:t>
+            </a:r>
+            <a:r>
+              <a:rPr lang="en" altLang="zh-CN" sz="1400" b="0" dirty="0">
+                <a:solidFill>
+                  <a:srgbClr val="000000"/>
+                </a:solidFill>
+                <a:effectLst/>
+                <a:latin typeface="Menlo" panose="020B0609030804020204" pitchFamily="49" charset="0"/>
+              </a:rPr>
+              <a:t> </a:t>
+            </a:r>
+            <a:r>
+              <a:rPr lang="en" altLang="zh-CN" sz="1400" b="0" dirty="0" err="1">
+                <a:solidFill>
+                  <a:srgbClr val="795E26"/>
+                </a:solidFill>
+                <a:effectLst/>
+                <a:latin typeface="Menlo" panose="020B0609030804020204" pitchFamily="49" charset="0"/>
+              </a:rPr>
+              <a:t>getElement</a:t>
+            </a:r>
+            <a:r>
+              <a:rPr lang="en" altLang="zh-CN" sz="1400" b="0" dirty="0">
+                <a:solidFill>
+                  <a:srgbClr val="000000"/>
+                </a:solidFill>
+                <a:effectLst/>
+                <a:latin typeface="Menlo" panose="020B0609030804020204" pitchFamily="49" charset="0"/>
+              </a:rPr>
+              <a:t>(</a:t>
+            </a:r>
+            <a:r>
+              <a:rPr lang="en" altLang="zh-CN" sz="1400" b="0" dirty="0" err="1">
+                <a:solidFill>
+                  <a:srgbClr val="0000FF"/>
+                </a:solidFill>
+                <a:effectLst/>
+                <a:latin typeface="Menlo" panose="020B0609030804020204" pitchFamily="49" charset="0"/>
+              </a:rPr>
+              <a:t>size_t</a:t>
+            </a:r>
+            <a:r>
+              <a:rPr lang="en" altLang="zh-CN" sz="1400" b="0" dirty="0">
+                <a:solidFill>
+                  <a:srgbClr val="000000"/>
+                </a:solidFill>
+                <a:effectLst/>
+                <a:latin typeface="Menlo" panose="020B0609030804020204" pitchFamily="49" charset="0"/>
+              </a:rPr>
+              <a:t> </a:t>
+            </a:r>
+            <a:r>
+              <a:rPr lang="en" altLang="zh-CN" sz="1400" b="0" dirty="0">
+                <a:solidFill>
+                  <a:srgbClr val="001080"/>
+                </a:solidFill>
+                <a:effectLst/>
+                <a:latin typeface="Menlo" panose="020B0609030804020204" pitchFamily="49" charset="0"/>
+              </a:rPr>
+              <a:t>r</a:t>
+            </a:r>
+            <a:r>
+              <a:rPr lang="en" altLang="zh-CN" sz="1400" b="0" dirty="0">
+                <a:solidFill>
+                  <a:srgbClr val="000000"/>
+                </a:solidFill>
+                <a:effectLst/>
+                <a:latin typeface="Menlo" panose="020B0609030804020204" pitchFamily="49" charset="0"/>
+              </a:rPr>
+              <a:t>, </a:t>
+            </a:r>
+            <a:r>
+              <a:rPr lang="en" altLang="zh-CN" sz="1400" b="0" dirty="0" err="1">
+                <a:solidFill>
+                  <a:srgbClr val="0000FF"/>
+                </a:solidFill>
+                <a:effectLst/>
+                <a:latin typeface="Menlo" panose="020B0609030804020204" pitchFamily="49" charset="0"/>
+              </a:rPr>
+              <a:t>size_t</a:t>
+            </a:r>
+            <a:r>
+              <a:rPr lang="en" altLang="zh-CN" sz="1400" b="0" dirty="0">
+                <a:solidFill>
+                  <a:srgbClr val="000000"/>
+                </a:solidFill>
+                <a:effectLst/>
+                <a:latin typeface="Menlo" panose="020B0609030804020204" pitchFamily="49" charset="0"/>
+              </a:rPr>
+              <a:t> </a:t>
+            </a:r>
+            <a:r>
+              <a:rPr lang="en" altLang="zh-CN" sz="1400" b="0" dirty="0">
+                <a:solidFill>
+                  <a:srgbClr val="001080"/>
+                </a:solidFill>
+                <a:effectLst/>
+                <a:latin typeface="Menlo" panose="020B0609030804020204" pitchFamily="49" charset="0"/>
+              </a:rPr>
+              <a:t>c</a:t>
+            </a:r>
+            <a:r>
+              <a:rPr lang="en" altLang="zh-CN" sz="1400" b="0" dirty="0">
+                <a:solidFill>
+                  <a:srgbClr val="000000"/>
+                </a:solidFill>
+                <a:effectLst/>
+                <a:latin typeface="Menlo" panose="020B0609030804020204" pitchFamily="49" charset="0"/>
+              </a:rPr>
+              <a:t>)</a:t>
+            </a:r>
+          </a:p>
+          <a:p>
+            <a:r>
+              <a:rPr lang="en" altLang="zh-CN" sz="1400" b="0" dirty="0">
+                <a:solidFill>
+                  <a:srgbClr val="000000"/>
+                </a:solidFill>
+                <a:effectLst/>
+                <a:latin typeface="Menlo" panose="020B0609030804020204" pitchFamily="49" charset="0"/>
+              </a:rPr>
+              <a:t>    {</a:t>
+            </a:r>
+          </a:p>
+          <a:p>
+            <a:r>
+              <a:rPr lang="en" altLang="zh-CN" sz="1400" b="0" dirty="0">
+                <a:solidFill>
+                  <a:srgbClr val="AF00DB"/>
+                </a:solidFill>
+                <a:effectLst/>
+                <a:latin typeface="Menlo" panose="020B0609030804020204" pitchFamily="49" charset="0"/>
+              </a:rPr>
+              <a:t>        if</a:t>
+            </a:r>
+            <a:r>
+              <a:rPr lang="en" altLang="zh-CN" sz="1400" b="0" dirty="0">
+                <a:solidFill>
+                  <a:srgbClr val="000000"/>
+                </a:solidFill>
+                <a:effectLst/>
+                <a:latin typeface="Menlo" panose="020B0609030804020204" pitchFamily="49" charset="0"/>
+              </a:rPr>
+              <a:t>( </a:t>
+            </a:r>
+            <a:r>
+              <a:rPr lang="en" altLang="zh-CN" sz="1400" b="0" dirty="0">
+                <a:solidFill>
+                  <a:srgbClr val="001080"/>
+                </a:solidFill>
+                <a:effectLst/>
+                <a:latin typeface="Menlo" panose="020B0609030804020204" pitchFamily="49" charset="0"/>
+              </a:rPr>
+              <a:t>r</a:t>
+            </a:r>
+            <a:r>
+              <a:rPr lang="en" altLang="zh-CN" sz="1400" b="0" dirty="0">
+                <a:solidFill>
+                  <a:srgbClr val="000000"/>
+                </a:solidFill>
+                <a:effectLst/>
+                <a:latin typeface="Menlo" panose="020B0609030804020204" pitchFamily="49" charset="0"/>
+              </a:rPr>
+              <a:t> &gt;= </a:t>
+            </a:r>
+            <a:r>
+              <a:rPr lang="en" altLang="zh-CN" sz="1400" b="0" dirty="0">
+                <a:solidFill>
+                  <a:srgbClr val="001080"/>
+                </a:solidFill>
+                <a:effectLst/>
+                <a:latin typeface="Menlo" panose="020B0609030804020204" pitchFamily="49" charset="0"/>
+              </a:rPr>
+              <a:t>rows</a:t>
+            </a:r>
+            <a:r>
+              <a:rPr lang="en" altLang="zh-CN" sz="1400" b="0" dirty="0">
+                <a:solidFill>
+                  <a:srgbClr val="000000"/>
+                </a:solidFill>
+                <a:effectLst/>
+                <a:latin typeface="Menlo" panose="020B0609030804020204" pitchFamily="49" charset="0"/>
+              </a:rPr>
+              <a:t> || </a:t>
+            </a:r>
+            <a:r>
+              <a:rPr lang="en" altLang="zh-CN" sz="1400" b="0" dirty="0">
+                <a:solidFill>
+                  <a:srgbClr val="001080"/>
+                </a:solidFill>
+                <a:effectLst/>
+                <a:latin typeface="Menlo" panose="020B0609030804020204" pitchFamily="49" charset="0"/>
+              </a:rPr>
+              <a:t>c</a:t>
+            </a:r>
+            <a:r>
+              <a:rPr lang="en" altLang="zh-CN" sz="1400" b="0" dirty="0">
+                <a:solidFill>
+                  <a:srgbClr val="000000"/>
+                </a:solidFill>
+                <a:effectLst/>
+                <a:latin typeface="Menlo" panose="020B0609030804020204" pitchFamily="49" charset="0"/>
+              </a:rPr>
+              <a:t> &gt;= </a:t>
+            </a:r>
+            <a:r>
+              <a:rPr lang="en" altLang="zh-CN" sz="1400" b="0" dirty="0">
+                <a:solidFill>
+                  <a:srgbClr val="001080"/>
+                </a:solidFill>
+                <a:effectLst/>
+                <a:latin typeface="Menlo" panose="020B0609030804020204" pitchFamily="49" charset="0"/>
+              </a:rPr>
+              <a:t>cols</a:t>
+            </a:r>
+            <a:r>
+              <a:rPr lang="en" altLang="zh-CN" sz="1400" b="0" dirty="0">
+                <a:solidFill>
+                  <a:srgbClr val="000000"/>
+                </a:solidFill>
+                <a:effectLst/>
+                <a:latin typeface="Menlo" panose="020B0609030804020204" pitchFamily="49" charset="0"/>
+              </a:rPr>
+              <a:t>) { ... }</a:t>
+            </a:r>
+          </a:p>
+          <a:p>
+            <a:r>
+              <a:rPr lang="en" altLang="zh-CN" sz="1400" b="0" dirty="0">
+                <a:solidFill>
+                  <a:srgbClr val="AF00DB"/>
+                </a:solidFill>
+                <a:effectLst/>
+                <a:latin typeface="Menlo" panose="020B0609030804020204" pitchFamily="49" charset="0"/>
+              </a:rPr>
+              <a:t>        return</a:t>
+            </a:r>
+            <a:r>
+              <a:rPr lang="en" altLang="zh-CN" sz="1400" b="0" dirty="0">
+                <a:solidFill>
+                  <a:srgbClr val="000000"/>
+                </a:solidFill>
+                <a:effectLst/>
+                <a:latin typeface="Menlo" panose="020B0609030804020204" pitchFamily="49" charset="0"/>
+              </a:rPr>
+              <a:t> </a:t>
+            </a:r>
+            <a:r>
+              <a:rPr lang="en" altLang="zh-CN" sz="1400" b="0" dirty="0">
+                <a:solidFill>
+                  <a:srgbClr val="001080"/>
+                </a:solidFill>
+                <a:effectLst/>
+                <a:latin typeface="Menlo" panose="020B0609030804020204" pitchFamily="49" charset="0"/>
+              </a:rPr>
+              <a:t>data</a:t>
+            </a:r>
+            <a:r>
+              <a:rPr lang="en" altLang="zh-CN" sz="1400" b="0" dirty="0">
+                <a:solidFill>
+                  <a:srgbClr val="000000"/>
+                </a:solidFill>
+                <a:effectLst/>
+                <a:latin typeface="Menlo" panose="020B0609030804020204" pitchFamily="49" charset="0"/>
+              </a:rPr>
+              <a:t>[ </a:t>
+            </a:r>
+            <a:r>
+              <a:rPr lang="en" altLang="zh-CN" sz="1400" b="0" dirty="0">
+                <a:solidFill>
+                  <a:srgbClr val="001080"/>
+                </a:solidFill>
+                <a:effectLst/>
+                <a:latin typeface="Menlo" panose="020B0609030804020204" pitchFamily="49" charset="0"/>
+              </a:rPr>
+              <a:t>r</a:t>
+            </a:r>
+            <a:r>
+              <a:rPr lang="en" altLang="zh-CN" sz="1400" b="0" dirty="0">
+                <a:solidFill>
+                  <a:srgbClr val="000000"/>
+                </a:solidFill>
+                <a:effectLst/>
+                <a:latin typeface="Menlo" panose="020B0609030804020204" pitchFamily="49" charset="0"/>
+              </a:rPr>
+              <a:t> * </a:t>
+            </a:r>
+            <a:r>
+              <a:rPr lang="en" altLang="zh-CN" sz="1400" b="0" dirty="0">
+                <a:solidFill>
+                  <a:srgbClr val="001080"/>
+                </a:solidFill>
+                <a:effectLst/>
+                <a:latin typeface="Menlo" panose="020B0609030804020204" pitchFamily="49" charset="0"/>
+              </a:rPr>
+              <a:t>cols</a:t>
+            </a:r>
+            <a:r>
+              <a:rPr lang="en" altLang="zh-CN" sz="1400" b="0" dirty="0">
+                <a:solidFill>
+                  <a:srgbClr val="000000"/>
+                </a:solidFill>
+                <a:effectLst/>
+                <a:latin typeface="Menlo" panose="020B0609030804020204" pitchFamily="49" charset="0"/>
+              </a:rPr>
+              <a:t> + </a:t>
+            </a:r>
+            <a:r>
+              <a:rPr lang="en" altLang="zh-CN" sz="1400" b="0" dirty="0">
+                <a:solidFill>
+                  <a:srgbClr val="001080"/>
+                </a:solidFill>
+                <a:effectLst/>
+                <a:latin typeface="Menlo" panose="020B0609030804020204" pitchFamily="49" charset="0"/>
+              </a:rPr>
+              <a:t>c</a:t>
+            </a:r>
+            <a:r>
+              <a:rPr lang="en" altLang="zh-CN" sz="1400" b="0" dirty="0">
+                <a:solidFill>
+                  <a:srgbClr val="000000"/>
+                </a:solidFill>
+                <a:effectLst/>
+                <a:latin typeface="Menlo" panose="020B0609030804020204" pitchFamily="49" charset="0"/>
+              </a:rPr>
+              <a:t>];</a:t>
+            </a:r>
+          </a:p>
+          <a:p>
+            <a:r>
+              <a:rPr lang="en" altLang="zh-CN" sz="1400" b="0" dirty="0">
+                <a:solidFill>
+                  <a:srgbClr val="000000"/>
+                </a:solidFill>
+                <a:effectLst/>
+                <a:latin typeface="Menlo" panose="020B0609030804020204" pitchFamily="49" charset="0"/>
+              </a:rPr>
+              <a:t>    }</a:t>
+            </a:r>
+          </a:p>
+          <a:p>
+            <a:r>
+              <a:rPr lang="en" altLang="zh-CN" sz="1400" b="0" dirty="0">
+                <a:solidFill>
+                  <a:srgbClr val="0000FF"/>
+                </a:solidFill>
+                <a:effectLst/>
+                <a:latin typeface="Menlo" panose="020B0609030804020204" pitchFamily="49" charset="0"/>
+              </a:rPr>
+              <a:t>    void</a:t>
+            </a:r>
+            <a:r>
+              <a:rPr lang="en" altLang="zh-CN" sz="1400" b="0" dirty="0">
+                <a:solidFill>
+                  <a:srgbClr val="000000"/>
+                </a:solidFill>
+                <a:effectLst/>
+                <a:latin typeface="Menlo" panose="020B0609030804020204" pitchFamily="49" charset="0"/>
+              </a:rPr>
+              <a:t> </a:t>
+            </a:r>
+            <a:r>
+              <a:rPr lang="en" altLang="zh-CN" sz="1400" b="0" dirty="0" err="1">
+                <a:solidFill>
+                  <a:srgbClr val="795E26"/>
+                </a:solidFill>
+                <a:effectLst/>
+                <a:latin typeface="Menlo" panose="020B0609030804020204" pitchFamily="49" charset="0"/>
+              </a:rPr>
+              <a:t>setElement</a:t>
+            </a:r>
+            <a:r>
+              <a:rPr lang="en" altLang="zh-CN" sz="1400" b="0" dirty="0">
+                <a:solidFill>
+                  <a:srgbClr val="000000"/>
+                </a:solidFill>
+                <a:effectLst/>
+                <a:latin typeface="Menlo" panose="020B0609030804020204" pitchFamily="49" charset="0"/>
+              </a:rPr>
+              <a:t>(</a:t>
+            </a:r>
+            <a:r>
+              <a:rPr lang="en" altLang="zh-CN" sz="1400" b="0" dirty="0" err="1">
+                <a:solidFill>
+                  <a:srgbClr val="0000FF"/>
+                </a:solidFill>
+                <a:effectLst/>
+                <a:latin typeface="Menlo" panose="020B0609030804020204" pitchFamily="49" charset="0"/>
+              </a:rPr>
+              <a:t>size_t</a:t>
+            </a:r>
+            <a:r>
+              <a:rPr lang="en" altLang="zh-CN" sz="1400" b="0" dirty="0">
+                <a:solidFill>
+                  <a:srgbClr val="000000"/>
+                </a:solidFill>
+                <a:effectLst/>
+                <a:latin typeface="Menlo" panose="020B0609030804020204" pitchFamily="49" charset="0"/>
+              </a:rPr>
+              <a:t> </a:t>
+            </a:r>
+            <a:r>
+              <a:rPr lang="en" altLang="zh-CN" sz="1400" b="0" dirty="0">
+                <a:solidFill>
+                  <a:srgbClr val="001080"/>
+                </a:solidFill>
+                <a:effectLst/>
+                <a:latin typeface="Menlo" panose="020B0609030804020204" pitchFamily="49" charset="0"/>
+              </a:rPr>
+              <a:t>r</a:t>
+            </a:r>
+            <a:r>
+              <a:rPr lang="en" altLang="zh-CN" sz="1400" b="0" dirty="0">
+                <a:solidFill>
+                  <a:srgbClr val="000000"/>
+                </a:solidFill>
+                <a:effectLst/>
+                <a:latin typeface="Menlo" panose="020B0609030804020204" pitchFamily="49" charset="0"/>
+              </a:rPr>
+              <a:t>, </a:t>
+            </a:r>
+            <a:r>
+              <a:rPr lang="en" altLang="zh-CN" sz="1400" b="0" dirty="0" err="1">
+                <a:solidFill>
+                  <a:srgbClr val="0000FF"/>
+                </a:solidFill>
+                <a:effectLst/>
+                <a:latin typeface="Menlo" panose="020B0609030804020204" pitchFamily="49" charset="0"/>
+              </a:rPr>
+              <a:t>size_t</a:t>
+            </a:r>
+            <a:r>
+              <a:rPr lang="en" altLang="zh-CN" sz="1400" b="0" dirty="0">
+                <a:solidFill>
+                  <a:srgbClr val="000000"/>
+                </a:solidFill>
+                <a:effectLst/>
+                <a:latin typeface="Menlo" panose="020B0609030804020204" pitchFamily="49" charset="0"/>
+              </a:rPr>
+              <a:t> </a:t>
+            </a:r>
+            <a:r>
+              <a:rPr lang="en" altLang="zh-CN" sz="1400" b="0" dirty="0">
+                <a:solidFill>
+                  <a:srgbClr val="001080"/>
+                </a:solidFill>
+                <a:effectLst/>
+                <a:latin typeface="Menlo" panose="020B0609030804020204" pitchFamily="49" charset="0"/>
+              </a:rPr>
+              <a:t>c</a:t>
+            </a:r>
+            <a:r>
+              <a:rPr lang="en" altLang="zh-CN" sz="1400" b="0" dirty="0">
+                <a:solidFill>
+                  <a:srgbClr val="000000"/>
+                </a:solidFill>
+                <a:effectLst/>
+                <a:latin typeface="Menlo" panose="020B0609030804020204" pitchFamily="49" charset="0"/>
+              </a:rPr>
+              <a:t>, </a:t>
+            </a:r>
+            <a:r>
+              <a:rPr lang="en" altLang="zh-CN" sz="1400" b="0" dirty="0">
+                <a:solidFill>
+                  <a:srgbClr val="0000FF"/>
+                </a:solidFill>
+                <a:effectLst/>
+                <a:latin typeface="Menlo" panose="020B0609030804020204" pitchFamily="49" charset="0"/>
+              </a:rPr>
+              <a:t>float</a:t>
+            </a:r>
+            <a:r>
+              <a:rPr lang="en" altLang="zh-CN" sz="1400" b="0" dirty="0">
+                <a:solidFill>
+                  <a:srgbClr val="000000"/>
+                </a:solidFill>
+                <a:effectLst/>
+                <a:latin typeface="Menlo" panose="020B0609030804020204" pitchFamily="49" charset="0"/>
+              </a:rPr>
+              <a:t> </a:t>
+            </a:r>
+            <a:r>
+              <a:rPr lang="en" altLang="zh-CN" sz="1400" b="0" dirty="0">
+                <a:solidFill>
+                  <a:srgbClr val="001080"/>
+                </a:solidFill>
+                <a:effectLst/>
+                <a:latin typeface="Menlo" panose="020B0609030804020204" pitchFamily="49" charset="0"/>
+              </a:rPr>
+              <a:t>v</a:t>
+            </a:r>
+            <a:r>
+              <a:rPr lang="en" altLang="zh-CN" sz="1400" b="0" dirty="0">
+                <a:solidFill>
+                  <a:srgbClr val="000000"/>
+                </a:solidFill>
+                <a:effectLst/>
+                <a:latin typeface="Menlo" panose="020B0609030804020204" pitchFamily="49" charset="0"/>
+              </a:rPr>
+              <a:t>)</a:t>
+            </a:r>
+          </a:p>
+          <a:p>
+            <a:r>
+              <a:rPr lang="en" altLang="zh-CN" sz="1400" b="0" dirty="0">
+                <a:solidFill>
+                  <a:srgbClr val="000000"/>
+                </a:solidFill>
+                <a:effectLst/>
+                <a:latin typeface="Menlo" panose="020B0609030804020204" pitchFamily="49" charset="0"/>
+              </a:rPr>
+              <a:t>    {</a:t>
+            </a:r>
+          </a:p>
+          <a:p>
+            <a:r>
+              <a:rPr lang="en" altLang="zh-CN" sz="1400" b="0" dirty="0">
+                <a:solidFill>
+                  <a:srgbClr val="AF00DB"/>
+                </a:solidFill>
+                <a:effectLst/>
+                <a:latin typeface="Menlo" panose="020B0609030804020204" pitchFamily="49" charset="0"/>
+              </a:rPr>
+              <a:t>         if</a:t>
+            </a:r>
+            <a:r>
+              <a:rPr lang="en" altLang="zh-CN" sz="1400" b="0" dirty="0">
+                <a:solidFill>
+                  <a:srgbClr val="000000"/>
+                </a:solidFill>
+                <a:effectLst/>
+                <a:latin typeface="Menlo" panose="020B0609030804020204" pitchFamily="49" charset="0"/>
+              </a:rPr>
+              <a:t>( </a:t>
+            </a:r>
+            <a:r>
+              <a:rPr lang="en" altLang="zh-CN" sz="1400" b="0" dirty="0">
+                <a:solidFill>
+                  <a:srgbClr val="001080"/>
+                </a:solidFill>
+                <a:effectLst/>
+                <a:latin typeface="Menlo" panose="020B0609030804020204" pitchFamily="49" charset="0"/>
+              </a:rPr>
+              <a:t>r</a:t>
+            </a:r>
+            <a:r>
+              <a:rPr lang="en" altLang="zh-CN" sz="1400" b="0" dirty="0">
+                <a:solidFill>
+                  <a:srgbClr val="000000"/>
+                </a:solidFill>
+                <a:effectLst/>
+                <a:latin typeface="Menlo" panose="020B0609030804020204" pitchFamily="49" charset="0"/>
+              </a:rPr>
+              <a:t> &gt;= </a:t>
+            </a:r>
+            <a:r>
+              <a:rPr lang="en" altLang="zh-CN" sz="1400" b="0" dirty="0">
+                <a:solidFill>
+                  <a:srgbClr val="001080"/>
+                </a:solidFill>
+                <a:effectLst/>
+                <a:latin typeface="Menlo" panose="020B0609030804020204" pitchFamily="49" charset="0"/>
+              </a:rPr>
+              <a:t>rows</a:t>
+            </a:r>
+            <a:r>
+              <a:rPr lang="en" altLang="zh-CN" sz="1400" b="0" dirty="0">
+                <a:solidFill>
+                  <a:srgbClr val="000000"/>
+                </a:solidFill>
+                <a:effectLst/>
+                <a:latin typeface="Menlo" panose="020B0609030804020204" pitchFamily="49" charset="0"/>
+              </a:rPr>
+              <a:t> || </a:t>
+            </a:r>
+            <a:r>
+              <a:rPr lang="en" altLang="zh-CN" sz="1400" b="0" dirty="0">
+                <a:solidFill>
+                  <a:srgbClr val="001080"/>
+                </a:solidFill>
+                <a:effectLst/>
+                <a:latin typeface="Menlo" panose="020B0609030804020204" pitchFamily="49" charset="0"/>
+              </a:rPr>
+              <a:t>c</a:t>
+            </a:r>
+            <a:r>
+              <a:rPr lang="en" altLang="zh-CN" sz="1400" b="0" dirty="0">
+                <a:solidFill>
+                  <a:srgbClr val="000000"/>
+                </a:solidFill>
+                <a:effectLst/>
+                <a:latin typeface="Menlo" panose="020B0609030804020204" pitchFamily="49" charset="0"/>
+              </a:rPr>
+              <a:t> &gt;= </a:t>
+            </a:r>
+            <a:r>
+              <a:rPr lang="en" altLang="zh-CN" sz="1400" b="0" dirty="0">
+                <a:solidFill>
+                  <a:srgbClr val="001080"/>
+                </a:solidFill>
+                <a:effectLst/>
+                <a:latin typeface="Menlo" panose="020B0609030804020204" pitchFamily="49" charset="0"/>
+              </a:rPr>
+              <a:t>cols</a:t>
+            </a:r>
+            <a:r>
+              <a:rPr lang="en" altLang="zh-CN" sz="1400" b="0" dirty="0">
+                <a:solidFill>
+                  <a:srgbClr val="000000"/>
+                </a:solidFill>
+                <a:effectLst/>
+                <a:latin typeface="Menlo" panose="020B0609030804020204" pitchFamily="49" charset="0"/>
+              </a:rPr>
+              <a:t>) { ... }</a:t>
+            </a:r>
+          </a:p>
+          <a:p>
+            <a:r>
+              <a:rPr lang="en" altLang="zh-CN" sz="1400" b="0" dirty="0">
+                <a:solidFill>
+                  <a:srgbClr val="001080"/>
+                </a:solidFill>
+                <a:effectLst/>
+                <a:latin typeface="Menlo" panose="020B0609030804020204" pitchFamily="49" charset="0"/>
+              </a:rPr>
+              <a:t>         data</a:t>
+            </a:r>
+            <a:r>
+              <a:rPr lang="en" altLang="zh-CN" sz="1400" b="0" dirty="0">
+                <a:solidFill>
+                  <a:srgbClr val="000000"/>
+                </a:solidFill>
+                <a:effectLst/>
+                <a:latin typeface="Menlo" panose="020B0609030804020204" pitchFamily="49" charset="0"/>
+              </a:rPr>
+              <a:t>[ </a:t>
+            </a:r>
+            <a:r>
+              <a:rPr lang="en" altLang="zh-CN" sz="1400" b="0" dirty="0">
+                <a:solidFill>
+                  <a:srgbClr val="001080"/>
+                </a:solidFill>
+                <a:effectLst/>
+                <a:latin typeface="Menlo" panose="020B0609030804020204" pitchFamily="49" charset="0"/>
+              </a:rPr>
+              <a:t>r</a:t>
+            </a:r>
+            <a:r>
+              <a:rPr lang="en" altLang="zh-CN" sz="1400" b="0" dirty="0">
+                <a:solidFill>
+                  <a:srgbClr val="000000"/>
+                </a:solidFill>
+                <a:effectLst/>
+                <a:latin typeface="Menlo" panose="020B0609030804020204" pitchFamily="49" charset="0"/>
+              </a:rPr>
+              <a:t> * </a:t>
+            </a:r>
+            <a:r>
+              <a:rPr lang="en" altLang="zh-CN" sz="1400" b="0" dirty="0">
+                <a:solidFill>
+                  <a:srgbClr val="001080"/>
+                </a:solidFill>
+                <a:effectLst/>
+                <a:latin typeface="Menlo" panose="020B0609030804020204" pitchFamily="49" charset="0"/>
+              </a:rPr>
+              <a:t>cols</a:t>
+            </a:r>
+            <a:r>
+              <a:rPr lang="en" altLang="zh-CN" sz="1400" b="0" dirty="0">
+                <a:solidFill>
+                  <a:srgbClr val="000000"/>
+                </a:solidFill>
+                <a:effectLst/>
+                <a:latin typeface="Menlo" panose="020B0609030804020204" pitchFamily="49" charset="0"/>
+              </a:rPr>
+              <a:t> + </a:t>
+            </a:r>
+            <a:r>
+              <a:rPr lang="en" altLang="zh-CN" sz="1400" b="0" dirty="0">
+                <a:solidFill>
+                  <a:srgbClr val="001080"/>
+                </a:solidFill>
+                <a:effectLst/>
+                <a:latin typeface="Menlo" panose="020B0609030804020204" pitchFamily="49" charset="0"/>
+              </a:rPr>
+              <a:t>c</a:t>
+            </a:r>
+            <a:r>
+              <a:rPr lang="en" altLang="zh-CN" sz="1400" b="0" dirty="0">
+                <a:solidFill>
+                  <a:srgbClr val="000000"/>
+                </a:solidFill>
+                <a:effectLst/>
+                <a:latin typeface="Menlo" panose="020B0609030804020204" pitchFamily="49" charset="0"/>
+              </a:rPr>
+              <a:t>] = </a:t>
+            </a:r>
+            <a:r>
+              <a:rPr lang="en" altLang="zh-CN" sz="1400" b="0" dirty="0">
+                <a:solidFill>
+                  <a:srgbClr val="001080"/>
+                </a:solidFill>
+                <a:effectLst/>
+                <a:latin typeface="Menlo" panose="020B0609030804020204" pitchFamily="49" charset="0"/>
+              </a:rPr>
+              <a:t>v</a:t>
+            </a:r>
+            <a:r>
+              <a:rPr lang="en" altLang="zh-CN" sz="1400" b="0" dirty="0">
+                <a:solidFill>
+                  <a:srgbClr val="000000"/>
+                </a:solidFill>
+                <a:effectLst/>
+                <a:latin typeface="Menlo" panose="020B0609030804020204" pitchFamily="49" charset="0"/>
+              </a:rPr>
+              <a:t>;</a:t>
+            </a:r>
+          </a:p>
+          <a:p>
+            <a:r>
+              <a:rPr lang="en" altLang="zh-CN" sz="1400" b="0" dirty="0">
+                <a:solidFill>
+                  <a:srgbClr val="000000"/>
+                </a:solidFill>
+                <a:effectLst/>
+                <a:latin typeface="Menlo" panose="020B0609030804020204" pitchFamily="49" charset="0"/>
+              </a:rPr>
+              <a:t>    }</a:t>
+            </a:r>
+          </a:p>
+        </p:txBody>
+      </p:sp>
+      <p:sp>
+        <p:nvSpPr>
+          <p:cNvPr id="7" name="文本框 6">
+            <a:extLst>
+              <a:ext uri="{FF2B5EF4-FFF2-40B4-BE49-F238E27FC236}">
+                <a16:creationId xmlns:a16="http://schemas.microsoft.com/office/drawing/2014/main" id="{D5E26FE5-9BA7-321F-AFA4-3A5406CA1D70}"/>
+              </a:ext>
+            </a:extLst>
+          </p:cNvPr>
+          <p:cNvSpPr txBox="1"/>
+          <p:nvPr/>
+        </p:nvSpPr>
+        <p:spPr>
+          <a:xfrm>
+            <a:off x="5608320" y="2368839"/>
+            <a:ext cx="6583680" cy="4401205"/>
+          </a:xfrm>
+          <a:prstGeom prst="rect">
+            <a:avLst/>
+          </a:prstGeom>
+          <a:solidFill>
+            <a:schemeClr val="accent1">
+              <a:lumMod val="20000"/>
+              <a:lumOff val="80000"/>
+            </a:schemeClr>
+          </a:solidFill>
+        </p:spPr>
+        <p:txBody>
+          <a:bodyPr wrap="square">
+            <a:spAutoFit/>
+          </a:bodyPr>
+          <a:lstStyle/>
+          <a:p>
+            <a:r>
+              <a:rPr lang="en" altLang="zh-CN" sz="1400" b="0" dirty="0">
+                <a:solidFill>
+                  <a:srgbClr val="000000"/>
+                </a:solidFill>
+                <a:effectLst/>
+                <a:latin typeface="Menlo" panose="020B0609030804020204" pitchFamily="49" charset="0"/>
+              </a:rPr>
+              <a:t>...</a:t>
+            </a:r>
+          </a:p>
+          <a:p>
+            <a:r>
+              <a:rPr lang="en" altLang="zh-CN" sz="1400" b="0" dirty="0">
+                <a:solidFill>
+                  <a:srgbClr val="267F99"/>
+                </a:solidFill>
+                <a:effectLst/>
+                <a:latin typeface="Menlo" panose="020B0609030804020204" pitchFamily="49" charset="0"/>
+              </a:rPr>
+              <a:t>    Matrix</a:t>
+            </a:r>
+            <a:r>
+              <a:rPr lang="en" altLang="zh-CN" sz="1400" b="0" dirty="0">
+                <a:solidFill>
+                  <a:srgbClr val="000000"/>
+                </a:solidFill>
+                <a:effectLst/>
+                <a:latin typeface="Menlo" panose="020B0609030804020204" pitchFamily="49" charset="0"/>
+              </a:rPr>
+              <a:t> </a:t>
+            </a:r>
+            <a:r>
+              <a:rPr lang="en" altLang="zh-CN" sz="1400" b="0" dirty="0">
+                <a:solidFill>
+                  <a:srgbClr val="795E26"/>
+                </a:solidFill>
+                <a:effectLst/>
+                <a:latin typeface="Menlo" panose="020B0609030804020204" pitchFamily="49" charset="0"/>
+              </a:rPr>
+              <a:t>operator+</a:t>
+            </a:r>
+            <a:r>
+              <a:rPr lang="en" altLang="zh-CN" sz="1400" b="0" dirty="0">
+                <a:solidFill>
+                  <a:srgbClr val="000000"/>
+                </a:solidFill>
+                <a:effectLst/>
+                <a:latin typeface="Menlo" panose="020B0609030804020204" pitchFamily="49" charset="0"/>
+              </a:rPr>
+              <a:t>(</a:t>
+            </a:r>
+            <a:r>
+              <a:rPr lang="en" altLang="zh-CN" sz="1400" b="0" dirty="0">
+                <a:solidFill>
+                  <a:srgbClr val="267F99"/>
+                </a:solidFill>
+                <a:effectLst/>
+                <a:latin typeface="Menlo" panose="020B0609030804020204" pitchFamily="49" charset="0"/>
+              </a:rPr>
+              <a:t>Matrix</a:t>
+            </a:r>
+            <a:r>
+              <a:rPr lang="en" altLang="zh-CN" sz="1400" b="0" dirty="0">
+                <a:solidFill>
+                  <a:srgbClr val="000000"/>
+                </a:solidFill>
+                <a:effectLst/>
+                <a:latin typeface="Menlo" panose="020B0609030804020204" pitchFamily="49" charset="0"/>
+              </a:rPr>
+              <a:t> </a:t>
+            </a:r>
+            <a:r>
+              <a:rPr lang="en" altLang="zh-CN" sz="1400" b="0" dirty="0">
+                <a:solidFill>
+                  <a:srgbClr val="0000FF"/>
+                </a:solidFill>
+                <a:effectLst/>
+                <a:latin typeface="Menlo" panose="020B0609030804020204" pitchFamily="49" charset="0"/>
+              </a:rPr>
+              <a:t>&amp;</a:t>
+            </a:r>
+            <a:r>
+              <a:rPr lang="en" altLang="zh-CN" sz="1400" b="0" dirty="0">
+                <a:solidFill>
+                  <a:srgbClr val="000000"/>
+                </a:solidFill>
+                <a:effectLst/>
+                <a:latin typeface="Menlo" panose="020B0609030804020204" pitchFamily="49" charset="0"/>
+              </a:rPr>
+              <a:t> </a:t>
+            </a:r>
+            <a:r>
+              <a:rPr lang="en" altLang="zh-CN" sz="1400" b="0" dirty="0">
+                <a:solidFill>
+                  <a:srgbClr val="001080"/>
+                </a:solidFill>
+                <a:effectLst/>
+                <a:latin typeface="Menlo" panose="020B0609030804020204" pitchFamily="49" charset="0"/>
+              </a:rPr>
+              <a:t>other</a:t>
+            </a:r>
+            <a:r>
+              <a:rPr lang="en" altLang="zh-CN" sz="1400" b="0" dirty="0">
+                <a:solidFill>
+                  <a:srgbClr val="000000"/>
+                </a:solidFill>
+                <a:effectLst/>
+                <a:latin typeface="Menlo" panose="020B0609030804020204" pitchFamily="49" charset="0"/>
+              </a:rPr>
+              <a:t>)</a:t>
+            </a:r>
+          </a:p>
+          <a:p>
+            <a:r>
+              <a:rPr lang="en" altLang="zh-CN" sz="1400" b="0" dirty="0">
+                <a:solidFill>
+                  <a:srgbClr val="000000"/>
+                </a:solidFill>
+                <a:effectLst/>
+                <a:latin typeface="Menlo" panose="020B0609030804020204" pitchFamily="49" charset="0"/>
+              </a:rPr>
+              <a:t>    {</a:t>
+            </a:r>
+          </a:p>
+          <a:p>
+            <a:r>
+              <a:rPr lang="en" altLang="zh-CN" sz="1400" b="0" dirty="0">
+                <a:solidFill>
+                  <a:srgbClr val="AF00DB"/>
+                </a:solidFill>
+                <a:effectLst/>
+                <a:latin typeface="Menlo" panose="020B0609030804020204" pitchFamily="49" charset="0"/>
+              </a:rPr>
+              <a:t>        if</a:t>
+            </a:r>
+            <a:r>
+              <a:rPr lang="en" altLang="zh-CN" sz="1400" b="0" dirty="0">
+                <a:solidFill>
+                  <a:srgbClr val="000000"/>
+                </a:solidFill>
+                <a:effectLst/>
+                <a:latin typeface="Menlo" panose="020B0609030804020204" pitchFamily="49" charset="0"/>
+              </a:rPr>
+              <a:t>(</a:t>
+            </a:r>
+            <a:r>
+              <a:rPr lang="en" altLang="zh-CN" sz="1400" b="0" dirty="0">
+                <a:solidFill>
+                  <a:srgbClr val="0000FF"/>
+                </a:solidFill>
+                <a:effectLst/>
+                <a:latin typeface="Menlo" panose="020B0609030804020204" pitchFamily="49" charset="0"/>
+              </a:rPr>
+              <a:t>this</a:t>
+            </a:r>
+            <a:r>
+              <a:rPr lang="en" altLang="zh-CN" sz="1400" b="0" dirty="0">
+                <a:solidFill>
+                  <a:srgbClr val="000000"/>
+                </a:solidFill>
+                <a:effectLst/>
+                <a:latin typeface="Menlo" panose="020B0609030804020204" pitchFamily="49" charset="0"/>
+              </a:rPr>
+              <a:t>-&gt;</a:t>
+            </a:r>
+            <a:r>
+              <a:rPr lang="en" altLang="zh-CN" sz="1400" b="0" dirty="0">
+                <a:solidFill>
+                  <a:srgbClr val="001080"/>
+                </a:solidFill>
+                <a:effectLst/>
+                <a:latin typeface="Menlo" panose="020B0609030804020204" pitchFamily="49" charset="0"/>
+              </a:rPr>
+              <a:t>rows</a:t>
+            </a:r>
+            <a:r>
+              <a:rPr lang="en" altLang="zh-CN" sz="1400" b="0" dirty="0">
+                <a:solidFill>
+                  <a:srgbClr val="000000"/>
+                </a:solidFill>
+                <a:effectLst/>
+                <a:latin typeface="Menlo" panose="020B0609030804020204" pitchFamily="49" charset="0"/>
+              </a:rPr>
+              <a:t> != </a:t>
+            </a:r>
+            <a:r>
+              <a:rPr lang="en" altLang="zh-CN" sz="1400" b="0" dirty="0" err="1">
+                <a:solidFill>
+                  <a:srgbClr val="001080"/>
+                </a:solidFill>
+                <a:effectLst/>
+                <a:latin typeface="Menlo" panose="020B0609030804020204" pitchFamily="49" charset="0"/>
+              </a:rPr>
+              <a:t>other</a:t>
+            </a:r>
+            <a:r>
+              <a:rPr lang="en" altLang="zh-CN" sz="1400" b="0" dirty="0" err="1">
+                <a:solidFill>
+                  <a:srgbClr val="000000"/>
+                </a:solidFill>
+                <a:effectLst/>
+                <a:latin typeface="Menlo" panose="020B0609030804020204" pitchFamily="49" charset="0"/>
+              </a:rPr>
+              <a:t>.</a:t>
+            </a:r>
+            <a:r>
+              <a:rPr lang="en" altLang="zh-CN" sz="1400" b="0" dirty="0" err="1">
+                <a:solidFill>
+                  <a:srgbClr val="001080"/>
+                </a:solidFill>
+                <a:effectLst/>
+                <a:latin typeface="Menlo" panose="020B0609030804020204" pitchFamily="49" charset="0"/>
+              </a:rPr>
+              <a:t>rows</a:t>
+            </a:r>
+            <a:r>
+              <a:rPr lang="en" altLang="zh-CN" sz="1400" b="0" dirty="0">
+                <a:solidFill>
+                  <a:srgbClr val="000000"/>
+                </a:solidFill>
+                <a:effectLst/>
+                <a:latin typeface="Menlo" panose="020B0609030804020204" pitchFamily="49" charset="0"/>
+              </a:rPr>
+              <a:t> || </a:t>
+            </a:r>
+          </a:p>
+          <a:p>
+            <a:r>
+              <a:rPr lang="en" altLang="zh-CN" sz="1400" dirty="0">
+                <a:solidFill>
+                  <a:srgbClr val="000000"/>
+                </a:solidFill>
+                <a:latin typeface="Menlo" panose="020B0609030804020204" pitchFamily="49" charset="0"/>
+              </a:rPr>
+              <a:t>           </a:t>
+            </a:r>
+            <a:r>
+              <a:rPr lang="en" altLang="zh-CN" sz="1400" b="0" dirty="0">
+                <a:solidFill>
+                  <a:srgbClr val="0000FF"/>
+                </a:solidFill>
+                <a:effectLst/>
+                <a:latin typeface="Menlo" panose="020B0609030804020204" pitchFamily="49" charset="0"/>
+              </a:rPr>
+              <a:t>this</a:t>
+            </a:r>
+            <a:r>
+              <a:rPr lang="en" altLang="zh-CN" sz="1400" b="0" dirty="0">
+                <a:solidFill>
+                  <a:srgbClr val="000000"/>
+                </a:solidFill>
+                <a:effectLst/>
+                <a:latin typeface="Menlo" panose="020B0609030804020204" pitchFamily="49" charset="0"/>
+              </a:rPr>
+              <a:t>-&gt;</a:t>
+            </a:r>
+            <a:r>
+              <a:rPr lang="en" altLang="zh-CN" sz="1400" b="0" dirty="0">
+                <a:solidFill>
+                  <a:srgbClr val="001080"/>
+                </a:solidFill>
+                <a:effectLst/>
+                <a:latin typeface="Menlo" panose="020B0609030804020204" pitchFamily="49" charset="0"/>
+              </a:rPr>
+              <a:t>cols</a:t>
+            </a:r>
+            <a:r>
+              <a:rPr lang="en" altLang="zh-CN" sz="1400" b="0" dirty="0">
+                <a:solidFill>
+                  <a:srgbClr val="000000"/>
+                </a:solidFill>
+                <a:effectLst/>
+                <a:latin typeface="Menlo" panose="020B0609030804020204" pitchFamily="49" charset="0"/>
+              </a:rPr>
+              <a:t> != </a:t>
+            </a:r>
+            <a:r>
+              <a:rPr lang="en" altLang="zh-CN" sz="1400" b="0" dirty="0" err="1">
+                <a:solidFill>
+                  <a:srgbClr val="001080"/>
+                </a:solidFill>
+                <a:effectLst/>
+                <a:latin typeface="Menlo" panose="020B0609030804020204" pitchFamily="49" charset="0"/>
+              </a:rPr>
+              <a:t>other</a:t>
+            </a:r>
+            <a:r>
+              <a:rPr lang="en" altLang="zh-CN" sz="1400" b="0" dirty="0" err="1">
+                <a:solidFill>
+                  <a:srgbClr val="000000"/>
+                </a:solidFill>
+                <a:effectLst/>
+                <a:latin typeface="Menlo" panose="020B0609030804020204" pitchFamily="49" charset="0"/>
+              </a:rPr>
+              <a:t>.</a:t>
+            </a:r>
+            <a:r>
+              <a:rPr lang="en" altLang="zh-CN" sz="1400" b="0" dirty="0" err="1">
+                <a:solidFill>
+                  <a:srgbClr val="001080"/>
+                </a:solidFill>
+                <a:effectLst/>
+                <a:latin typeface="Menlo" panose="020B0609030804020204" pitchFamily="49" charset="0"/>
+              </a:rPr>
+              <a:t>rows</a:t>
+            </a:r>
+            <a:r>
+              <a:rPr lang="en" altLang="zh-CN" sz="1400" b="0" dirty="0">
+                <a:solidFill>
+                  <a:srgbClr val="000000"/>
+                </a:solidFill>
+                <a:effectLst/>
+                <a:latin typeface="Menlo" panose="020B0609030804020204" pitchFamily="49" charset="0"/>
+              </a:rPr>
+              <a:t>)</a:t>
+            </a:r>
+          </a:p>
+          <a:p>
+            <a:r>
+              <a:rPr lang="en" altLang="zh-CN" sz="1400" dirty="0">
+                <a:solidFill>
+                  <a:srgbClr val="000000"/>
+                </a:solidFill>
+                <a:latin typeface="Menlo" panose="020B0609030804020204" pitchFamily="49" charset="0"/>
+              </a:rPr>
+              <a:t>        </a:t>
+            </a:r>
+            <a:r>
+              <a:rPr lang="en" altLang="zh-CN" sz="1400" b="0" dirty="0">
+                <a:solidFill>
+                  <a:srgbClr val="000000"/>
+                </a:solidFill>
+                <a:effectLst/>
+                <a:latin typeface="Menlo" panose="020B0609030804020204" pitchFamily="49" charset="0"/>
+              </a:rPr>
+              <a:t>{ ... }</a:t>
+            </a:r>
+          </a:p>
+          <a:p>
+            <a:r>
+              <a:rPr lang="en" altLang="zh-CN" sz="1400" b="0" dirty="0">
+                <a:solidFill>
+                  <a:srgbClr val="267F99"/>
+                </a:solidFill>
+                <a:effectLst/>
+                <a:latin typeface="Menlo" panose="020B0609030804020204" pitchFamily="49" charset="0"/>
+              </a:rPr>
+              <a:t>        Matrix</a:t>
+            </a:r>
+            <a:r>
+              <a:rPr lang="en" altLang="zh-CN" sz="1400" b="0" dirty="0">
+                <a:solidFill>
+                  <a:srgbClr val="000000"/>
+                </a:solidFill>
+                <a:effectLst/>
+                <a:latin typeface="Menlo" panose="020B0609030804020204" pitchFamily="49" charset="0"/>
+              </a:rPr>
+              <a:t> </a:t>
+            </a:r>
+            <a:r>
+              <a:rPr lang="en" altLang="zh-CN" sz="1400" b="0" dirty="0">
+                <a:solidFill>
+                  <a:srgbClr val="001080"/>
+                </a:solidFill>
+                <a:effectLst/>
+                <a:latin typeface="Menlo" panose="020B0609030804020204" pitchFamily="49" charset="0"/>
+              </a:rPr>
+              <a:t>result</a:t>
+            </a:r>
+            <a:r>
+              <a:rPr lang="en" altLang="zh-CN" sz="1400" b="0" dirty="0">
+                <a:solidFill>
+                  <a:srgbClr val="000000"/>
+                </a:solidFill>
+                <a:effectLst/>
+                <a:latin typeface="Menlo" panose="020B0609030804020204" pitchFamily="49" charset="0"/>
+              </a:rPr>
+              <a:t>(</a:t>
+            </a:r>
+            <a:r>
+              <a:rPr lang="en" altLang="zh-CN" sz="1400" b="0" dirty="0">
+                <a:solidFill>
+                  <a:srgbClr val="0000FF"/>
+                </a:solidFill>
+                <a:effectLst/>
+                <a:latin typeface="Menlo" panose="020B0609030804020204" pitchFamily="49" charset="0"/>
+              </a:rPr>
+              <a:t>this</a:t>
+            </a:r>
+            <a:r>
+              <a:rPr lang="en" altLang="zh-CN" sz="1400" b="0" dirty="0">
+                <a:solidFill>
+                  <a:srgbClr val="000000"/>
+                </a:solidFill>
+                <a:effectLst/>
+                <a:latin typeface="Menlo" panose="020B0609030804020204" pitchFamily="49" charset="0"/>
+              </a:rPr>
+              <a:t>-&gt;</a:t>
+            </a:r>
+            <a:r>
+              <a:rPr lang="en" altLang="zh-CN" sz="1400" b="0" dirty="0">
+                <a:solidFill>
+                  <a:srgbClr val="001080"/>
+                </a:solidFill>
+                <a:effectLst/>
+                <a:latin typeface="Menlo" panose="020B0609030804020204" pitchFamily="49" charset="0"/>
+              </a:rPr>
+              <a:t>rows</a:t>
+            </a:r>
+            <a:r>
+              <a:rPr lang="en" altLang="zh-CN" sz="1400" b="0" dirty="0">
+                <a:solidFill>
+                  <a:srgbClr val="000000"/>
+                </a:solidFill>
+                <a:effectLst/>
+                <a:latin typeface="Menlo" panose="020B0609030804020204" pitchFamily="49" charset="0"/>
+              </a:rPr>
+              <a:t>, </a:t>
+            </a:r>
+            <a:r>
+              <a:rPr lang="en" altLang="zh-CN" sz="1400" b="0" dirty="0">
+                <a:solidFill>
+                  <a:srgbClr val="0000FF"/>
+                </a:solidFill>
+                <a:effectLst/>
+                <a:latin typeface="Menlo" panose="020B0609030804020204" pitchFamily="49" charset="0"/>
+              </a:rPr>
+              <a:t>this</a:t>
+            </a:r>
+            <a:r>
+              <a:rPr lang="en" altLang="zh-CN" sz="1400" b="0" dirty="0">
+                <a:solidFill>
+                  <a:srgbClr val="000000"/>
+                </a:solidFill>
+                <a:effectLst/>
+                <a:latin typeface="Menlo" panose="020B0609030804020204" pitchFamily="49" charset="0"/>
+              </a:rPr>
+              <a:t>-&gt;</a:t>
+            </a:r>
+            <a:r>
+              <a:rPr lang="en" altLang="zh-CN" sz="1400" b="0" dirty="0">
+                <a:solidFill>
+                  <a:srgbClr val="001080"/>
+                </a:solidFill>
+                <a:effectLst/>
+                <a:latin typeface="Menlo" panose="020B0609030804020204" pitchFamily="49" charset="0"/>
+              </a:rPr>
+              <a:t>cols</a:t>
+            </a:r>
+            <a:r>
+              <a:rPr lang="en" altLang="zh-CN" sz="1400" b="0" dirty="0">
+                <a:solidFill>
+                  <a:srgbClr val="000000"/>
+                </a:solidFill>
+                <a:effectLst/>
+                <a:latin typeface="Menlo" panose="020B0609030804020204" pitchFamily="49" charset="0"/>
+              </a:rPr>
+              <a:t>);</a:t>
+            </a:r>
+          </a:p>
+          <a:p>
+            <a:endParaRPr lang="en" altLang="zh-CN" sz="1400" b="0" dirty="0">
+              <a:solidFill>
+                <a:srgbClr val="000000"/>
+              </a:solidFill>
+              <a:effectLst/>
+              <a:latin typeface="Menlo" panose="020B0609030804020204" pitchFamily="49" charset="0"/>
+            </a:endParaRPr>
+          </a:p>
+          <a:p>
+            <a:r>
+              <a:rPr lang="en" altLang="zh-CN" sz="1400" b="0" dirty="0">
+                <a:solidFill>
+                  <a:srgbClr val="AF00DB"/>
+                </a:solidFill>
+                <a:effectLst/>
+                <a:latin typeface="Menlo" panose="020B0609030804020204" pitchFamily="49" charset="0"/>
+              </a:rPr>
+              <a:t>        for</a:t>
+            </a:r>
+            <a:r>
+              <a:rPr lang="en" altLang="zh-CN" sz="1400" b="0" dirty="0">
+                <a:solidFill>
+                  <a:srgbClr val="000000"/>
+                </a:solidFill>
+                <a:effectLst/>
+                <a:latin typeface="Menlo" panose="020B0609030804020204" pitchFamily="49" charset="0"/>
+              </a:rPr>
+              <a:t> (</a:t>
+            </a:r>
+            <a:r>
+              <a:rPr lang="en" altLang="zh-CN" sz="1400" b="0" dirty="0" err="1">
+                <a:solidFill>
+                  <a:srgbClr val="0000FF"/>
+                </a:solidFill>
+                <a:effectLst/>
+                <a:latin typeface="Menlo" panose="020B0609030804020204" pitchFamily="49" charset="0"/>
+              </a:rPr>
+              <a:t>size_t</a:t>
+            </a:r>
+            <a:r>
+              <a:rPr lang="en" altLang="zh-CN" sz="1400" b="0" dirty="0">
+                <a:solidFill>
+                  <a:srgbClr val="000000"/>
+                </a:solidFill>
+                <a:effectLst/>
+                <a:latin typeface="Menlo" panose="020B0609030804020204" pitchFamily="49" charset="0"/>
+              </a:rPr>
+              <a:t> </a:t>
+            </a:r>
+            <a:r>
+              <a:rPr lang="en" altLang="zh-CN" sz="1400" b="0" dirty="0">
+                <a:solidFill>
+                  <a:srgbClr val="001080"/>
+                </a:solidFill>
+                <a:effectLst/>
+                <a:latin typeface="Menlo" panose="020B0609030804020204" pitchFamily="49" charset="0"/>
+              </a:rPr>
+              <a:t>r </a:t>
+            </a:r>
+            <a:r>
+              <a:rPr lang="en" altLang="zh-CN" sz="1400" b="0" dirty="0">
+                <a:solidFill>
+                  <a:srgbClr val="000000"/>
+                </a:solidFill>
+                <a:effectLst/>
+                <a:latin typeface="Menlo" panose="020B0609030804020204" pitchFamily="49" charset="0"/>
+              </a:rPr>
+              <a:t>= </a:t>
+            </a:r>
+            <a:r>
+              <a:rPr lang="en" altLang="zh-CN" sz="1400" b="0" dirty="0">
+                <a:solidFill>
+                  <a:srgbClr val="098658"/>
+                </a:solidFill>
+                <a:effectLst/>
+                <a:latin typeface="Menlo" panose="020B0609030804020204" pitchFamily="49" charset="0"/>
+              </a:rPr>
+              <a:t>0</a:t>
+            </a:r>
+            <a:r>
+              <a:rPr lang="en" altLang="zh-CN" sz="1400" b="0" dirty="0">
+                <a:solidFill>
+                  <a:srgbClr val="000000"/>
+                </a:solidFill>
+                <a:effectLst/>
+                <a:latin typeface="Menlo" panose="020B0609030804020204" pitchFamily="49" charset="0"/>
+              </a:rPr>
+              <a:t>; </a:t>
+            </a:r>
+            <a:r>
+              <a:rPr lang="en" altLang="zh-CN" sz="1400" b="0" dirty="0">
+                <a:solidFill>
+                  <a:srgbClr val="001080"/>
+                </a:solidFill>
+                <a:effectLst/>
+                <a:latin typeface="Menlo" panose="020B0609030804020204" pitchFamily="49" charset="0"/>
+              </a:rPr>
+              <a:t>r</a:t>
+            </a:r>
+            <a:r>
+              <a:rPr lang="en" altLang="zh-CN" sz="1400" b="0" dirty="0">
+                <a:solidFill>
+                  <a:srgbClr val="000000"/>
+                </a:solidFill>
+                <a:effectLst/>
+                <a:latin typeface="Menlo" panose="020B0609030804020204" pitchFamily="49" charset="0"/>
+              </a:rPr>
+              <a:t> &lt; </a:t>
+            </a:r>
+            <a:r>
+              <a:rPr lang="en" altLang="zh-CN" sz="1400" b="0" dirty="0">
+                <a:solidFill>
+                  <a:srgbClr val="0000FF"/>
+                </a:solidFill>
+                <a:effectLst/>
+                <a:latin typeface="Menlo" panose="020B0609030804020204" pitchFamily="49" charset="0"/>
+              </a:rPr>
+              <a:t>this</a:t>
+            </a:r>
+            <a:r>
+              <a:rPr lang="en" altLang="zh-CN" sz="1400" b="0" dirty="0">
+                <a:solidFill>
+                  <a:srgbClr val="000000"/>
+                </a:solidFill>
+                <a:effectLst/>
+                <a:latin typeface="Menlo" panose="020B0609030804020204" pitchFamily="49" charset="0"/>
+              </a:rPr>
+              <a:t>-&gt;</a:t>
+            </a:r>
+            <a:r>
+              <a:rPr lang="en" altLang="zh-CN" sz="1400" b="0" dirty="0">
+                <a:solidFill>
+                  <a:srgbClr val="001080"/>
+                </a:solidFill>
+                <a:effectLst/>
+                <a:latin typeface="Menlo" panose="020B0609030804020204" pitchFamily="49" charset="0"/>
+              </a:rPr>
+              <a:t>rows</a:t>
+            </a:r>
+            <a:r>
+              <a:rPr lang="en" altLang="zh-CN" sz="1400" b="0" dirty="0">
+                <a:solidFill>
+                  <a:srgbClr val="000000"/>
+                </a:solidFill>
+                <a:effectLst/>
+                <a:latin typeface="Menlo" panose="020B0609030804020204" pitchFamily="49" charset="0"/>
+              </a:rPr>
+              <a:t>; </a:t>
+            </a:r>
+            <a:r>
+              <a:rPr lang="en" altLang="zh-CN" sz="1400" b="0" dirty="0">
+                <a:solidFill>
+                  <a:srgbClr val="001080"/>
+                </a:solidFill>
+                <a:effectLst/>
+                <a:latin typeface="Menlo" panose="020B0609030804020204" pitchFamily="49" charset="0"/>
+              </a:rPr>
+              <a:t>r</a:t>
+            </a:r>
+            <a:r>
+              <a:rPr lang="en" altLang="zh-CN" sz="1400" b="0" dirty="0">
+                <a:solidFill>
+                  <a:srgbClr val="000000"/>
+                </a:solidFill>
+                <a:effectLst/>
+                <a:latin typeface="Menlo" panose="020B0609030804020204" pitchFamily="49" charset="0"/>
+              </a:rPr>
+              <a:t>++)</a:t>
+            </a:r>
+          </a:p>
+          <a:p>
+            <a:r>
+              <a:rPr lang="en" altLang="zh-CN" sz="1400" b="0" dirty="0">
+                <a:solidFill>
+                  <a:srgbClr val="AF00DB"/>
+                </a:solidFill>
+                <a:effectLst/>
+                <a:latin typeface="Menlo" panose="020B0609030804020204" pitchFamily="49" charset="0"/>
+              </a:rPr>
+              <a:t>            for</a:t>
+            </a:r>
+            <a:r>
+              <a:rPr lang="en" altLang="zh-CN" sz="1400" b="0" dirty="0">
+                <a:solidFill>
+                  <a:srgbClr val="000000"/>
+                </a:solidFill>
+                <a:effectLst/>
+                <a:latin typeface="Menlo" panose="020B0609030804020204" pitchFamily="49" charset="0"/>
+              </a:rPr>
+              <a:t> (</a:t>
+            </a:r>
+            <a:r>
+              <a:rPr lang="en" altLang="zh-CN" sz="1400" b="0" dirty="0" err="1">
+                <a:solidFill>
+                  <a:srgbClr val="0000FF"/>
+                </a:solidFill>
+                <a:effectLst/>
+                <a:latin typeface="Menlo" panose="020B0609030804020204" pitchFamily="49" charset="0"/>
+              </a:rPr>
+              <a:t>size_t</a:t>
+            </a:r>
+            <a:r>
+              <a:rPr lang="en" altLang="zh-CN" sz="1400" b="0" dirty="0">
+                <a:solidFill>
+                  <a:srgbClr val="000000"/>
+                </a:solidFill>
+                <a:effectLst/>
+                <a:latin typeface="Menlo" panose="020B0609030804020204" pitchFamily="49" charset="0"/>
+              </a:rPr>
+              <a:t> </a:t>
+            </a:r>
+            <a:r>
+              <a:rPr lang="en" altLang="zh-CN" sz="1400" b="0" dirty="0">
+                <a:solidFill>
+                  <a:srgbClr val="001080"/>
+                </a:solidFill>
+                <a:effectLst/>
+                <a:latin typeface="Menlo" panose="020B0609030804020204" pitchFamily="49" charset="0"/>
+              </a:rPr>
+              <a:t>c </a:t>
+            </a:r>
+            <a:r>
+              <a:rPr lang="en" altLang="zh-CN" sz="1400" b="0" dirty="0">
+                <a:solidFill>
+                  <a:srgbClr val="000000"/>
+                </a:solidFill>
+                <a:effectLst/>
+                <a:latin typeface="Menlo" panose="020B0609030804020204" pitchFamily="49" charset="0"/>
+              </a:rPr>
+              <a:t>= </a:t>
+            </a:r>
+            <a:r>
+              <a:rPr lang="en" altLang="zh-CN" sz="1400" b="0" dirty="0">
+                <a:solidFill>
+                  <a:srgbClr val="098658"/>
+                </a:solidFill>
+                <a:effectLst/>
+                <a:latin typeface="Menlo" panose="020B0609030804020204" pitchFamily="49" charset="0"/>
+              </a:rPr>
+              <a:t>0</a:t>
+            </a:r>
+            <a:r>
+              <a:rPr lang="en" altLang="zh-CN" sz="1400" b="0" dirty="0">
+                <a:solidFill>
+                  <a:srgbClr val="000000"/>
+                </a:solidFill>
+                <a:effectLst/>
+                <a:latin typeface="Menlo" panose="020B0609030804020204" pitchFamily="49" charset="0"/>
+              </a:rPr>
+              <a:t>; </a:t>
+            </a:r>
+            <a:r>
+              <a:rPr lang="en" altLang="zh-CN" sz="1400" b="0" dirty="0">
+                <a:solidFill>
+                  <a:srgbClr val="001080"/>
+                </a:solidFill>
+                <a:effectLst/>
+                <a:latin typeface="Menlo" panose="020B0609030804020204" pitchFamily="49" charset="0"/>
+              </a:rPr>
+              <a:t>c</a:t>
+            </a:r>
+            <a:r>
+              <a:rPr lang="en" altLang="zh-CN" sz="1400" b="0" dirty="0">
+                <a:solidFill>
+                  <a:srgbClr val="000000"/>
+                </a:solidFill>
+                <a:effectLst/>
+                <a:latin typeface="Menlo" panose="020B0609030804020204" pitchFamily="49" charset="0"/>
+              </a:rPr>
+              <a:t> &lt; </a:t>
+            </a:r>
+            <a:r>
+              <a:rPr lang="en" altLang="zh-CN" sz="1400" b="0" dirty="0">
+                <a:solidFill>
+                  <a:srgbClr val="0000FF"/>
+                </a:solidFill>
+                <a:effectLst/>
+                <a:latin typeface="Menlo" panose="020B0609030804020204" pitchFamily="49" charset="0"/>
+              </a:rPr>
+              <a:t>this</a:t>
+            </a:r>
+            <a:r>
+              <a:rPr lang="en" altLang="zh-CN" sz="1400" b="0" dirty="0">
+                <a:solidFill>
+                  <a:srgbClr val="000000"/>
+                </a:solidFill>
+                <a:effectLst/>
+                <a:latin typeface="Menlo" panose="020B0609030804020204" pitchFamily="49" charset="0"/>
+              </a:rPr>
+              <a:t>-&gt;</a:t>
+            </a:r>
+            <a:r>
+              <a:rPr lang="en" altLang="zh-CN" sz="1400" b="0" dirty="0">
+                <a:solidFill>
+                  <a:srgbClr val="001080"/>
+                </a:solidFill>
+                <a:effectLst/>
+                <a:latin typeface="Menlo" panose="020B0609030804020204" pitchFamily="49" charset="0"/>
+              </a:rPr>
+              <a:t>cols</a:t>
+            </a:r>
+            <a:r>
+              <a:rPr lang="en" altLang="zh-CN" sz="1400" b="0" dirty="0">
+                <a:solidFill>
+                  <a:srgbClr val="000000"/>
+                </a:solidFill>
+                <a:effectLst/>
+                <a:latin typeface="Menlo" panose="020B0609030804020204" pitchFamily="49" charset="0"/>
+              </a:rPr>
+              <a:t>; </a:t>
+            </a:r>
+            <a:r>
+              <a:rPr lang="en" altLang="zh-CN" sz="1400" b="0" dirty="0" err="1">
+                <a:solidFill>
+                  <a:srgbClr val="001080"/>
+                </a:solidFill>
+                <a:effectLst/>
+                <a:latin typeface="Menlo" panose="020B0609030804020204" pitchFamily="49" charset="0"/>
+              </a:rPr>
+              <a:t>c</a:t>
+            </a:r>
+            <a:r>
+              <a:rPr lang="en" altLang="zh-CN" sz="1400" b="0" dirty="0" err="1">
+                <a:solidFill>
+                  <a:srgbClr val="000000"/>
+                </a:solidFill>
+                <a:effectLst/>
+                <a:latin typeface="Menlo" panose="020B0609030804020204" pitchFamily="49" charset="0"/>
+              </a:rPr>
+              <a:t>++</a:t>
+            </a:r>
+            <a:r>
+              <a:rPr lang="en" altLang="zh-CN" sz="1400" b="0" dirty="0">
+                <a:solidFill>
+                  <a:srgbClr val="000000"/>
+                </a:solidFill>
+                <a:effectLst/>
+                <a:latin typeface="Menlo" panose="020B0609030804020204" pitchFamily="49" charset="0"/>
+              </a:rPr>
+              <a:t>)</a:t>
+            </a:r>
+          </a:p>
+          <a:p>
+            <a:r>
+              <a:rPr lang="en" altLang="zh-CN" sz="1400" b="0" dirty="0">
+                <a:solidFill>
+                  <a:srgbClr val="000000"/>
+                </a:solidFill>
+                <a:effectLst/>
+                <a:latin typeface="Menlo" panose="020B0609030804020204" pitchFamily="49" charset="0"/>
+              </a:rPr>
+              <a:t>            {</a:t>
+            </a:r>
+          </a:p>
+          <a:p>
+            <a:r>
+              <a:rPr lang="en" altLang="zh-CN" sz="1400" b="0" dirty="0">
+                <a:solidFill>
+                  <a:srgbClr val="0000FF"/>
+                </a:solidFill>
+                <a:effectLst/>
+                <a:latin typeface="Menlo" panose="020B0609030804020204" pitchFamily="49" charset="0"/>
+              </a:rPr>
+              <a:t>                float</a:t>
+            </a:r>
+            <a:r>
+              <a:rPr lang="en" altLang="zh-CN" sz="1400" b="0" dirty="0">
+                <a:solidFill>
+                  <a:srgbClr val="000000"/>
+                </a:solidFill>
+                <a:effectLst/>
+                <a:latin typeface="Menlo" panose="020B0609030804020204" pitchFamily="49" charset="0"/>
+              </a:rPr>
+              <a:t> </a:t>
+            </a:r>
+            <a:r>
+              <a:rPr lang="en" altLang="zh-CN" sz="1400" b="0" dirty="0">
+                <a:solidFill>
+                  <a:srgbClr val="001080"/>
+                </a:solidFill>
+                <a:effectLst/>
+                <a:latin typeface="Menlo" panose="020B0609030804020204" pitchFamily="49" charset="0"/>
+              </a:rPr>
+              <a:t>v</a:t>
+            </a:r>
+            <a:r>
+              <a:rPr lang="en" altLang="zh-CN" sz="1400" b="0" dirty="0">
+                <a:solidFill>
+                  <a:srgbClr val="000000"/>
+                </a:solidFill>
+                <a:effectLst/>
+                <a:latin typeface="Menlo" panose="020B0609030804020204" pitchFamily="49" charset="0"/>
+              </a:rPr>
+              <a:t> = </a:t>
+            </a:r>
+            <a:r>
+              <a:rPr lang="en" altLang="zh-CN" sz="1400" b="0" dirty="0">
+                <a:solidFill>
+                  <a:srgbClr val="0000FF"/>
+                </a:solidFill>
+                <a:effectLst/>
+                <a:latin typeface="Menlo" panose="020B0609030804020204" pitchFamily="49" charset="0"/>
+              </a:rPr>
+              <a:t>this</a:t>
+            </a:r>
+            <a:r>
+              <a:rPr lang="en" altLang="zh-CN" sz="1400" b="0" dirty="0">
+                <a:solidFill>
+                  <a:srgbClr val="000000"/>
+                </a:solidFill>
+                <a:effectLst/>
+                <a:latin typeface="Menlo" panose="020B0609030804020204" pitchFamily="49" charset="0"/>
+              </a:rPr>
+              <a:t>-&gt;</a:t>
+            </a:r>
+            <a:r>
+              <a:rPr lang="en" altLang="zh-CN" sz="1400" b="0" dirty="0" err="1">
+                <a:solidFill>
+                  <a:srgbClr val="795E26"/>
+                </a:solidFill>
+                <a:effectLst/>
+                <a:latin typeface="Menlo" panose="020B0609030804020204" pitchFamily="49" charset="0"/>
+              </a:rPr>
+              <a:t>getElement</a:t>
+            </a:r>
+            <a:r>
+              <a:rPr lang="en" altLang="zh-CN" sz="1400" b="0" dirty="0">
+                <a:solidFill>
+                  <a:srgbClr val="000000"/>
+                </a:solidFill>
+                <a:effectLst/>
+                <a:latin typeface="Menlo" panose="020B0609030804020204" pitchFamily="49" charset="0"/>
+              </a:rPr>
+              <a:t>(</a:t>
+            </a:r>
+            <a:r>
+              <a:rPr lang="en" altLang="zh-CN" sz="1400" b="0" dirty="0">
+                <a:solidFill>
+                  <a:srgbClr val="001080"/>
+                </a:solidFill>
+                <a:effectLst/>
+                <a:latin typeface="Menlo" panose="020B0609030804020204" pitchFamily="49" charset="0"/>
+              </a:rPr>
+              <a:t>r</a:t>
+            </a:r>
+            <a:r>
+              <a:rPr lang="en" altLang="zh-CN" sz="1400" b="0" dirty="0">
+                <a:solidFill>
+                  <a:srgbClr val="000000"/>
+                </a:solidFill>
+                <a:effectLst/>
+                <a:latin typeface="Menlo" panose="020B0609030804020204" pitchFamily="49" charset="0"/>
+              </a:rPr>
+              <a:t>, </a:t>
+            </a:r>
+            <a:r>
+              <a:rPr lang="en" altLang="zh-CN" sz="1400" b="0" dirty="0">
+                <a:solidFill>
+                  <a:srgbClr val="001080"/>
+                </a:solidFill>
+                <a:effectLst/>
+                <a:latin typeface="Menlo" panose="020B0609030804020204" pitchFamily="49" charset="0"/>
+              </a:rPr>
+              <a:t>c</a:t>
+            </a:r>
+            <a:r>
+              <a:rPr lang="en" altLang="zh-CN" sz="1400" b="0" dirty="0">
+                <a:solidFill>
+                  <a:srgbClr val="000000"/>
+                </a:solidFill>
+                <a:effectLst/>
+                <a:latin typeface="Menlo" panose="020B0609030804020204" pitchFamily="49" charset="0"/>
+              </a:rPr>
+              <a:t>) +</a:t>
+            </a:r>
+          </a:p>
+          <a:p>
+            <a:r>
+              <a:rPr lang="en" altLang="zh-CN" sz="1400" dirty="0">
+                <a:solidFill>
+                  <a:srgbClr val="000000"/>
+                </a:solidFill>
+                <a:latin typeface="Menlo" panose="020B0609030804020204" pitchFamily="49" charset="0"/>
+              </a:rPr>
+              <a:t>                              </a:t>
+            </a:r>
+            <a:r>
+              <a:rPr lang="en" altLang="zh-CN" sz="1400" b="0" dirty="0">
+                <a:solidFill>
+                  <a:srgbClr val="000000"/>
+                </a:solidFill>
+                <a:effectLst/>
+                <a:latin typeface="Menlo" panose="020B0609030804020204" pitchFamily="49" charset="0"/>
+              </a:rPr>
+              <a:t> </a:t>
+            </a:r>
+            <a:r>
+              <a:rPr lang="en" altLang="zh-CN" sz="1400" b="0" dirty="0" err="1">
+                <a:solidFill>
+                  <a:srgbClr val="001080"/>
+                </a:solidFill>
+                <a:effectLst/>
+                <a:latin typeface="Menlo" panose="020B0609030804020204" pitchFamily="49" charset="0"/>
+              </a:rPr>
+              <a:t>other</a:t>
+            </a:r>
+            <a:r>
+              <a:rPr lang="en" altLang="zh-CN" sz="1400" b="0" dirty="0" err="1">
+                <a:solidFill>
+                  <a:srgbClr val="000000"/>
+                </a:solidFill>
+                <a:effectLst/>
+                <a:latin typeface="Menlo" panose="020B0609030804020204" pitchFamily="49" charset="0"/>
+              </a:rPr>
+              <a:t>.</a:t>
+            </a:r>
+            <a:r>
+              <a:rPr lang="en" altLang="zh-CN" sz="1400" b="0" dirty="0" err="1">
+                <a:solidFill>
+                  <a:srgbClr val="795E26"/>
+                </a:solidFill>
+                <a:effectLst/>
+                <a:latin typeface="Menlo" panose="020B0609030804020204" pitchFamily="49" charset="0"/>
+              </a:rPr>
+              <a:t>getElement</a:t>
+            </a:r>
+            <a:r>
+              <a:rPr lang="en" altLang="zh-CN" sz="1400" b="0" dirty="0">
+                <a:solidFill>
+                  <a:srgbClr val="000000"/>
+                </a:solidFill>
+                <a:effectLst/>
+                <a:latin typeface="Menlo" panose="020B0609030804020204" pitchFamily="49" charset="0"/>
+              </a:rPr>
+              <a:t>(</a:t>
+            </a:r>
+            <a:r>
+              <a:rPr lang="en" altLang="zh-CN" sz="1400" b="0" dirty="0">
+                <a:solidFill>
+                  <a:srgbClr val="001080"/>
+                </a:solidFill>
+                <a:effectLst/>
+                <a:latin typeface="Menlo" panose="020B0609030804020204" pitchFamily="49" charset="0"/>
+              </a:rPr>
+              <a:t>r</a:t>
+            </a:r>
+            <a:r>
+              <a:rPr lang="en" altLang="zh-CN" sz="1400" b="0" dirty="0">
+                <a:solidFill>
+                  <a:srgbClr val="000000"/>
+                </a:solidFill>
+                <a:effectLst/>
+                <a:latin typeface="Menlo" panose="020B0609030804020204" pitchFamily="49" charset="0"/>
+              </a:rPr>
+              <a:t>, </a:t>
+            </a:r>
+            <a:r>
+              <a:rPr lang="en" altLang="zh-CN" sz="1400" b="0" dirty="0">
+                <a:solidFill>
+                  <a:srgbClr val="001080"/>
+                </a:solidFill>
+                <a:effectLst/>
+                <a:latin typeface="Menlo" panose="020B0609030804020204" pitchFamily="49" charset="0"/>
+              </a:rPr>
+              <a:t>c</a:t>
+            </a:r>
+            <a:r>
+              <a:rPr lang="en" altLang="zh-CN" sz="1400" b="0" dirty="0">
+                <a:solidFill>
+                  <a:srgbClr val="000000"/>
+                </a:solidFill>
+                <a:effectLst/>
+                <a:latin typeface="Menlo" panose="020B0609030804020204" pitchFamily="49" charset="0"/>
+              </a:rPr>
+              <a:t>);</a:t>
+            </a:r>
+          </a:p>
+          <a:p>
+            <a:r>
+              <a:rPr lang="en" altLang="zh-CN" sz="1400" b="0" dirty="0">
+                <a:solidFill>
+                  <a:srgbClr val="001080"/>
+                </a:solidFill>
+                <a:effectLst/>
+                <a:latin typeface="Menlo" panose="020B0609030804020204" pitchFamily="49" charset="0"/>
+              </a:rPr>
+              <a:t>                </a:t>
+            </a:r>
+            <a:r>
+              <a:rPr lang="en" altLang="zh-CN" sz="1400" b="0" dirty="0" err="1">
+                <a:solidFill>
+                  <a:srgbClr val="001080"/>
+                </a:solidFill>
+                <a:effectLst/>
+                <a:latin typeface="Menlo" panose="020B0609030804020204" pitchFamily="49" charset="0"/>
+              </a:rPr>
+              <a:t>result</a:t>
+            </a:r>
+            <a:r>
+              <a:rPr lang="en" altLang="zh-CN" sz="1400" b="0" dirty="0" err="1">
+                <a:solidFill>
+                  <a:srgbClr val="000000"/>
+                </a:solidFill>
+                <a:effectLst/>
+                <a:latin typeface="Menlo" panose="020B0609030804020204" pitchFamily="49" charset="0"/>
+              </a:rPr>
+              <a:t>.</a:t>
+            </a:r>
+            <a:r>
+              <a:rPr lang="en" altLang="zh-CN" sz="1400" b="0" dirty="0" err="1">
+                <a:solidFill>
+                  <a:srgbClr val="795E26"/>
+                </a:solidFill>
+                <a:effectLst/>
+                <a:latin typeface="Menlo" panose="020B0609030804020204" pitchFamily="49" charset="0"/>
+              </a:rPr>
+              <a:t>setElement</a:t>
+            </a:r>
+            <a:r>
+              <a:rPr lang="en" altLang="zh-CN" sz="1400" b="0" dirty="0">
+                <a:solidFill>
+                  <a:srgbClr val="000000"/>
+                </a:solidFill>
+                <a:effectLst/>
+                <a:latin typeface="Menlo" panose="020B0609030804020204" pitchFamily="49" charset="0"/>
+              </a:rPr>
+              <a:t>(</a:t>
+            </a:r>
+            <a:r>
+              <a:rPr lang="en" altLang="zh-CN" sz="1400" b="0" dirty="0">
+                <a:solidFill>
+                  <a:srgbClr val="001080"/>
+                </a:solidFill>
+                <a:effectLst/>
+                <a:latin typeface="Menlo" panose="020B0609030804020204" pitchFamily="49" charset="0"/>
+              </a:rPr>
+              <a:t>r</a:t>
+            </a:r>
+            <a:r>
+              <a:rPr lang="en" altLang="zh-CN" sz="1400" b="0" dirty="0">
+                <a:solidFill>
+                  <a:srgbClr val="000000"/>
+                </a:solidFill>
+                <a:effectLst/>
+                <a:latin typeface="Menlo" panose="020B0609030804020204" pitchFamily="49" charset="0"/>
+              </a:rPr>
+              <a:t>, </a:t>
+            </a:r>
+            <a:r>
+              <a:rPr lang="en" altLang="zh-CN" sz="1400" b="0" dirty="0">
+                <a:solidFill>
+                  <a:srgbClr val="001080"/>
+                </a:solidFill>
+                <a:effectLst/>
+                <a:latin typeface="Menlo" panose="020B0609030804020204" pitchFamily="49" charset="0"/>
+              </a:rPr>
+              <a:t>c</a:t>
+            </a:r>
+            <a:r>
+              <a:rPr lang="en" altLang="zh-CN" sz="1400" b="0" dirty="0">
+                <a:solidFill>
+                  <a:srgbClr val="000000"/>
+                </a:solidFill>
+                <a:effectLst/>
+                <a:latin typeface="Menlo" panose="020B0609030804020204" pitchFamily="49" charset="0"/>
+              </a:rPr>
+              <a:t>, </a:t>
+            </a:r>
+            <a:r>
+              <a:rPr lang="en" altLang="zh-CN" sz="1400" b="0" dirty="0">
+                <a:solidFill>
+                  <a:srgbClr val="001080"/>
+                </a:solidFill>
+                <a:effectLst/>
+                <a:latin typeface="Menlo" panose="020B0609030804020204" pitchFamily="49" charset="0"/>
+              </a:rPr>
+              <a:t>v</a:t>
+            </a:r>
+            <a:r>
+              <a:rPr lang="en" altLang="zh-CN" sz="1400" b="0" dirty="0">
+                <a:solidFill>
+                  <a:srgbClr val="000000"/>
+                </a:solidFill>
+                <a:effectLst/>
+                <a:latin typeface="Menlo" panose="020B0609030804020204" pitchFamily="49" charset="0"/>
+              </a:rPr>
+              <a:t>);</a:t>
+            </a:r>
+          </a:p>
+          <a:p>
+            <a:r>
+              <a:rPr lang="en" altLang="zh-CN" sz="1400" b="0" dirty="0">
+                <a:solidFill>
+                  <a:srgbClr val="008000"/>
+                </a:solidFill>
+                <a:effectLst/>
+                <a:latin typeface="Menlo" panose="020B0609030804020204" pitchFamily="49" charset="0"/>
+              </a:rPr>
+              <a:t>                //result(r, c) = (*this)(r, c) + other(r, c);</a:t>
+            </a:r>
+            <a:endParaRPr lang="en" altLang="zh-CN" sz="1400" b="0" dirty="0">
+              <a:solidFill>
+                <a:srgbClr val="000000"/>
+              </a:solidFill>
+              <a:effectLst/>
+              <a:latin typeface="Menlo" panose="020B0609030804020204" pitchFamily="49" charset="0"/>
+            </a:endParaRPr>
+          </a:p>
+          <a:p>
+            <a:r>
+              <a:rPr lang="en" altLang="zh-CN" sz="1400" b="0" dirty="0">
+                <a:solidFill>
+                  <a:srgbClr val="000000"/>
+                </a:solidFill>
+                <a:effectLst/>
+                <a:latin typeface="Menlo" panose="020B0609030804020204" pitchFamily="49" charset="0"/>
+              </a:rPr>
+              <a:t>            }</a:t>
+            </a:r>
+          </a:p>
+          <a:p>
+            <a:br>
+              <a:rPr lang="en" altLang="zh-CN" sz="1400" b="0" dirty="0">
+                <a:solidFill>
+                  <a:srgbClr val="000000"/>
+                </a:solidFill>
+                <a:effectLst/>
+                <a:latin typeface="Menlo" panose="020B0609030804020204" pitchFamily="49" charset="0"/>
+              </a:rPr>
+            </a:br>
+            <a:r>
+              <a:rPr lang="en" altLang="zh-CN" sz="1400" b="0" dirty="0">
+                <a:solidFill>
+                  <a:srgbClr val="000000"/>
+                </a:solidFill>
+                <a:effectLst/>
+                <a:latin typeface="Menlo" panose="020B0609030804020204" pitchFamily="49" charset="0"/>
+              </a:rPr>
+              <a:t>         </a:t>
+            </a:r>
+            <a:r>
+              <a:rPr lang="en" altLang="zh-CN" sz="1400" b="0" dirty="0">
+                <a:solidFill>
+                  <a:srgbClr val="AF00DB"/>
+                </a:solidFill>
+                <a:effectLst/>
+                <a:latin typeface="Menlo" panose="020B0609030804020204" pitchFamily="49" charset="0"/>
+              </a:rPr>
+              <a:t>return</a:t>
+            </a:r>
+            <a:r>
+              <a:rPr lang="en" altLang="zh-CN" sz="1400" b="0" dirty="0">
+                <a:solidFill>
+                  <a:srgbClr val="000000"/>
+                </a:solidFill>
+                <a:effectLst/>
+                <a:latin typeface="Menlo" panose="020B0609030804020204" pitchFamily="49" charset="0"/>
+              </a:rPr>
+              <a:t> </a:t>
+            </a:r>
+            <a:r>
+              <a:rPr lang="en" altLang="zh-CN" sz="1400" b="0" dirty="0">
+                <a:solidFill>
+                  <a:srgbClr val="001080"/>
+                </a:solidFill>
+                <a:effectLst/>
+                <a:latin typeface="Menlo" panose="020B0609030804020204" pitchFamily="49" charset="0"/>
+              </a:rPr>
+              <a:t>result</a:t>
+            </a:r>
+            <a:r>
+              <a:rPr lang="en" altLang="zh-CN" sz="1400" b="0" dirty="0">
+                <a:solidFill>
+                  <a:srgbClr val="000000"/>
+                </a:solidFill>
+                <a:effectLst/>
+                <a:latin typeface="Menlo" panose="020B0609030804020204" pitchFamily="49" charset="0"/>
+              </a:rPr>
+              <a:t>;</a:t>
+            </a:r>
+          </a:p>
+          <a:p>
+            <a:r>
+              <a:rPr lang="en" altLang="zh-CN" sz="1400" b="0" dirty="0">
+                <a:solidFill>
+                  <a:srgbClr val="000000"/>
+                </a:solidFill>
+                <a:effectLst/>
+                <a:latin typeface="Menlo" panose="020B0609030804020204" pitchFamily="49" charset="0"/>
+              </a:rPr>
+              <a:t>    }</a:t>
+            </a:r>
+          </a:p>
+          <a:p>
+            <a:r>
+              <a:rPr lang="en" altLang="zh-CN" sz="1400" b="0" dirty="0">
+                <a:solidFill>
+                  <a:srgbClr val="000000"/>
+                </a:solidFill>
+                <a:effectLst/>
+                <a:latin typeface="Menlo" panose="020B0609030804020204" pitchFamily="49" charset="0"/>
+              </a:rPr>
+              <a:t>};</a:t>
+            </a:r>
+          </a:p>
+        </p:txBody>
+      </p:sp>
+      <p:sp>
+        <p:nvSpPr>
+          <p:cNvPr id="8" name="矩形 7">
+            <a:extLst>
+              <a:ext uri="{FF2B5EF4-FFF2-40B4-BE49-F238E27FC236}">
+                <a16:creationId xmlns:a16="http://schemas.microsoft.com/office/drawing/2014/main" id="{3841D258-A00F-8451-728C-84C54A9FF6C2}"/>
+              </a:ext>
+            </a:extLst>
+          </p:cNvPr>
+          <p:cNvSpPr/>
+          <p:nvPr/>
+        </p:nvSpPr>
+        <p:spPr>
+          <a:xfrm>
+            <a:off x="402336" y="2295144"/>
+            <a:ext cx="1133856" cy="246888"/>
+          </a:xfrm>
+          <a:prstGeom prst="rect">
+            <a:avLst/>
+          </a:prstGeom>
+          <a:noFill/>
+          <a:ln w="50800">
+            <a:solidFill>
+              <a:srgbClr val="FF0000"/>
+            </a:solidFill>
+          </a:ln>
+        </p:spPr>
+        <p:style>
+          <a:lnRef idx="2">
+            <a:schemeClr val="accent1">
+              <a:shade val="15000"/>
+            </a:schemeClr>
+          </a:lnRef>
+          <a:fillRef idx="1">
+            <a:schemeClr val="accent1"/>
+          </a:fillRef>
+          <a:effectRef idx="0">
+            <a:schemeClr val="accent1"/>
+          </a:effectRef>
+          <a:fontRef idx="minor">
+            <a:schemeClr val="lt1"/>
+          </a:fontRef>
+        </p:style>
+        <p:txBody>
+          <a:bodyPr rtlCol="0" anchor="ctr"/>
+          <a:lstStyle/>
+          <a:p>
+            <a:pPr algn="ctr"/>
+            <a:endParaRPr kumimoji="1" lang="zh-CN" altLang="en-US"/>
+          </a:p>
+        </p:txBody>
+      </p:sp>
+      <p:sp>
+        <p:nvSpPr>
+          <p:cNvPr id="9" name="矩形 8">
+            <a:extLst>
+              <a:ext uri="{FF2B5EF4-FFF2-40B4-BE49-F238E27FC236}">
+                <a16:creationId xmlns:a16="http://schemas.microsoft.com/office/drawing/2014/main" id="{192FE1AD-068A-2CE7-4012-78B5E9901F8D}"/>
+              </a:ext>
+            </a:extLst>
+          </p:cNvPr>
+          <p:cNvSpPr/>
+          <p:nvPr/>
+        </p:nvSpPr>
+        <p:spPr>
+          <a:xfrm>
+            <a:off x="7330440" y="4669536"/>
+            <a:ext cx="4861560" cy="1018032"/>
+          </a:xfrm>
+          <a:prstGeom prst="rect">
+            <a:avLst/>
+          </a:prstGeom>
+          <a:noFill/>
+          <a:ln w="50800">
+            <a:solidFill>
+              <a:srgbClr val="FF0000"/>
+            </a:solidFill>
+          </a:ln>
+        </p:spPr>
+        <p:style>
+          <a:lnRef idx="2">
+            <a:schemeClr val="accent1">
+              <a:shade val="15000"/>
+            </a:schemeClr>
+          </a:lnRef>
+          <a:fillRef idx="1">
+            <a:schemeClr val="accent1"/>
+          </a:fillRef>
+          <a:effectRef idx="0">
+            <a:schemeClr val="accent1"/>
+          </a:effectRef>
+          <a:fontRef idx="minor">
+            <a:schemeClr val="lt1"/>
+          </a:fontRef>
+        </p:style>
+        <p:txBody>
+          <a:bodyPr rtlCol="0" anchor="ctr"/>
+          <a:lstStyle/>
+          <a:p>
+            <a:pPr algn="ctr"/>
+            <a:endParaRPr kumimoji="1" lang="zh-CN" altLang="en-US"/>
+          </a:p>
+        </p:txBody>
+      </p:sp>
+    </p:spTree>
+    <p:extLst>
+      <p:ext uri="{BB962C8B-B14F-4D97-AF65-F5344CB8AC3E}">
+        <p14:creationId xmlns:p14="http://schemas.microsoft.com/office/powerpoint/2010/main" val="2819288172"/>
+      </p:ext>
+    </p:extLst>
+  </p:cSld>
+  <p:clrMapOvr>
+    <a:masterClrMapping/>
+  </p:clrMapOvr>
+</p:sld>
+</file>
+
 <file path=ppt/slides/slide2.xml><?xml version="1.0" encoding="utf-8"?>
 <p:sld xmlns:a="http://schemas.openxmlformats.org/drawingml/2006/main" xmlns:r="http://schemas.openxmlformats.org/officeDocument/2006/relationships" xmlns:p="http://schemas.openxmlformats.org/presentationml/2006/main">
   <p:cSld>
@@ -7387,10 +10358,3837 @@
           </a:p>
         </p:txBody>
       </p:sp>
+      <p:pic>
+        <p:nvPicPr>
+          <p:cNvPr id="6" name="图片 5" descr="卡通人物&#10;&#10;描述已自动生成">
+            <a:extLst>
+              <a:ext uri="{FF2B5EF4-FFF2-40B4-BE49-F238E27FC236}">
+                <a16:creationId xmlns:a16="http://schemas.microsoft.com/office/drawing/2014/main" id="{A90AF11C-D56C-F650-2E96-F139E8B04D08}"/>
+              </a:ext>
+            </a:extLst>
+          </p:cNvPr>
+          <p:cNvPicPr>
+            <a:picLocks noChangeAspect="1"/>
+          </p:cNvPicPr>
+          <p:nvPr/>
+        </p:nvPicPr>
+        <p:blipFill>
+          <a:blip r:embed="rId2">
+            <a:extLst>
+              <a:ext uri="{28A0092B-C50C-407E-A947-70E740481C1C}">
+                <a14:useLocalDpi xmlns:a14="http://schemas.microsoft.com/office/drawing/2010/main" val="0"/>
+              </a:ext>
+              <a:ext uri="{837473B0-CC2E-450A-ABE3-18F120FF3D39}">
+                <a1611:picAttrSrcUrl xmlns:a1611="http://schemas.microsoft.com/office/drawing/2016/11/main" r:id="rId3"/>
+              </a:ext>
+            </a:extLst>
+          </a:blip>
+          <a:stretch>
+            <a:fillRect/>
+          </a:stretch>
+        </p:blipFill>
+        <p:spPr>
+          <a:xfrm>
+            <a:off x="9674352" y="54952"/>
+            <a:ext cx="2319528" cy="2319528"/>
+          </a:xfrm>
+          <a:prstGeom prst="rect">
+            <a:avLst/>
+          </a:prstGeom>
+        </p:spPr>
+      </p:pic>
     </p:spTree>
     <p:extLst>
       <p:ext uri="{BB962C8B-B14F-4D97-AF65-F5344CB8AC3E}">
         <p14:creationId xmlns:p14="http://schemas.microsoft.com/office/powerpoint/2010/main" val="2153446940"/>
+      </p:ext>
+    </p:extLst>
+  </p:cSld>
+  <p:clrMapOvr>
+    <a:masterClrMapping/>
+  </p:clrMapOvr>
+</p:sld>
+</file>
+
+<file path=ppt/slides/slide20.xml><?xml version="1.0" encoding="utf-8"?>
+<p:sld xmlns:a="http://schemas.openxmlformats.org/drawingml/2006/main" xmlns:r="http://schemas.openxmlformats.org/officeDocument/2006/relationships" xmlns:p="http://schemas.openxmlformats.org/presentationml/2006/main">
+  <p:cSld>
+    <p:spTree>
+      <p:nvGrpSpPr>
+        <p:cNvPr id="1" name=""/>
+        <p:cNvGrpSpPr/>
+        <p:nvPr/>
+      </p:nvGrpSpPr>
+      <p:grpSpPr>
+        <a:xfrm>
+          <a:off x="0" y="0"/>
+          <a:ext cx="0" cy="0"/>
+          <a:chOff x="0" y="0"/>
+          <a:chExt cx="0" cy="0"/>
+        </a:xfrm>
+      </p:grpSpPr>
+      <p:sp>
+        <p:nvSpPr>
+          <p:cNvPr id="2" name="标题 1">
+            <a:extLst>
+              <a:ext uri="{FF2B5EF4-FFF2-40B4-BE49-F238E27FC236}">
+                <a16:creationId xmlns:a16="http://schemas.microsoft.com/office/drawing/2014/main" id="{C4BAAE89-D285-89ED-21BE-FDC8CCA3791E}"/>
+              </a:ext>
+            </a:extLst>
+          </p:cNvPr>
+          <p:cNvSpPr>
+            <a:spLocks noGrp="1"/>
+          </p:cNvSpPr>
+          <p:nvPr>
+            <p:ph type="title"/>
+          </p:nvPr>
+        </p:nvSpPr>
+        <p:spPr/>
+        <p:txBody>
+          <a:bodyPr/>
+          <a:lstStyle/>
+          <a:p>
+            <a:r>
+              <a:rPr kumimoji="1" lang="en-US" altLang="zh-CN" dirty="0"/>
+              <a:t>Another Style: Computational efficiency</a:t>
+            </a:r>
+            <a:r>
+              <a:rPr kumimoji="1" lang="zh-CN" altLang="en-US" dirty="0"/>
+              <a:t> </a:t>
+            </a:r>
+            <a:r>
+              <a:rPr kumimoji="1" lang="en-US" altLang="zh-CN" dirty="0"/>
+              <a:t>first</a:t>
+            </a:r>
+            <a:endParaRPr kumimoji="1" lang="zh-CN" altLang="en-US" dirty="0"/>
+          </a:p>
+        </p:txBody>
+      </p:sp>
+      <p:sp>
+        <p:nvSpPr>
+          <p:cNvPr id="3" name="内容占位符 2">
+            <a:extLst>
+              <a:ext uri="{FF2B5EF4-FFF2-40B4-BE49-F238E27FC236}">
+                <a16:creationId xmlns:a16="http://schemas.microsoft.com/office/drawing/2014/main" id="{AB93FE5B-D37D-D233-4B99-BC2ADD684AC0}"/>
+              </a:ext>
+            </a:extLst>
+          </p:cNvPr>
+          <p:cNvSpPr>
+            <a:spLocks noGrp="1"/>
+          </p:cNvSpPr>
+          <p:nvPr>
+            <p:ph idx="1"/>
+          </p:nvPr>
+        </p:nvSpPr>
+        <p:spPr>
+          <a:xfrm>
+            <a:off x="838199" y="1326995"/>
+            <a:ext cx="11053879" cy="501805"/>
+          </a:xfrm>
+        </p:spPr>
+        <p:txBody>
+          <a:bodyPr/>
+          <a:lstStyle/>
+          <a:p>
+            <a:r>
+              <a:rPr kumimoji="1" lang="en-US" altLang="zh-CN" dirty="0"/>
+              <a:t>Another style: Is it a good style?</a:t>
+            </a:r>
+            <a:endParaRPr kumimoji="1" lang="zh-CN" altLang="en-US" dirty="0"/>
+          </a:p>
+        </p:txBody>
+      </p:sp>
+      <p:sp>
+        <p:nvSpPr>
+          <p:cNvPr id="5" name="文本框 4">
+            <a:extLst>
+              <a:ext uri="{FF2B5EF4-FFF2-40B4-BE49-F238E27FC236}">
+                <a16:creationId xmlns:a16="http://schemas.microsoft.com/office/drawing/2014/main" id="{3B5FEE65-DC75-628C-55B0-D69B9E0260DB}"/>
+              </a:ext>
+            </a:extLst>
+          </p:cNvPr>
+          <p:cNvSpPr txBox="1"/>
+          <p:nvPr/>
+        </p:nvSpPr>
+        <p:spPr>
+          <a:xfrm>
+            <a:off x="146304" y="1838487"/>
+            <a:ext cx="5367528" cy="4401205"/>
+          </a:xfrm>
+          <a:prstGeom prst="rect">
+            <a:avLst/>
+          </a:prstGeom>
+          <a:solidFill>
+            <a:schemeClr val="accent1">
+              <a:lumMod val="20000"/>
+              <a:lumOff val="80000"/>
+            </a:schemeClr>
+          </a:solidFill>
+        </p:spPr>
+        <p:txBody>
+          <a:bodyPr wrap="square">
+            <a:spAutoFit/>
+          </a:bodyPr>
+          <a:lstStyle/>
+          <a:p>
+            <a:r>
+              <a:rPr lang="en" altLang="zh-CN" sz="1400" b="0" dirty="0">
+                <a:solidFill>
+                  <a:srgbClr val="0000FF"/>
+                </a:solidFill>
+                <a:effectLst/>
+                <a:latin typeface="Menlo" panose="020B0609030804020204" pitchFamily="49" charset="0"/>
+              </a:rPr>
+              <a:t>class</a:t>
+            </a:r>
+            <a:r>
+              <a:rPr lang="en" altLang="zh-CN" sz="1400" b="0" dirty="0">
+                <a:solidFill>
+                  <a:srgbClr val="000000"/>
+                </a:solidFill>
+                <a:effectLst/>
+                <a:latin typeface="Menlo" panose="020B0609030804020204" pitchFamily="49" charset="0"/>
+              </a:rPr>
+              <a:t> </a:t>
+            </a:r>
+            <a:r>
+              <a:rPr lang="en" altLang="zh-CN" sz="1400" b="0" dirty="0">
+                <a:solidFill>
+                  <a:srgbClr val="267F99"/>
+                </a:solidFill>
+                <a:effectLst/>
+                <a:latin typeface="Menlo" panose="020B0609030804020204" pitchFamily="49" charset="0"/>
+              </a:rPr>
+              <a:t>Matrix</a:t>
+            </a:r>
+            <a:endParaRPr lang="en" altLang="zh-CN" sz="1400" b="0" dirty="0">
+              <a:solidFill>
+                <a:srgbClr val="000000"/>
+              </a:solidFill>
+              <a:effectLst/>
+              <a:latin typeface="Menlo" panose="020B0609030804020204" pitchFamily="49" charset="0"/>
+            </a:endParaRPr>
+          </a:p>
+          <a:p>
+            <a:r>
+              <a:rPr lang="en" altLang="zh-CN" sz="1400" b="0" dirty="0">
+                <a:solidFill>
+                  <a:srgbClr val="000000"/>
+                </a:solidFill>
+                <a:effectLst/>
+                <a:latin typeface="Menlo" panose="020B0609030804020204" pitchFamily="49" charset="0"/>
+              </a:rPr>
+              <a:t>{</a:t>
+            </a:r>
+          </a:p>
+          <a:p>
+            <a:r>
+              <a:rPr lang="en" altLang="zh-CN" sz="1400" b="0" dirty="0">
+                <a:solidFill>
+                  <a:srgbClr val="0000FF"/>
+                </a:solidFill>
+                <a:effectLst/>
+                <a:latin typeface="Menlo" panose="020B0609030804020204" pitchFamily="49" charset="0"/>
+              </a:rPr>
+              <a:t>  pubic:</a:t>
+            </a:r>
+            <a:endParaRPr lang="en" altLang="zh-CN" sz="1400" b="0" dirty="0">
+              <a:solidFill>
+                <a:srgbClr val="000000"/>
+              </a:solidFill>
+              <a:effectLst/>
+              <a:latin typeface="Menlo" panose="020B0609030804020204" pitchFamily="49" charset="0"/>
+            </a:endParaRPr>
+          </a:p>
+          <a:p>
+            <a:r>
+              <a:rPr lang="en" altLang="zh-CN" sz="1400" b="0" dirty="0">
+                <a:solidFill>
+                  <a:srgbClr val="0000FF"/>
+                </a:solidFill>
+                <a:effectLst/>
+                <a:latin typeface="Menlo" panose="020B0609030804020204" pitchFamily="49" charset="0"/>
+              </a:rPr>
+              <a:t>    </a:t>
+            </a:r>
+            <a:r>
+              <a:rPr lang="en" altLang="zh-CN" sz="1400" b="0" dirty="0" err="1">
+                <a:solidFill>
+                  <a:srgbClr val="0000FF"/>
+                </a:solidFill>
+                <a:effectLst/>
+                <a:latin typeface="Menlo" panose="020B0609030804020204" pitchFamily="49" charset="0"/>
+              </a:rPr>
+              <a:t>size_t</a:t>
+            </a:r>
+            <a:r>
+              <a:rPr lang="en" altLang="zh-CN" sz="1400" b="0" dirty="0">
+                <a:solidFill>
+                  <a:srgbClr val="000000"/>
+                </a:solidFill>
+                <a:effectLst/>
+                <a:latin typeface="Menlo" panose="020B0609030804020204" pitchFamily="49" charset="0"/>
+              </a:rPr>
+              <a:t> </a:t>
+            </a:r>
+            <a:r>
+              <a:rPr lang="en" altLang="zh-CN" sz="1400" b="0" dirty="0">
+                <a:solidFill>
+                  <a:srgbClr val="001080"/>
+                </a:solidFill>
+                <a:effectLst/>
+                <a:latin typeface="Menlo" panose="020B0609030804020204" pitchFamily="49" charset="0"/>
+              </a:rPr>
+              <a:t>rows</a:t>
+            </a:r>
+            <a:r>
+              <a:rPr lang="en" altLang="zh-CN" sz="1400" b="0" dirty="0">
+                <a:solidFill>
+                  <a:srgbClr val="000000"/>
+                </a:solidFill>
+                <a:effectLst/>
+                <a:latin typeface="Menlo" panose="020B0609030804020204" pitchFamily="49" charset="0"/>
+              </a:rPr>
+              <a:t>;</a:t>
+            </a:r>
+          </a:p>
+          <a:p>
+            <a:r>
+              <a:rPr lang="en" altLang="zh-CN" sz="1400" b="0" dirty="0">
+                <a:solidFill>
+                  <a:srgbClr val="0000FF"/>
+                </a:solidFill>
+                <a:effectLst/>
+                <a:latin typeface="Menlo" panose="020B0609030804020204" pitchFamily="49" charset="0"/>
+              </a:rPr>
+              <a:t>    </a:t>
+            </a:r>
+            <a:r>
+              <a:rPr lang="en" altLang="zh-CN" sz="1400" b="0" dirty="0" err="1">
+                <a:solidFill>
+                  <a:srgbClr val="0000FF"/>
+                </a:solidFill>
+                <a:effectLst/>
+                <a:latin typeface="Menlo" panose="020B0609030804020204" pitchFamily="49" charset="0"/>
+              </a:rPr>
+              <a:t>size_t</a:t>
+            </a:r>
+            <a:r>
+              <a:rPr lang="en" altLang="zh-CN" sz="1400" b="0" dirty="0">
+                <a:solidFill>
+                  <a:srgbClr val="000000"/>
+                </a:solidFill>
+                <a:effectLst/>
+                <a:latin typeface="Menlo" panose="020B0609030804020204" pitchFamily="49" charset="0"/>
+              </a:rPr>
+              <a:t> </a:t>
+            </a:r>
+            <a:r>
+              <a:rPr lang="en" altLang="zh-CN" sz="1400" b="0" dirty="0">
+                <a:solidFill>
+                  <a:srgbClr val="001080"/>
+                </a:solidFill>
+                <a:effectLst/>
+                <a:latin typeface="Menlo" panose="020B0609030804020204" pitchFamily="49" charset="0"/>
+              </a:rPr>
+              <a:t>cols</a:t>
+            </a:r>
+            <a:r>
+              <a:rPr lang="en" altLang="zh-CN" sz="1400" b="0" dirty="0">
+                <a:solidFill>
+                  <a:srgbClr val="000000"/>
+                </a:solidFill>
+                <a:effectLst/>
+                <a:latin typeface="Menlo" panose="020B0609030804020204" pitchFamily="49" charset="0"/>
+              </a:rPr>
+              <a:t>;</a:t>
+            </a:r>
+          </a:p>
+          <a:p>
+            <a:r>
+              <a:rPr lang="en" altLang="zh-CN" sz="1400" b="0" dirty="0">
+                <a:solidFill>
+                  <a:srgbClr val="0000FF"/>
+                </a:solidFill>
+                <a:effectLst/>
+                <a:latin typeface="Menlo" panose="020B0609030804020204" pitchFamily="49" charset="0"/>
+              </a:rPr>
+              <a:t>    float</a:t>
+            </a:r>
+            <a:r>
+              <a:rPr lang="en" altLang="zh-CN" sz="1400" b="0" dirty="0">
+                <a:solidFill>
+                  <a:srgbClr val="000000"/>
+                </a:solidFill>
+                <a:effectLst/>
+                <a:latin typeface="Menlo" panose="020B0609030804020204" pitchFamily="49" charset="0"/>
+              </a:rPr>
+              <a:t> * </a:t>
+            </a:r>
+            <a:r>
+              <a:rPr lang="en" altLang="zh-CN" sz="1400" b="0" dirty="0">
+                <a:solidFill>
+                  <a:srgbClr val="001080"/>
+                </a:solidFill>
+                <a:effectLst/>
+                <a:latin typeface="Menlo" panose="020B0609030804020204" pitchFamily="49" charset="0"/>
+              </a:rPr>
+              <a:t>data</a:t>
+            </a:r>
+            <a:r>
+              <a:rPr lang="en" altLang="zh-CN" sz="1400" b="0" dirty="0">
+                <a:solidFill>
+                  <a:srgbClr val="000000"/>
+                </a:solidFill>
+                <a:effectLst/>
+                <a:latin typeface="Menlo" panose="020B0609030804020204" pitchFamily="49" charset="0"/>
+              </a:rPr>
+              <a:t>;</a:t>
+            </a:r>
+          </a:p>
+          <a:p>
+            <a:r>
+              <a:rPr lang="en" altLang="zh-CN" sz="1400" b="0" dirty="0">
+                <a:solidFill>
+                  <a:srgbClr val="0000FF"/>
+                </a:solidFill>
+                <a:effectLst/>
+                <a:latin typeface="Menlo" panose="020B0609030804020204" pitchFamily="49" charset="0"/>
+              </a:rPr>
+              <a:t>  public:</a:t>
+            </a:r>
+            <a:endParaRPr lang="en" altLang="zh-CN" sz="1400" b="0" dirty="0">
+              <a:solidFill>
+                <a:srgbClr val="000000"/>
+              </a:solidFill>
+              <a:effectLst/>
+              <a:latin typeface="Menlo" panose="020B0609030804020204" pitchFamily="49" charset="0"/>
+            </a:endParaRPr>
+          </a:p>
+          <a:p>
+            <a:r>
+              <a:rPr lang="en" altLang="zh-CN" sz="1400" b="0" dirty="0">
+                <a:solidFill>
+                  <a:srgbClr val="795E26"/>
+                </a:solidFill>
+                <a:effectLst/>
+                <a:latin typeface="Menlo" panose="020B0609030804020204" pitchFamily="49" charset="0"/>
+              </a:rPr>
+              <a:t>    Matrix</a:t>
+            </a:r>
+            <a:r>
+              <a:rPr lang="en" altLang="zh-CN" sz="1400" b="0" dirty="0">
+                <a:solidFill>
+                  <a:srgbClr val="000000"/>
+                </a:solidFill>
+                <a:effectLst/>
+                <a:latin typeface="Menlo" panose="020B0609030804020204" pitchFamily="49" charset="0"/>
+              </a:rPr>
+              <a:t>(</a:t>
+            </a:r>
+            <a:r>
+              <a:rPr lang="en" altLang="zh-CN" sz="1400" b="0" dirty="0" err="1">
+                <a:solidFill>
+                  <a:srgbClr val="0000FF"/>
+                </a:solidFill>
+                <a:effectLst/>
+                <a:latin typeface="Menlo" panose="020B0609030804020204" pitchFamily="49" charset="0"/>
+              </a:rPr>
+              <a:t>size_t</a:t>
+            </a:r>
+            <a:r>
+              <a:rPr lang="en" altLang="zh-CN" sz="1400" b="0" dirty="0">
+                <a:solidFill>
+                  <a:srgbClr val="000000"/>
+                </a:solidFill>
+                <a:effectLst/>
+                <a:latin typeface="Menlo" panose="020B0609030804020204" pitchFamily="49" charset="0"/>
+              </a:rPr>
+              <a:t> </a:t>
+            </a:r>
+            <a:r>
+              <a:rPr lang="en" altLang="zh-CN" sz="1400" b="0" dirty="0">
+                <a:solidFill>
+                  <a:srgbClr val="001080"/>
+                </a:solidFill>
+                <a:effectLst/>
+                <a:latin typeface="Menlo" panose="020B0609030804020204" pitchFamily="49" charset="0"/>
+              </a:rPr>
+              <a:t>r</a:t>
+            </a:r>
+            <a:r>
+              <a:rPr lang="en" altLang="zh-CN" sz="1400" b="0" dirty="0">
+                <a:solidFill>
+                  <a:srgbClr val="000000"/>
+                </a:solidFill>
+                <a:effectLst/>
+                <a:latin typeface="Menlo" panose="020B0609030804020204" pitchFamily="49" charset="0"/>
+              </a:rPr>
+              <a:t>, </a:t>
+            </a:r>
+            <a:r>
+              <a:rPr lang="en" altLang="zh-CN" sz="1400" b="0" dirty="0" err="1">
+                <a:solidFill>
+                  <a:srgbClr val="0000FF"/>
+                </a:solidFill>
+                <a:effectLst/>
+                <a:latin typeface="Menlo" panose="020B0609030804020204" pitchFamily="49" charset="0"/>
+              </a:rPr>
+              <a:t>size_t</a:t>
+            </a:r>
+            <a:r>
+              <a:rPr lang="en" altLang="zh-CN" sz="1400" b="0" dirty="0">
+                <a:solidFill>
+                  <a:srgbClr val="000000"/>
+                </a:solidFill>
+                <a:effectLst/>
+                <a:latin typeface="Menlo" panose="020B0609030804020204" pitchFamily="49" charset="0"/>
+              </a:rPr>
+              <a:t> </a:t>
+            </a:r>
+            <a:r>
+              <a:rPr lang="en" altLang="zh-CN" sz="1400" b="0" dirty="0">
+                <a:solidFill>
+                  <a:srgbClr val="001080"/>
+                </a:solidFill>
+                <a:effectLst/>
+                <a:latin typeface="Menlo" panose="020B0609030804020204" pitchFamily="49" charset="0"/>
+              </a:rPr>
+              <a:t>c</a:t>
+            </a:r>
+            <a:r>
+              <a:rPr lang="en" altLang="zh-CN" sz="1400" b="0" dirty="0">
+                <a:solidFill>
+                  <a:srgbClr val="000000"/>
+                </a:solidFill>
+                <a:effectLst/>
+                <a:latin typeface="Menlo" panose="020B0609030804020204" pitchFamily="49" charset="0"/>
+              </a:rPr>
+              <a:t>){...}</a:t>
+            </a:r>
+          </a:p>
+          <a:p>
+            <a:r>
+              <a:rPr lang="en" altLang="zh-CN" sz="1400" b="0" dirty="0">
+                <a:solidFill>
+                  <a:srgbClr val="0000FF"/>
+                </a:solidFill>
+                <a:effectLst/>
+                <a:latin typeface="Menlo" panose="020B0609030804020204" pitchFamily="49" charset="0"/>
+              </a:rPr>
+              <a:t>    </a:t>
+            </a:r>
+            <a:r>
+              <a:rPr lang="en" altLang="zh-CN" sz="1400" b="0" dirty="0" err="1">
+                <a:solidFill>
+                  <a:srgbClr val="0000FF"/>
+                </a:solidFill>
+                <a:effectLst/>
+                <a:latin typeface="Menlo" panose="020B0609030804020204" pitchFamily="49" charset="0"/>
+              </a:rPr>
+              <a:t>size_t</a:t>
+            </a:r>
+            <a:r>
+              <a:rPr lang="en" altLang="zh-CN" sz="1400" b="0" dirty="0">
+                <a:solidFill>
+                  <a:srgbClr val="000000"/>
+                </a:solidFill>
+                <a:effectLst/>
+                <a:latin typeface="Menlo" panose="020B0609030804020204" pitchFamily="49" charset="0"/>
+              </a:rPr>
+              <a:t> </a:t>
+            </a:r>
+            <a:r>
+              <a:rPr lang="en" altLang="zh-CN" sz="1400" b="0" dirty="0" err="1">
+                <a:solidFill>
+                  <a:srgbClr val="795E26"/>
+                </a:solidFill>
+                <a:effectLst/>
+                <a:latin typeface="Menlo" panose="020B0609030804020204" pitchFamily="49" charset="0"/>
+              </a:rPr>
+              <a:t>getRows</a:t>
+            </a:r>
+            <a:r>
+              <a:rPr lang="en" altLang="zh-CN" sz="1400" b="0" dirty="0">
+                <a:solidFill>
+                  <a:srgbClr val="000000"/>
+                </a:solidFill>
+                <a:effectLst/>
+                <a:latin typeface="Menlo" panose="020B0609030804020204" pitchFamily="49" charset="0"/>
+              </a:rPr>
+              <a:t>() </a:t>
+            </a:r>
+            <a:r>
+              <a:rPr lang="en" altLang="zh-CN" sz="1400" b="0" dirty="0">
+                <a:solidFill>
+                  <a:srgbClr val="0000FF"/>
+                </a:solidFill>
+                <a:effectLst/>
+                <a:latin typeface="Menlo" panose="020B0609030804020204" pitchFamily="49" charset="0"/>
+              </a:rPr>
+              <a:t>const</a:t>
+            </a:r>
+            <a:r>
+              <a:rPr lang="en" altLang="zh-CN" sz="1400" b="0" dirty="0">
+                <a:solidFill>
+                  <a:srgbClr val="000000"/>
+                </a:solidFill>
+                <a:effectLst/>
+                <a:latin typeface="Menlo" panose="020B0609030804020204" pitchFamily="49" charset="0"/>
+              </a:rPr>
+              <a:t> {</a:t>
+            </a:r>
+            <a:r>
+              <a:rPr lang="en" altLang="zh-CN" sz="1400" b="0" dirty="0">
+                <a:solidFill>
+                  <a:srgbClr val="AF00DB"/>
+                </a:solidFill>
+                <a:effectLst/>
+                <a:latin typeface="Menlo" panose="020B0609030804020204" pitchFamily="49" charset="0"/>
+              </a:rPr>
+              <a:t>return</a:t>
+            </a:r>
+            <a:r>
+              <a:rPr lang="en" altLang="zh-CN" sz="1400" b="0" dirty="0">
+                <a:solidFill>
+                  <a:srgbClr val="000000"/>
+                </a:solidFill>
+                <a:effectLst/>
+                <a:latin typeface="Menlo" panose="020B0609030804020204" pitchFamily="49" charset="0"/>
+              </a:rPr>
+              <a:t> </a:t>
+            </a:r>
+            <a:r>
+              <a:rPr lang="en" altLang="zh-CN" sz="1400" b="0" dirty="0">
+                <a:solidFill>
+                  <a:srgbClr val="001080"/>
+                </a:solidFill>
+                <a:effectLst/>
+                <a:latin typeface="Menlo" panose="020B0609030804020204" pitchFamily="49" charset="0"/>
+              </a:rPr>
+              <a:t>rows</a:t>
+            </a:r>
+            <a:r>
+              <a:rPr lang="en" altLang="zh-CN" sz="1400" b="0" dirty="0">
+                <a:solidFill>
+                  <a:srgbClr val="000000"/>
+                </a:solidFill>
+                <a:effectLst/>
+                <a:latin typeface="Menlo" panose="020B0609030804020204" pitchFamily="49" charset="0"/>
+              </a:rPr>
+              <a:t>;}</a:t>
+            </a:r>
+          </a:p>
+          <a:p>
+            <a:r>
+              <a:rPr lang="en" altLang="zh-CN" sz="1400" b="0" dirty="0">
+                <a:solidFill>
+                  <a:srgbClr val="0000FF"/>
+                </a:solidFill>
+                <a:effectLst/>
+                <a:latin typeface="Menlo" panose="020B0609030804020204" pitchFamily="49" charset="0"/>
+              </a:rPr>
+              <a:t>    </a:t>
+            </a:r>
+            <a:r>
+              <a:rPr lang="en" altLang="zh-CN" sz="1400" b="0" dirty="0" err="1">
+                <a:solidFill>
+                  <a:srgbClr val="0000FF"/>
+                </a:solidFill>
+                <a:effectLst/>
+                <a:latin typeface="Menlo" panose="020B0609030804020204" pitchFamily="49" charset="0"/>
+              </a:rPr>
+              <a:t>size_t</a:t>
+            </a:r>
+            <a:r>
+              <a:rPr lang="en" altLang="zh-CN" sz="1400" b="0" dirty="0">
+                <a:solidFill>
+                  <a:srgbClr val="000000"/>
+                </a:solidFill>
+                <a:effectLst/>
+                <a:latin typeface="Menlo" panose="020B0609030804020204" pitchFamily="49" charset="0"/>
+              </a:rPr>
+              <a:t> </a:t>
+            </a:r>
+            <a:r>
+              <a:rPr lang="en" altLang="zh-CN" sz="1400" b="0" dirty="0" err="1">
+                <a:solidFill>
+                  <a:srgbClr val="795E26"/>
+                </a:solidFill>
+                <a:effectLst/>
+                <a:latin typeface="Menlo" panose="020B0609030804020204" pitchFamily="49" charset="0"/>
+              </a:rPr>
+              <a:t>getCols</a:t>
+            </a:r>
+            <a:r>
+              <a:rPr lang="en" altLang="zh-CN" sz="1400" b="0" dirty="0">
+                <a:solidFill>
+                  <a:srgbClr val="000000"/>
+                </a:solidFill>
+                <a:effectLst/>
+                <a:latin typeface="Menlo" panose="020B0609030804020204" pitchFamily="49" charset="0"/>
+              </a:rPr>
+              <a:t>() </a:t>
+            </a:r>
+            <a:r>
+              <a:rPr lang="en" altLang="zh-CN" sz="1400" b="0" dirty="0">
+                <a:solidFill>
+                  <a:srgbClr val="0000FF"/>
+                </a:solidFill>
+                <a:effectLst/>
+                <a:latin typeface="Menlo" panose="020B0609030804020204" pitchFamily="49" charset="0"/>
+              </a:rPr>
+              <a:t>const</a:t>
+            </a:r>
+            <a:r>
+              <a:rPr lang="en" altLang="zh-CN" sz="1400" b="0" dirty="0">
+                <a:solidFill>
+                  <a:srgbClr val="000000"/>
+                </a:solidFill>
+                <a:effectLst/>
+                <a:latin typeface="Menlo" panose="020B0609030804020204" pitchFamily="49" charset="0"/>
+              </a:rPr>
+              <a:t> {</a:t>
+            </a:r>
+            <a:r>
+              <a:rPr lang="en" altLang="zh-CN" sz="1400" b="0" dirty="0">
+                <a:solidFill>
+                  <a:srgbClr val="AF00DB"/>
+                </a:solidFill>
+                <a:effectLst/>
+                <a:latin typeface="Menlo" panose="020B0609030804020204" pitchFamily="49" charset="0"/>
+              </a:rPr>
+              <a:t>return</a:t>
+            </a:r>
+            <a:r>
+              <a:rPr lang="en" altLang="zh-CN" sz="1400" b="0" dirty="0">
+                <a:solidFill>
+                  <a:srgbClr val="000000"/>
+                </a:solidFill>
+                <a:effectLst/>
+                <a:latin typeface="Menlo" panose="020B0609030804020204" pitchFamily="49" charset="0"/>
+              </a:rPr>
+              <a:t> </a:t>
+            </a:r>
+            <a:r>
+              <a:rPr lang="en" altLang="zh-CN" sz="1400" b="0" dirty="0">
+                <a:solidFill>
+                  <a:srgbClr val="001080"/>
+                </a:solidFill>
+                <a:effectLst/>
+                <a:latin typeface="Menlo" panose="020B0609030804020204" pitchFamily="49" charset="0"/>
+              </a:rPr>
+              <a:t>cols</a:t>
+            </a:r>
+            <a:r>
+              <a:rPr lang="en" altLang="zh-CN" sz="1400" b="0" dirty="0">
+                <a:solidFill>
+                  <a:srgbClr val="000000"/>
+                </a:solidFill>
+                <a:effectLst/>
+                <a:latin typeface="Menlo" panose="020B0609030804020204" pitchFamily="49" charset="0"/>
+              </a:rPr>
+              <a:t>;}</a:t>
+            </a:r>
+          </a:p>
+          <a:p>
+            <a:r>
+              <a:rPr lang="en" altLang="zh-CN" sz="1400" b="0" dirty="0">
+                <a:solidFill>
+                  <a:srgbClr val="0000FF"/>
+                </a:solidFill>
+                <a:effectLst/>
+                <a:latin typeface="Menlo" panose="020B0609030804020204" pitchFamily="49" charset="0"/>
+              </a:rPr>
+              <a:t>    float</a:t>
+            </a:r>
+            <a:r>
+              <a:rPr lang="en" altLang="zh-CN" sz="1400" b="0" dirty="0">
+                <a:solidFill>
+                  <a:srgbClr val="000000"/>
+                </a:solidFill>
+                <a:effectLst/>
+                <a:latin typeface="Menlo" panose="020B0609030804020204" pitchFamily="49" charset="0"/>
+              </a:rPr>
+              <a:t> </a:t>
+            </a:r>
+            <a:r>
+              <a:rPr lang="en" altLang="zh-CN" sz="1400" b="0" dirty="0" err="1">
+                <a:solidFill>
+                  <a:srgbClr val="795E26"/>
+                </a:solidFill>
+                <a:effectLst/>
+                <a:latin typeface="Menlo" panose="020B0609030804020204" pitchFamily="49" charset="0"/>
+              </a:rPr>
+              <a:t>getElement</a:t>
+            </a:r>
+            <a:r>
+              <a:rPr lang="en" altLang="zh-CN" sz="1400" b="0" dirty="0">
+                <a:solidFill>
+                  <a:srgbClr val="000000"/>
+                </a:solidFill>
+                <a:effectLst/>
+                <a:latin typeface="Menlo" panose="020B0609030804020204" pitchFamily="49" charset="0"/>
+              </a:rPr>
+              <a:t>(</a:t>
+            </a:r>
+            <a:r>
+              <a:rPr lang="en" altLang="zh-CN" sz="1400" b="0" dirty="0" err="1">
+                <a:solidFill>
+                  <a:srgbClr val="0000FF"/>
+                </a:solidFill>
+                <a:effectLst/>
+                <a:latin typeface="Menlo" panose="020B0609030804020204" pitchFamily="49" charset="0"/>
+              </a:rPr>
+              <a:t>size_t</a:t>
+            </a:r>
+            <a:r>
+              <a:rPr lang="en" altLang="zh-CN" sz="1400" b="0" dirty="0">
+                <a:solidFill>
+                  <a:srgbClr val="000000"/>
+                </a:solidFill>
+                <a:effectLst/>
+                <a:latin typeface="Menlo" panose="020B0609030804020204" pitchFamily="49" charset="0"/>
+              </a:rPr>
+              <a:t> </a:t>
+            </a:r>
+            <a:r>
+              <a:rPr lang="en" altLang="zh-CN" sz="1400" b="0" dirty="0">
+                <a:solidFill>
+                  <a:srgbClr val="001080"/>
+                </a:solidFill>
+                <a:effectLst/>
+                <a:latin typeface="Menlo" panose="020B0609030804020204" pitchFamily="49" charset="0"/>
+              </a:rPr>
+              <a:t>r</a:t>
+            </a:r>
+            <a:r>
+              <a:rPr lang="en" altLang="zh-CN" sz="1400" b="0" dirty="0">
+                <a:solidFill>
+                  <a:srgbClr val="000000"/>
+                </a:solidFill>
+                <a:effectLst/>
+                <a:latin typeface="Menlo" panose="020B0609030804020204" pitchFamily="49" charset="0"/>
+              </a:rPr>
+              <a:t>, </a:t>
+            </a:r>
+            <a:r>
+              <a:rPr lang="en" altLang="zh-CN" sz="1400" b="0" dirty="0" err="1">
+                <a:solidFill>
+                  <a:srgbClr val="0000FF"/>
+                </a:solidFill>
+                <a:effectLst/>
+                <a:latin typeface="Menlo" panose="020B0609030804020204" pitchFamily="49" charset="0"/>
+              </a:rPr>
+              <a:t>size_t</a:t>
+            </a:r>
+            <a:r>
+              <a:rPr lang="en" altLang="zh-CN" sz="1400" b="0" dirty="0">
+                <a:solidFill>
+                  <a:srgbClr val="000000"/>
+                </a:solidFill>
+                <a:effectLst/>
+                <a:latin typeface="Menlo" panose="020B0609030804020204" pitchFamily="49" charset="0"/>
+              </a:rPr>
+              <a:t> </a:t>
+            </a:r>
+            <a:r>
+              <a:rPr lang="en" altLang="zh-CN" sz="1400" b="0" dirty="0">
+                <a:solidFill>
+                  <a:srgbClr val="001080"/>
+                </a:solidFill>
+                <a:effectLst/>
+                <a:latin typeface="Menlo" panose="020B0609030804020204" pitchFamily="49" charset="0"/>
+              </a:rPr>
+              <a:t>c</a:t>
+            </a:r>
+            <a:r>
+              <a:rPr lang="en" altLang="zh-CN" sz="1400" b="0" dirty="0">
+                <a:solidFill>
+                  <a:srgbClr val="000000"/>
+                </a:solidFill>
+                <a:effectLst/>
+                <a:latin typeface="Menlo" panose="020B0609030804020204" pitchFamily="49" charset="0"/>
+              </a:rPr>
+              <a:t>)</a:t>
+            </a:r>
+          </a:p>
+          <a:p>
+            <a:r>
+              <a:rPr lang="en" altLang="zh-CN" sz="1400" b="0" dirty="0">
+                <a:solidFill>
+                  <a:srgbClr val="000000"/>
+                </a:solidFill>
+                <a:effectLst/>
+                <a:latin typeface="Menlo" panose="020B0609030804020204" pitchFamily="49" charset="0"/>
+              </a:rPr>
+              <a:t>    {</a:t>
+            </a:r>
+          </a:p>
+          <a:p>
+            <a:r>
+              <a:rPr lang="en" altLang="zh-CN" sz="1400" b="0" dirty="0">
+                <a:solidFill>
+                  <a:srgbClr val="AF00DB"/>
+                </a:solidFill>
+                <a:effectLst/>
+                <a:latin typeface="Menlo" panose="020B0609030804020204" pitchFamily="49" charset="0"/>
+              </a:rPr>
+              <a:t>        if</a:t>
+            </a:r>
+            <a:r>
+              <a:rPr lang="en" altLang="zh-CN" sz="1400" b="0" dirty="0">
+                <a:solidFill>
+                  <a:srgbClr val="000000"/>
+                </a:solidFill>
+                <a:effectLst/>
+                <a:latin typeface="Menlo" panose="020B0609030804020204" pitchFamily="49" charset="0"/>
+              </a:rPr>
+              <a:t>( </a:t>
+            </a:r>
+            <a:r>
+              <a:rPr lang="en" altLang="zh-CN" sz="1400" b="0" dirty="0">
+                <a:solidFill>
+                  <a:srgbClr val="001080"/>
+                </a:solidFill>
+                <a:effectLst/>
+                <a:latin typeface="Menlo" panose="020B0609030804020204" pitchFamily="49" charset="0"/>
+              </a:rPr>
+              <a:t>r</a:t>
+            </a:r>
+            <a:r>
+              <a:rPr lang="en" altLang="zh-CN" sz="1400" b="0" dirty="0">
+                <a:solidFill>
+                  <a:srgbClr val="000000"/>
+                </a:solidFill>
+                <a:effectLst/>
+                <a:latin typeface="Menlo" panose="020B0609030804020204" pitchFamily="49" charset="0"/>
+              </a:rPr>
+              <a:t> &gt;= </a:t>
+            </a:r>
+            <a:r>
+              <a:rPr lang="en" altLang="zh-CN" sz="1400" b="0" dirty="0">
+                <a:solidFill>
+                  <a:srgbClr val="001080"/>
+                </a:solidFill>
+                <a:effectLst/>
+                <a:latin typeface="Menlo" panose="020B0609030804020204" pitchFamily="49" charset="0"/>
+              </a:rPr>
+              <a:t>rows</a:t>
+            </a:r>
+            <a:r>
+              <a:rPr lang="en" altLang="zh-CN" sz="1400" b="0" dirty="0">
+                <a:solidFill>
+                  <a:srgbClr val="000000"/>
+                </a:solidFill>
+                <a:effectLst/>
+                <a:latin typeface="Menlo" panose="020B0609030804020204" pitchFamily="49" charset="0"/>
+              </a:rPr>
+              <a:t> || </a:t>
+            </a:r>
+            <a:r>
+              <a:rPr lang="en" altLang="zh-CN" sz="1400" b="0" dirty="0">
+                <a:solidFill>
+                  <a:srgbClr val="001080"/>
+                </a:solidFill>
+                <a:effectLst/>
+                <a:latin typeface="Menlo" panose="020B0609030804020204" pitchFamily="49" charset="0"/>
+              </a:rPr>
+              <a:t>c</a:t>
+            </a:r>
+            <a:r>
+              <a:rPr lang="en" altLang="zh-CN" sz="1400" b="0" dirty="0">
+                <a:solidFill>
+                  <a:srgbClr val="000000"/>
+                </a:solidFill>
+                <a:effectLst/>
+                <a:latin typeface="Menlo" panose="020B0609030804020204" pitchFamily="49" charset="0"/>
+              </a:rPr>
+              <a:t> &gt;= </a:t>
+            </a:r>
+            <a:r>
+              <a:rPr lang="en" altLang="zh-CN" sz="1400" b="0" dirty="0">
+                <a:solidFill>
+                  <a:srgbClr val="001080"/>
+                </a:solidFill>
+                <a:effectLst/>
+                <a:latin typeface="Menlo" panose="020B0609030804020204" pitchFamily="49" charset="0"/>
+              </a:rPr>
+              <a:t>cols</a:t>
+            </a:r>
+            <a:r>
+              <a:rPr lang="en" altLang="zh-CN" sz="1400" b="0" dirty="0">
+                <a:solidFill>
+                  <a:srgbClr val="000000"/>
+                </a:solidFill>
+                <a:effectLst/>
+                <a:latin typeface="Menlo" panose="020B0609030804020204" pitchFamily="49" charset="0"/>
+              </a:rPr>
+              <a:t>) { ... }</a:t>
+            </a:r>
+          </a:p>
+          <a:p>
+            <a:r>
+              <a:rPr lang="en" altLang="zh-CN" sz="1400" b="0" dirty="0">
+                <a:solidFill>
+                  <a:srgbClr val="AF00DB"/>
+                </a:solidFill>
+                <a:effectLst/>
+                <a:latin typeface="Menlo" panose="020B0609030804020204" pitchFamily="49" charset="0"/>
+              </a:rPr>
+              <a:t>        return</a:t>
+            </a:r>
+            <a:r>
+              <a:rPr lang="en" altLang="zh-CN" sz="1400" b="0" dirty="0">
+                <a:solidFill>
+                  <a:srgbClr val="000000"/>
+                </a:solidFill>
+                <a:effectLst/>
+                <a:latin typeface="Menlo" panose="020B0609030804020204" pitchFamily="49" charset="0"/>
+              </a:rPr>
+              <a:t> </a:t>
+            </a:r>
+            <a:r>
+              <a:rPr lang="en" altLang="zh-CN" sz="1400" b="0" dirty="0">
+                <a:solidFill>
+                  <a:srgbClr val="001080"/>
+                </a:solidFill>
+                <a:effectLst/>
+                <a:latin typeface="Menlo" panose="020B0609030804020204" pitchFamily="49" charset="0"/>
+              </a:rPr>
+              <a:t>data</a:t>
+            </a:r>
+            <a:r>
+              <a:rPr lang="en" altLang="zh-CN" sz="1400" b="0" dirty="0">
+                <a:solidFill>
+                  <a:srgbClr val="000000"/>
+                </a:solidFill>
+                <a:effectLst/>
+                <a:latin typeface="Menlo" panose="020B0609030804020204" pitchFamily="49" charset="0"/>
+              </a:rPr>
+              <a:t>[ </a:t>
+            </a:r>
+            <a:r>
+              <a:rPr lang="en" altLang="zh-CN" sz="1400" b="0" dirty="0">
+                <a:solidFill>
+                  <a:srgbClr val="001080"/>
+                </a:solidFill>
+                <a:effectLst/>
+                <a:latin typeface="Menlo" panose="020B0609030804020204" pitchFamily="49" charset="0"/>
+              </a:rPr>
+              <a:t>r</a:t>
+            </a:r>
+            <a:r>
+              <a:rPr lang="en" altLang="zh-CN" sz="1400" b="0" dirty="0">
+                <a:solidFill>
+                  <a:srgbClr val="000000"/>
+                </a:solidFill>
+                <a:effectLst/>
+                <a:latin typeface="Menlo" panose="020B0609030804020204" pitchFamily="49" charset="0"/>
+              </a:rPr>
+              <a:t> * </a:t>
+            </a:r>
+            <a:r>
+              <a:rPr lang="en" altLang="zh-CN" sz="1400" b="0" dirty="0">
+                <a:solidFill>
+                  <a:srgbClr val="001080"/>
+                </a:solidFill>
+                <a:effectLst/>
+                <a:latin typeface="Menlo" panose="020B0609030804020204" pitchFamily="49" charset="0"/>
+              </a:rPr>
+              <a:t>cols</a:t>
+            </a:r>
+            <a:r>
+              <a:rPr lang="en" altLang="zh-CN" sz="1400" b="0" dirty="0">
+                <a:solidFill>
+                  <a:srgbClr val="000000"/>
+                </a:solidFill>
+                <a:effectLst/>
+                <a:latin typeface="Menlo" panose="020B0609030804020204" pitchFamily="49" charset="0"/>
+              </a:rPr>
+              <a:t> + </a:t>
+            </a:r>
+            <a:r>
+              <a:rPr lang="en" altLang="zh-CN" sz="1400" b="0" dirty="0">
+                <a:solidFill>
+                  <a:srgbClr val="001080"/>
+                </a:solidFill>
+                <a:effectLst/>
+                <a:latin typeface="Menlo" panose="020B0609030804020204" pitchFamily="49" charset="0"/>
+              </a:rPr>
+              <a:t>c</a:t>
+            </a:r>
+            <a:r>
+              <a:rPr lang="en" altLang="zh-CN" sz="1400" b="0" dirty="0">
+                <a:solidFill>
+                  <a:srgbClr val="000000"/>
+                </a:solidFill>
+                <a:effectLst/>
+                <a:latin typeface="Menlo" panose="020B0609030804020204" pitchFamily="49" charset="0"/>
+              </a:rPr>
+              <a:t>];</a:t>
+            </a:r>
+          </a:p>
+          <a:p>
+            <a:r>
+              <a:rPr lang="en" altLang="zh-CN" sz="1400" b="0" dirty="0">
+                <a:solidFill>
+                  <a:srgbClr val="000000"/>
+                </a:solidFill>
+                <a:effectLst/>
+                <a:latin typeface="Menlo" panose="020B0609030804020204" pitchFamily="49" charset="0"/>
+              </a:rPr>
+              <a:t>    }</a:t>
+            </a:r>
+          </a:p>
+          <a:p>
+            <a:r>
+              <a:rPr lang="en" altLang="zh-CN" sz="1400" b="0" dirty="0">
+                <a:solidFill>
+                  <a:srgbClr val="0000FF"/>
+                </a:solidFill>
+                <a:effectLst/>
+                <a:latin typeface="Menlo" panose="020B0609030804020204" pitchFamily="49" charset="0"/>
+              </a:rPr>
+              <a:t>    void</a:t>
+            </a:r>
+            <a:r>
+              <a:rPr lang="en" altLang="zh-CN" sz="1400" b="0" dirty="0">
+                <a:solidFill>
+                  <a:srgbClr val="000000"/>
+                </a:solidFill>
+                <a:effectLst/>
+                <a:latin typeface="Menlo" panose="020B0609030804020204" pitchFamily="49" charset="0"/>
+              </a:rPr>
+              <a:t> </a:t>
+            </a:r>
+            <a:r>
+              <a:rPr lang="en" altLang="zh-CN" sz="1400" b="0" dirty="0" err="1">
+                <a:solidFill>
+                  <a:srgbClr val="795E26"/>
+                </a:solidFill>
+                <a:effectLst/>
+                <a:latin typeface="Menlo" panose="020B0609030804020204" pitchFamily="49" charset="0"/>
+              </a:rPr>
+              <a:t>setElement</a:t>
+            </a:r>
+            <a:r>
+              <a:rPr lang="en" altLang="zh-CN" sz="1400" b="0" dirty="0">
+                <a:solidFill>
+                  <a:srgbClr val="000000"/>
+                </a:solidFill>
+                <a:effectLst/>
+                <a:latin typeface="Menlo" panose="020B0609030804020204" pitchFamily="49" charset="0"/>
+              </a:rPr>
+              <a:t>(</a:t>
+            </a:r>
+            <a:r>
+              <a:rPr lang="en" altLang="zh-CN" sz="1400" b="0" dirty="0" err="1">
+                <a:solidFill>
+                  <a:srgbClr val="0000FF"/>
+                </a:solidFill>
+                <a:effectLst/>
+                <a:latin typeface="Menlo" panose="020B0609030804020204" pitchFamily="49" charset="0"/>
+              </a:rPr>
+              <a:t>size_t</a:t>
+            </a:r>
+            <a:r>
+              <a:rPr lang="en" altLang="zh-CN" sz="1400" b="0" dirty="0">
+                <a:solidFill>
+                  <a:srgbClr val="000000"/>
+                </a:solidFill>
+                <a:effectLst/>
+                <a:latin typeface="Menlo" panose="020B0609030804020204" pitchFamily="49" charset="0"/>
+              </a:rPr>
+              <a:t> </a:t>
+            </a:r>
+            <a:r>
+              <a:rPr lang="en" altLang="zh-CN" sz="1400" b="0" dirty="0">
+                <a:solidFill>
+                  <a:srgbClr val="001080"/>
+                </a:solidFill>
+                <a:effectLst/>
+                <a:latin typeface="Menlo" panose="020B0609030804020204" pitchFamily="49" charset="0"/>
+              </a:rPr>
+              <a:t>r</a:t>
+            </a:r>
+            <a:r>
+              <a:rPr lang="en" altLang="zh-CN" sz="1400" b="0" dirty="0">
+                <a:solidFill>
+                  <a:srgbClr val="000000"/>
+                </a:solidFill>
+                <a:effectLst/>
+                <a:latin typeface="Menlo" panose="020B0609030804020204" pitchFamily="49" charset="0"/>
+              </a:rPr>
+              <a:t>, </a:t>
+            </a:r>
+            <a:r>
+              <a:rPr lang="en" altLang="zh-CN" sz="1400" b="0" dirty="0" err="1">
+                <a:solidFill>
+                  <a:srgbClr val="0000FF"/>
+                </a:solidFill>
+                <a:effectLst/>
+                <a:latin typeface="Menlo" panose="020B0609030804020204" pitchFamily="49" charset="0"/>
+              </a:rPr>
+              <a:t>size_t</a:t>
+            </a:r>
+            <a:r>
+              <a:rPr lang="en" altLang="zh-CN" sz="1400" b="0" dirty="0">
+                <a:solidFill>
+                  <a:srgbClr val="000000"/>
+                </a:solidFill>
+                <a:effectLst/>
+                <a:latin typeface="Menlo" panose="020B0609030804020204" pitchFamily="49" charset="0"/>
+              </a:rPr>
+              <a:t> </a:t>
+            </a:r>
+            <a:r>
+              <a:rPr lang="en" altLang="zh-CN" sz="1400" b="0" dirty="0">
+                <a:solidFill>
+                  <a:srgbClr val="001080"/>
+                </a:solidFill>
+                <a:effectLst/>
+                <a:latin typeface="Menlo" panose="020B0609030804020204" pitchFamily="49" charset="0"/>
+              </a:rPr>
+              <a:t>c</a:t>
+            </a:r>
+            <a:r>
+              <a:rPr lang="en" altLang="zh-CN" sz="1400" b="0" dirty="0">
+                <a:solidFill>
+                  <a:srgbClr val="000000"/>
+                </a:solidFill>
+                <a:effectLst/>
+                <a:latin typeface="Menlo" panose="020B0609030804020204" pitchFamily="49" charset="0"/>
+              </a:rPr>
+              <a:t>, </a:t>
+            </a:r>
+            <a:r>
+              <a:rPr lang="en" altLang="zh-CN" sz="1400" b="0" dirty="0">
+                <a:solidFill>
+                  <a:srgbClr val="0000FF"/>
+                </a:solidFill>
+                <a:effectLst/>
+                <a:latin typeface="Menlo" panose="020B0609030804020204" pitchFamily="49" charset="0"/>
+              </a:rPr>
+              <a:t>float</a:t>
+            </a:r>
+            <a:r>
+              <a:rPr lang="en" altLang="zh-CN" sz="1400" b="0" dirty="0">
+                <a:solidFill>
+                  <a:srgbClr val="000000"/>
+                </a:solidFill>
+                <a:effectLst/>
+                <a:latin typeface="Menlo" panose="020B0609030804020204" pitchFamily="49" charset="0"/>
+              </a:rPr>
+              <a:t> </a:t>
+            </a:r>
+            <a:r>
+              <a:rPr lang="en" altLang="zh-CN" sz="1400" b="0" dirty="0">
+                <a:solidFill>
+                  <a:srgbClr val="001080"/>
+                </a:solidFill>
+                <a:effectLst/>
+                <a:latin typeface="Menlo" panose="020B0609030804020204" pitchFamily="49" charset="0"/>
+              </a:rPr>
+              <a:t>v</a:t>
+            </a:r>
+            <a:r>
+              <a:rPr lang="en" altLang="zh-CN" sz="1400" b="0" dirty="0">
+                <a:solidFill>
+                  <a:srgbClr val="000000"/>
+                </a:solidFill>
+                <a:effectLst/>
+                <a:latin typeface="Menlo" panose="020B0609030804020204" pitchFamily="49" charset="0"/>
+              </a:rPr>
+              <a:t>)</a:t>
+            </a:r>
+          </a:p>
+          <a:p>
+            <a:r>
+              <a:rPr lang="en" altLang="zh-CN" sz="1400" b="0" dirty="0">
+                <a:solidFill>
+                  <a:srgbClr val="000000"/>
+                </a:solidFill>
+                <a:effectLst/>
+                <a:latin typeface="Menlo" panose="020B0609030804020204" pitchFamily="49" charset="0"/>
+              </a:rPr>
+              <a:t>    {</a:t>
+            </a:r>
+          </a:p>
+          <a:p>
+            <a:r>
+              <a:rPr lang="en" altLang="zh-CN" sz="1400" b="0" dirty="0">
+                <a:solidFill>
+                  <a:srgbClr val="AF00DB"/>
+                </a:solidFill>
+                <a:effectLst/>
+                <a:latin typeface="Menlo" panose="020B0609030804020204" pitchFamily="49" charset="0"/>
+              </a:rPr>
+              <a:t>         if</a:t>
+            </a:r>
+            <a:r>
+              <a:rPr lang="en" altLang="zh-CN" sz="1400" b="0" dirty="0">
+                <a:solidFill>
+                  <a:srgbClr val="000000"/>
+                </a:solidFill>
+                <a:effectLst/>
+                <a:latin typeface="Menlo" panose="020B0609030804020204" pitchFamily="49" charset="0"/>
+              </a:rPr>
+              <a:t>( </a:t>
+            </a:r>
+            <a:r>
+              <a:rPr lang="en" altLang="zh-CN" sz="1400" b="0" dirty="0">
+                <a:solidFill>
+                  <a:srgbClr val="001080"/>
+                </a:solidFill>
+                <a:effectLst/>
+                <a:latin typeface="Menlo" panose="020B0609030804020204" pitchFamily="49" charset="0"/>
+              </a:rPr>
+              <a:t>r</a:t>
+            </a:r>
+            <a:r>
+              <a:rPr lang="en" altLang="zh-CN" sz="1400" b="0" dirty="0">
+                <a:solidFill>
+                  <a:srgbClr val="000000"/>
+                </a:solidFill>
+                <a:effectLst/>
+                <a:latin typeface="Menlo" panose="020B0609030804020204" pitchFamily="49" charset="0"/>
+              </a:rPr>
+              <a:t> &gt;= </a:t>
+            </a:r>
+            <a:r>
+              <a:rPr lang="en" altLang="zh-CN" sz="1400" b="0" dirty="0">
+                <a:solidFill>
+                  <a:srgbClr val="001080"/>
+                </a:solidFill>
+                <a:effectLst/>
+                <a:latin typeface="Menlo" panose="020B0609030804020204" pitchFamily="49" charset="0"/>
+              </a:rPr>
+              <a:t>rows</a:t>
+            </a:r>
+            <a:r>
+              <a:rPr lang="en" altLang="zh-CN" sz="1400" b="0" dirty="0">
+                <a:solidFill>
+                  <a:srgbClr val="000000"/>
+                </a:solidFill>
+                <a:effectLst/>
+                <a:latin typeface="Menlo" panose="020B0609030804020204" pitchFamily="49" charset="0"/>
+              </a:rPr>
+              <a:t> || </a:t>
+            </a:r>
+            <a:r>
+              <a:rPr lang="en" altLang="zh-CN" sz="1400" b="0" dirty="0">
+                <a:solidFill>
+                  <a:srgbClr val="001080"/>
+                </a:solidFill>
+                <a:effectLst/>
+                <a:latin typeface="Menlo" panose="020B0609030804020204" pitchFamily="49" charset="0"/>
+              </a:rPr>
+              <a:t>c</a:t>
+            </a:r>
+            <a:r>
+              <a:rPr lang="en" altLang="zh-CN" sz="1400" b="0" dirty="0">
+                <a:solidFill>
+                  <a:srgbClr val="000000"/>
+                </a:solidFill>
+                <a:effectLst/>
+                <a:latin typeface="Menlo" panose="020B0609030804020204" pitchFamily="49" charset="0"/>
+              </a:rPr>
+              <a:t> &gt;= </a:t>
+            </a:r>
+            <a:r>
+              <a:rPr lang="en" altLang="zh-CN" sz="1400" b="0" dirty="0">
+                <a:solidFill>
+                  <a:srgbClr val="001080"/>
+                </a:solidFill>
+                <a:effectLst/>
+                <a:latin typeface="Menlo" panose="020B0609030804020204" pitchFamily="49" charset="0"/>
+              </a:rPr>
+              <a:t>cols</a:t>
+            </a:r>
+            <a:r>
+              <a:rPr lang="en" altLang="zh-CN" sz="1400" b="0" dirty="0">
+                <a:solidFill>
+                  <a:srgbClr val="000000"/>
+                </a:solidFill>
+                <a:effectLst/>
+                <a:latin typeface="Menlo" panose="020B0609030804020204" pitchFamily="49" charset="0"/>
+              </a:rPr>
+              <a:t>) { ... }</a:t>
+            </a:r>
+          </a:p>
+          <a:p>
+            <a:r>
+              <a:rPr lang="en" altLang="zh-CN" sz="1400" b="0" dirty="0">
+                <a:solidFill>
+                  <a:srgbClr val="001080"/>
+                </a:solidFill>
+                <a:effectLst/>
+                <a:latin typeface="Menlo" panose="020B0609030804020204" pitchFamily="49" charset="0"/>
+              </a:rPr>
+              <a:t>         data</a:t>
+            </a:r>
+            <a:r>
+              <a:rPr lang="en" altLang="zh-CN" sz="1400" b="0" dirty="0">
+                <a:solidFill>
+                  <a:srgbClr val="000000"/>
+                </a:solidFill>
+                <a:effectLst/>
+                <a:latin typeface="Menlo" panose="020B0609030804020204" pitchFamily="49" charset="0"/>
+              </a:rPr>
+              <a:t>[ </a:t>
+            </a:r>
+            <a:r>
+              <a:rPr lang="en" altLang="zh-CN" sz="1400" b="0" dirty="0">
+                <a:solidFill>
+                  <a:srgbClr val="001080"/>
+                </a:solidFill>
+                <a:effectLst/>
+                <a:latin typeface="Menlo" panose="020B0609030804020204" pitchFamily="49" charset="0"/>
+              </a:rPr>
+              <a:t>r</a:t>
+            </a:r>
+            <a:r>
+              <a:rPr lang="en" altLang="zh-CN" sz="1400" b="0" dirty="0">
+                <a:solidFill>
+                  <a:srgbClr val="000000"/>
+                </a:solidFill>
+                <a:effectLst/>
+                <a:latin typeface="Menlo" panose="020B0609030804020204" pitchFamily="49" charset="0"/>
+              </a:rPr>
+              <a:t> * </a:t>
+            </a:r>
+            <a:r>
+              <a:rPr lang="en" altLang="zh-CN" sz="1400" b="0" dirty="0">
+                <a:solidFill>
+                  <a:srgbClr val="001080"/>
+                </a:solidFill>
+                <a:effectLst/>
+                <a:latin typeface="Menlo" panose="020B0609030804020204" pitchFamily="49" charset="0"/>
+              </a:rPr>
+              <a:t>cols</a:t>
+            </a:r>
+            <a:r>
+              <a:rPr lang="en" altLang="zh-CN" sz="1400" b="0" dirty="0">
+                <a:solidFill>
+                  <a:srgbClr val="000000"/>
+                </a:solidFill>
+                <a:effectLst/>
+                <a:latin typeface="Menlo" panose="020B0609030804020204" pitchFamily="49" charset="0"/>
+              </a:rPr>
+              <a:t> + </a:t>
+            </a:r>
+            <a:r>
+              <a:rPr lang="en" altLang="zh-CN" sz="1400" b="0" dirty="0">
+                <a:solidFill>
+                  <a:srgbClr val="001080"/>
+                </a:solidFill>
+                <a:effectLst/>
+                <a:latin typeface="Menlo" panose="020B0609030804020204" pitchFamily="49" charset="0"/>
+              </a:rPr>
+              <a:t>c</a:t>
+            </a:r>
+            <a:r>
+              <a:rPr lang="en" altLang="zh-CN" sz="1400" b="0" dirty="0">
+                <a:solidFill>
+                  <a:srgbClr val="000000"/>
+                </a:solidFill>
+                <a:effectLst/>
+                <a:latin typeface="Menlo" panose="020B0609030804020204" pitchFamily="49" charset="0"/>
+              </a:rPr>
+              <a:t>] = </a:t>
+            </a:r>
+            <a:r>
+              <a:rPr lang="en" altLang="zh-CN" sz="1400" b="0" dirty="0">
+                <a:solidFill>
+                  <a:srgbClr val="001080"/>
+                </a:solidFill>
+                <a:effectLst/>
+                <a:latin typeface="Menlo" panose="020B0609030804020204" pitchFamily="49" charset="0"/>
+              </a:rPr>
+              <a:t>v</a:t>
+            </a:r>
+            <a:r>
+              <a:rPr lang="en" altLang="zh-CN" sz="1400" b="0" dirty="0">
+                <a:solidFill>
+                  <a:srgbClr val="000000"/>
+                </a:solidFill>
+                <a:effectLst/>
+                <a:latin typeface="Menlo" panose="020B0609030804020204" pitchFamily="49" charset="0"/>
+              </a:rPr>
+              <a:t>;</a:t>
+            </a:r>
+          </a:p>
+          <a:p>
+            <a:r>
+              <a:rPr lang="en" altLang="zh-CN" sz="1400" b="0" dirty="0">
+                <a:solidFill>
+                  <a:srgbClr val="000000"/>
+                </a:solidFill>
+                <a:effectLst/>
+                <a:latin typeface="Menlo" panose="020B0609030804020204" pitchFamily="49" charset="0"/>
+              </a:rPr>
+              <a:t>    }</a:t>
+            </a:r>
+          </a:p>
+        </p:txBody>
+      </p:sp>
+      <p:sp>
+        <p:nvSpPr>
+          <p:cNvPr id="7" name="文本框 6">
+            <a:extLst>
+              <a:ext uri="{FF2B5EF4-FFF2-40B4-BE49-F238E27FC236}">
+                <a16:creationId xmlns:a16="http://schemas.microsoft.com/office/drawing/2014/main" id="{D5E26FE5-9BA7-321F-AFA4-3A5406CA1D70}"/>
+              </a:ext>
+            </a:extLst>
+          </p:cNvPr>
+          <p:cNvSpPr txBox="1"/>
+          <p:nvPr/>
+        </p:nvSpPr>
+        <p:spPr>
+          <a:xfrm>
+            <a:off x="5608320" y="2368839"/>
+            <a:ext cx="6583680" cy="3754874"/>
+          </a:xfrm>
+          <a:prstGeom prst="rect">
+            <a:avLst/>
+          </a:prstGeom>
+          <a:solidFill>
+            <a:schemeClr val="accent1">
+              <a:lumMod val="20000"/>
+              <a:lumOff val="80000"/>
+            </a:schemeClr>
+          </a:solidFill>
+        </p:spPr>
+        <p:txBody>
+          <a:bodyPr wrap="square">
+            <a:spAutoFit/>
+          </a:bodyPr>
+          <a:lstStyle/>
+          <a:p>
+            <a:r>
+              <a:rPr lang="en" altLang="zh-CN" sz="1400" b="0" dirty="0">
+                <a:solidFill>
+                  <a:srgbClr val="000000"/>
+                </a:solidFill>
+                <a:effectLst/>
+                <a:latin typeface="Menlo" panose="020B0609030804020204" pitchFamily="49" charset="0"/>
+              </a:rPr>
+              <a:t>...</a:t>
+            </a:r>
+          </a:p>
+          <a:p>
+            <a:r>
+              <a:rPr lang="en" altLang="zh-CN" sz="1400" b="0" dirty="0">
+                <a:solidFill>
+                  <a:srgbClr val="267F99"/>
+                </a:solidFill>
+                <a:effectLst/>
+                <a:latin typeface="Menlo" panose="020B0609030804020204" pitchFamily="49" charset="0"/>
+              </a:rPr>
+              <a:t>    Matrix</a:t>
+            </a:r>
+            <a:r>
+              <a:rPr lang="en" altLang="zh-CN" sz="1400" b="0" dirty="0">
+                <a:solidFill>
+                  <a:srgbClr val="000000"/>
+                </a:solidFill>
+                <a:effectLst/>
+                <a:latin typeface="Menlo" panose="020B0609030804020204" pitchFamily="49" charset="0"/>
+              </a:rPr>
+              <a:t> </a:t>
+            </a:r>
+            <a:r>
+              <a:rPr lang="en" altLang="zh-CN" sz="1400" b="0" dirty="0">
+                <a:solidFill>
+                  <a:srgbClr val="795E26"/>
+                </a:solidFill>
+                <a:effectLst/>
+                <a:latin typeface="Menlo" panose="020B0609030804020204" pitchFamily="49" charset="0"/>
+              </a:rPr>
+              <a:t>operator+</a:t>
+            </a:r>
+            <a:r>
+              <a:rPr lang="en" altLang="zh-CN" sz="1400" b="0" dirty="0">
+                <a:solidFill>
+                  <a:srgbClr val="000000"/>
+                </a:solidFill>
+                <a:effectLst/>
+                <a:latin typeface="Menlo" panose="020B0609030804020204" pitchFamily="49" charset="0"/>
+              </a:rPr>
+              <a:t>(</a:t>
+            </a:r>
+            <a:r>
+              <a:rPr lang="en" altLang="zh-CN" sz="1400" b="0" dirty="0">
+                <a:solidFill>
+                  <a:srgbClr val="267F99"/>
+                </a:solidFill>
+                <a:effectLst/>
+                <a:latin typeface="Menlo" panose="020B0609030804020204" pitchFamily="49" charset="0"/>
+              </a:rPr>
+              <a:t>Matrix</a:t>
+            </a:r>
+            <a:r>
+              <a:rPr lang="en" altLang="zh-CN" sz="1400" b="0" dirty="0">
+                <a:solidFill>
+                  <a:srgbClr val="000000"/>
+                </a:solidFill>
+                <a:effectLst/>
+                <a:latin typeface="Menlo" panose="020B0609030804020204" pitchFamily="49" charset="0"/>
+              </a:rPr>
+              <a:t> </a:t>
+            </a:r>
+            <a:r>
+              <a:rPr lang="en" altLang="zh-CN" sz="1400" b="0" dirty="0">
+                <a:solidFill>
+                  <a:srgbClr val="0000FF"/>
+                </a:solidFill>
+                <a:effectLst/>
+                <a:latin typeface="Menlo" panose="020B0609030804020204" pitchFamily="49" charset="0"/>
+              </a:rPr>
+              <a:t>&amp;</a:t>
+            </a:r>
+            <a:r>
+              <a:rPr lang="en" altLang="zh-CN" sz="1400" b="0" dirty="0">
+                <a:solidFill>
+                  <a:srgbClr val="000000"/>
+                </a:solidFill>
+                <a:effectLst/>
+                <a:latin typeface="Menlo" panose="020B0609030804020204" pitchFamily="49" charset="0"/>
+              </a:rPr>
+              <a:t> </a:t>
+            </a:r>
+            <a:r>
+              <a:rPr lang="en" altLang="zh-CN" sz="1400" b="0" dirty="0">
+                <a:solidFill>
+                  <a:srgbClr val="001080"/>
+                </a:solidFill>
+                <a:effectLst/>
+                <a:latin typeface="Menlo" panose="020B0609030804020204" pitchFamily="49" charset="0"/>
+              </a:rPr>
+              <a:t>other</a:t>
+            </a:r>
+            <a:r>
+              <a:rPr lang="en" altLang="zh-CN" sz="1400" b="0" dirty="0">
+                <a:solidFill>
+                  <a:srgbClr val="000000"/>
+                </a:solidFill>
+                <a:effectLst/>
+                <a:latin typeface="Menlo" panose="020B0609030804020204" pitchFamily="49" charset="0"/>
+              </a:rPr>
+              <a:t>)</a:t>
+            </a:r>
+          </a:p>
+          <a:p>
+            <a:r>
+              <a:rPr lang="en" altLang="zh-CN" sz="1400" b="0" dirty="0">
+                <a:solidFill>
+                  <a:srgbClr val="000000"/>
+                </a:solidFill>
+                <a:effectLst/>
+                <a:latin typeface="Menlo" panose="020B0609030804020204" pitchFamily="49" charset="0"/>
+              </a:rPr>
+              <a:t>    {</a:t>
+            </a:r>
+          </a:p>
+          <a:p>
+            <a:r>
+              <a:rPr lang="en" altLang="zh-CN" sz="1400" b="0" dirty="0">
+                <a:solidFill>
+                  <a:srgbClr val="AF00DB"/>
+                </a:solidFill>
+                <a:effectLst/>
+                <a:latin typeface="Menlo" panose="020B0609030804020204" pitchFamily="49" charset="0"/>
+              </a:rPr>
+              <a:t>        if</a:t>
+            </a:r>
+            <a:r>
+              <a:rPr lang="en" altLang="zh-CN" sz="1400" b="0" dirty="0">
+                <a:solidFill>
+                  <a:srgbClr val="000000"/>
+                </a:solidFill>
+                <a:effectLst/>
+                <a:latin typeface="Menlo" panose="020B0609030804020204" pitchFamily="49" charset="0"/>
+              </a:rPr>
+              <a:t>(</a:t>
+            </a:r>
+            <a:r>
+              <a:rPr lang="en" altLang="zh-CN" sz="1400" b="0" dirty="0">
+                <a:solidFill>
+                  <a:srgbClr val="0000FF"/>
+                </a:solidFill>
+                <a:effectLst/>
+                <a:latin typeface="Menlo" panose="020B0609030804020204" pitchFamily="49" charset="0"/>
+              </a:rPr>
+              <a:t>this</a:t>
+            </a:r>
+            <a:r>
+              <a:rPr lang="en" altLang="zh-CN" sz="1400" b="0" dirty="0">
+                <a:solidFill>
+                  <a:srgbClr val="000000"/>
+                </a:solidFill>
+                <a:effectLst/>
+                <a:latin typeface="Menlo" panose="020B0609030804020204" pitchFamily="49" charset="0"/>
+              </a:rPr>
+              <a:t>-&gt;</a:t>
+            </a:r>
+            <a:r>
+              <a:rPr lang="en" altLang="zh-CN" sz="1400" b="0" dirty="0">
+                <a:solidFill>
+                  <a:srgbClr val="001080"/>
+                </a:solidFill>
+                <a:effectLst/>
+                <a:latin typeface="Menlo" panose="020B0609030804020204" pitchFamily="49" charset="0"/>
+              </a:rPr>
+              <a:t>rows</a:t>
+            </a:r>
+            <a:r>
+              <a:rPr lang="en" altLang="zh-CN" sz="1400" b="0" dirty="0">
+                <a:solidFill>
+                  <a:srgbClr val="000000"/>
+                </a:solidFill>
+                <a:effectLst/>
+                <a:latin typeface="Menlo" panose="020B0609030804020204" pitchFamily="49" charset="0"/>
+              </a:rPr>
+              <a:t> != </a:t>
+            </a:r>
+            <a:r>
+              <a:rPr lang="en" altLang="zh-CN" sz="1400" b="0" dirty="0" err="1">
+                <a:solidFill>
+                  <a:srgbClr val="001080"/>
+                </a:solidFill>
+                <a:effectLst/>
+                <a:latin typeface="Menlo" panose="020B0609030804020204" pitchFamily="49" charset="0"/>
+              </a:rPr>
+              <a:t>other</a:t>
+            </a:r>
+            <a:r>
+              <a:rPr lang="en" altLang="zh-CN" sz="1400" b="0" dirty="0" err="1">
+                <a:solidFill>
+                  <a:srgbClr val="000000"/>
+                </a:solidFill>
+                <a:effectLst/>
+                <a:latin typeface="Menlo" panose="020B0609030804020204" pitchFamily="49" charset="0"/>
+              </a:rPr>
+              <a:t>.</a:t>
+            </a:r>
+            <a:r>
+              <a:rPr lang="en" altLang="zh-CN" sz="1400" b="0" dirty="0" err="1">
+                <a:solidFill>
+                  <a:srgbClr val="001080"/>
+                </a:solidFill>
+                <a:effectLst/>
+                <a:latin typeface="Menlo" panose="020B0609030804020204" pitchFamily="49" charset="0"/>
+              </a:rPr>
+              <a:t>rows</a:t>
+            </a:r>
+            <a:r>
+              <a:rPr lang="en" altLang="zh-CN" sz="1400" b="0" dirty="0">
+                <a:solidFill>
+                  <a:srgbClr val="000000"/>
+                </a:solidFill>
+                <a:effectLst/>
+                <a:latin typeface="Menlo" panose="020B0609030804020204" pitchFamily="49" charset="0"/>
+              </a:rPr>
+              <a:t> || </a:t>
+            </a:r>
+          </a:p>
+          <a:p>
+            <a:r>
+              <a:rPr lang="en" altLang="zh-CN" sz="1400" dirty="0">
+                <a:solidFill>
+                  <a:srgbClr val="000000"/>
+                </a:solidFill>
+                <a:latin typeface="Menlo" panose="020B0609030804020204" pitchFamily="49" charset="0"/>
+              </a:rPr>
+              <a:t>           </a:t>
+            </a:r>
+            <a:r>
+              <a:rPr lang="en" altLang="zh-CN" sz="1400" b="0" dirty="0">
+                <a:solidFill>
+                  <a:srgbClr val="0000FF"/>
+                </a:solidFill>
+                <a:effectLst/>
+                <a:latin typeface="Menlo" panose="020B0609030804020204" pitchFamily="49" charset="0"/>
+              </a:rPr>
+              <a:t>this</a:t>
+            </a:r>
+            <a:r>
+              <a:rPr lang="en" altLang="zh-CN" sz="1400" b="0" dirty="0">
+                <a:solidFill>
+                  <a:srgbClr val="000000"/>
+                </a:solidFill>
+                <a:effectLst/>
+                <a:latin typeface="Menlo" panose="020B0609030804020204" pitchFamily="49" charset="0"/>
+              </a:rPr>
+              <a:t>-&gt;</a:t>
+            </a:r>
+            <a:r>
+              <a:rPr lang="en" altLang="zh-CN" sz="1400" b="0" dirty="0">
+                <a:solidFill>
+                  <a:srgbClr val="001080"/>
+                </a:solidFill>
+                <a:effectLst/>
+                <a:latin typeface="Menlo" panose="020B0609030804020204" pitchFamily="49" charset="0"/>
+              </a:rPr>
+              <a:t>cols</a:t>
+            </a:r>
+            <a:r>
+              <a:rPr lang="en" altLang="zh-CN" sz="1400" b="0" dirty="0">
+                <a:solidFill>
+                  <a:srgbClr val="000000"/>
+                </a:solidFill>
+                <a:effectLst/>
+                <a:latin typeface="Menlo" panose="020B0609030804020204" pitchFamily="49" charset="0"/>
+              </a:rPr>
+              <a:t> != </a:t>
+            </a:r>
+            <a:r>
+              <a:rPr lang="en" altLang="zh-CN" sz="1400" b="0" dirty="0" err="1">
+                <a:solidFill>
+                  <a:srgbClr val="001080"/>
+                </a:solidFill>
+                <a:effectLst/>
+                <a:latin typeface="Menlo" panose="020B0609030804020204" pitchFamily="49" charset="0"/>
+              </a:rPr>
+              <a:t>other</a:t>
+            </a:r>
+            <a:r>
+              <a:rPr lang="en" altLang="zh-CN" sz="1400" b="0" dirty="0" err="1">
+                <a:solidFill>
+                  <a:srgbClr val="000000"/>
+                </a:solidFill>
+                <a:effectLst/>
+                <a:latin typeface="Menlo" panose="020B0609030804020204" pitchFamily="49" charset="0"/>
+              </a:rPr>
+              <a:t>.</a:t>
+            </a:r>
+            <a:r>
+              <a:rPr lang="en" altLang="zh-CN" sz="1400" b="0" dirty="0" err="1">
+                <a:solidFill>
+                  <a:srgbClr val="001080"/>
+                </a:solidFill>
+                <a:effectLst/>
+                <a:latin typeface="Menlo" panose="020B0609030804020204" pitchFamily="49" charset="0"/>
+              </a:rPr>
+              <a:t>rows</a:t>
+            </a:r>
+            <a:r>
+              <a:rPr lang="en" altLang="zh-CN" sz="1400" b="0" dirty="0">
+                <a:solidFill>
+                  <a:srgbClr val="000000"/>
+                </a:solidFill>
+                <a:effectLst/>
+                <a:latin typeface="Menlo" panose="020B0609030804020204" pitchFamily="49" charset="0"/>
+              </a:rPr>
+              <a:t>)</a:t>
+            </a:r>
+          </a:p>
+          <a:p>
+            <a:r>
+              <a:rPr lang="en" altLang="zh-CN" sz="1400" dirty="0">
+                <a:solidFill>
+                  <a:srgbClr val="000000"/>
+                </a:solidFill>
+                <a:latin typeface="Menlo" panose="020B0609030804020204" pitchFamily="49" charset="0"/>
+              </a:rPr>
+              <a:t>        </a:t>
+            </a:r>
+            <a:r>
+              <a:rPr lang="en" altLang="zh-CN" sz="1400" b="0" dirty="0">
+                <a:solidFill>
+                  <a:srgbClr val="000000"/>
+                </a:solidFill>
+                <a:effectLst/>
+                <a:latin typeface="Menlo" panose="020B0609030804020204" pitchFamily="49" charset="0"/>
+              </a:rPr>
+              <a:t>{ ... }</a:t>
+            </a:r>
+          </a:p>
+          <a:p>
+            <a:r>
+              <a:rPr lang="en" altLang="zh-CN" sz="1400" b="0" dirty="0">
+                <a:solidFill>
+                  <a:srgbClr val="267F99"/>
+                </a:solidFill>
+                <a:effectLst/>
+                <a:latin typeface="Menlo" panose="020B0609030804020204" pitchFamily="49" charset="0"/>
+              </a:rPr>
+              <a:t>        Matrix</a:t>
+            </a:r>
+            <a:r>
+              <a:rPr lang="en" altLang="zh-CN" sz="1400" b="0" dirty="0">
+                <a:solidFill>
+                  <a:srgbClr val="000000"/>
+                </a:solidFill>
+                <a:effectLst/>
+                <a:latin typeface="Menlo" panose="020B0609030804020204" pitchFamily="49" charset="0"/>
+              </a:rPr>
+              <a:t> </a:t>
+            </a:r>
+            <a:r>
+              <a:rPr lang="en" altLang="zh-CN" sz="1400" b="0" dirty="0">
+                <a:solidFill>
+                  <a:srgbClr val="001080"/>
+                </a:solidFill>
+                <a:effectLst/>
+                <a:latin typeface="Menlo" panose="020B0609030804020204" pitchFamily="49" charset="0"/>
+              </a:rPr>
+              <a:t>result</a:t>
+            </a:r>
+            <a:r>
+              <a:rPr lang="en" altLang="zh-CN" sz="1400" b="0" dirty="0">
+                <a:solidFill>
+                  <a:srgbClr val="000000"/>
+                </a:solidFill>
+                <a:effectLst/>
+                <a:latin typeface="Menlo" panose="020B0609030804020204" pitchFamily="49" charset="0"/>
+              </a:rPr>
+              <a:t>(</a:t>
+            </a:r>
+            <a:r>
+              <a:rPr lang="en" altLang="zh-CN" sz="1400" b="0" dirty="0">
+                <a:solidFill>
+                  <a:srgbClr val="0000FF"/>
+                </a:solidFill>
+                <a:effectLst/>
+                <a:latin typeface="Menlo" panose="020B0609030804020204" pitchFamily="49" charset="0"/>
+              </a:rPr>
+              <a:t>this</a:t>
+            </a:r>
+            <a:r>
+              <a:rPr lang="en" altLang="zh-CN" sz="1400" b="0" dirty="0">
+                <a:solidFill>
+                  <a:srgbClr val="000000"/>
+                </a:solidFill>
+                <a:effectLst/>
+                <a:latin typeface="Menlo" panose="020B0609030804020204" pitchFamily="49" charset="0"/>
+              </a:rPr>
+              <a:t>-&gt;</a:t>
+            </a:r>
+            <a:r>
+              <a:rPr lang="en" altLang="zh-CN" sz="1400" b="0" dirty="0">
+                <a:solidFill>
+                  <a:srgbClr val="001080"/>
+                </a:solidFill>
+                <a:effectLst/>
+                <a:latin typeface="Menlo" panose="020B0609030804020204" pitchFamily="49" charset="0"/>
+              </a:rPr>
+              <a:t>rows</a:t>
+            </a:r>
+            <a:r>
+              <a:rPr lang="en" altLang="zh-CN" sz="1400" b="0" dirty="0">
+                <a:solidFill>
+                  <a:srgbClr val="000000"/>
+                </a:solidFill>
+                <a:effectLst/>
+                <a:latin typeface="Menlo" panose="020B0609030804020204" pitchFamily="49" charset="0"/>
+              </a:rPr>
+              <a:t>, </a:t>
+            </a:r>
+            <a:r>
+              <a:rPr lang="en" altLang="zh-CN" sz="1400" b="0" dirty="0">
+                <a:solidFill>
+                  <a:srgbClr val="0000FF"/>
+                </a:solidFill>
+                <a:effectLst/>
+                <a:latin typeface="Menlo" panose="020B0609030804020204" pitchFamily="49" charset="0"/>
+              </a:rPr>
+              <a:t>this</a:t>
+            </a:r>
+            <a:r>
+              <a:rPr lang="en" altLang="zh-CN" sz="1400" b="0" dirty="0">
+                <a:solidFill>
+                  <a:srgbClr val="000000"/>
+                </a:solidFill>
+                <a:effectLst/>
+                <a:latin typeface="Menlo" panose="020B0609030804020204" pitchFamily="49" charset="0"/>
+              </a:rPr>
+              <a:t>-&gt;</a:t>
+            </a:r>
+            <a:r>
+              <a:rPr lang="en" altLang="zh-CN" sz="1400" b="0" dirty="0">
+                <a:solidFill>
+                  <a:srgbClr val="001080"/>
+                </a:solidFill>
+                <a:effectLst/>
+                <a:latin typeface="Menlo" panose="020B0609030804020204" pitchFamily="49" charset="0"/>
+              </a:rPr>
+              <a:t>cols</a:t>
+            </a:r>
+            <a:r>
+              <a:rPr lang="en" altLang="zh-CN" sz="1400" b="0" dirty="0">
+                <a:solidFill>
+                  <a:srgbClr val="000000"/>
+                </a:solidFill>
+                <a:effectLst/>
+                <a:latin typeface="Menlo" panose="020B0609030804020204" pitchFamily="49" charset="0"/>
+              </a:rPr>
+              <a:t>);</a:t>
+            </a:r>
+          </a:p>
+          <a:p>
+            <a:endParaRPr lang="en" altLang="zh-CN" sz="1400" b="0" dirty="0">
+              <a:solidFill>
+                <a:srgbClr val="000000"/>
+              </a:solidFill>
+              <a:effectLst/>
+              <a:latin typeface="Menlo" panose="020B0609030804020204" pitchFamily="49" charset="0"/>
+            </a:endParaRPr>
+          </a:p>
+          <a:p>
+            <a:r>
+              <a:rPr lang="en" altLang="zh-CN" sz="1400" b="0" dirty="0">
+                <a:solidFill>
+                  <a:srgbClr val="0000FF"/>
+                </a:solidFill>
+                <a:effectLst/>
+                <a:latin typeface="Menlo" panose="020B0609030804020204" pitchFamily="49" charset="0"/>
+              </a:rPr>
+              <a:t>        </a:t>
+            </a:r>
+            <a:r>
+              <a:rPr lang="en" altLang="zh-CN" sz="1400" b="0" dirty="0" err="1">
+                <a:solidFill>
+                  <a:srgbClr val="0000FF"/>
+                </a:solidFill>
+                <a:effectLst/>
+                <a:latin typeface="Menlo" panose="020B0609030804020204" pitchFamily="49" charset="0"/>
+              </a:rPr>
+              <a:t>size_t</a:t>
+            </a:r>
+            <a:r>
+              <a:rPr lang="en" altLang="zh-CN" sz="1400" b="0" dirty="0">
+                <a:solidFill>
+                  <a:srgbClr val="000000"/>
+                </a:solidFill>
+                <a:effectLst/>
+                <a:latin typeface="Menlo" panose="020B0609030804020204" pitchFamily="49" charset="0"/>
+              </a:rPr>
+              <a:t> </a:t>
+            </a:r>
+            <a:r>
+              <a:rPr lang="en" altLang="zh-CN" sz="1400" b="0" dirty="0">
+                <a:solidFill>
+                  <a:srgbClr val="001080"/>
+                </a:solidFill>
+                <a:effectLst/>
+                <a:latin typeface="Menlo" panose="020B0609030804020204" pitchFamily="49" charset="0"/>
+              </a:rPr>
+              <a:t>length</a:t>
+            </a:r>
+            <a:r>
+              <a:rPr lang="en" altLang="zh-CN" sz="1400" b="0" dirty="0">
+                <a:solidFill>
+                  <a:srgbClr val="000000"/>
+                </a:solidFill>
+                <a:effectLst/>
+                <a:latin typeface="Menlo" panose="020B0609030804020204" pitchFamily="49" charset="0"/>
+              </a:rPr>
+              <a:t> = </a:t>
+            </a:r>
+            <a:r>
+              <a:rPr lang="en" altLang="zh-CN" sz="1400" b="0" dirty="0">
+                <a:solidFill>
+                  <a:srgbClr val="001080"/>
+                </a:solidFill>
+                <a:effectLst/>
+                <a:latin typeface="Menlo" panose="020B0609030804020204" pitchFamily="49" charset="0"/>
+              </a:rPr>
+              <a:t>rows</a:t>
+            </a:r>
+            <a:r>
+              <a:rPr lang="en" altLang="zh-CN" sz="1400" b="0" dirty="0">
+                <a:solidFill>
+                  <a:srgbClr val="000000"/>
+                </a:solidFill>
+                <a:effectLst/>
+                <a:latin typeface="Menlo" panose="020B0609030804020204" pitchFamily="49" charset="0"/>
+              </a:rPr>
+              <a:t> * </a:t>
+            </a:r>
+            <a:r>
+              <a:rPr lang="en" altLang="zh-CN" sz="1400" b="0" dirty="0">
+                <a:solidFill>
+                  <a:srgbClr val="001080"/>
+                </a:solidFill>
+                <a:effectLst/>
+                <a:latin typeface="Menlo" panose="020B0609030804020204" pitchFamily="49" charset="0"/>
+              </a:rPr>
+              <a:t>cols</a:t>
+            </a:r>
+            <a:r>
+              <a:rPr lang="en" altLang="zh-CN" sz="1400" b="0" dirty="0">
+                <a:solidFill>
+                  <a:srgbClr val="000000"/>
+                </a:solidFill>
+                <a:effectLst/>
+                <a:latin typeface="Menlo" panose="020B0609030804020204" pitchFamily="49" charset="0"/>
+              </a:rPr>
+              <a:t>;</a:t>
+            </a:r>
+          </a:p>
+          <a:p>
+            <a:r>
+              <a:rPr lang="en" altLang="zh-CN" sz="1400" b="0" dirty="0">
+                <a:solidFill>
+                  <a:srgbClr val="AF00DB"/>
+                </a:solidFill>
+                <a:effectLst/>
+                <a:latin typeface="Menlo" panose="020B0609030804020204" pitchFamily="49" charset="0"/>
+              </a:rPr>
+              <a:t>        for</a:t>
+            </a:r>
+            <a:r>
+              <a:rPr lang="en" altLang="zh-CN" sz="1400" b="0" dirty="0">
+                <a:solidFill>
+                  <a:srgbClr val="000000"/>
+                </a:solidFill>
+                <a:effectLst/>
+                <a:latin typeface="Menlo" panose="020B0609030804020204" pitchFamily="49" charset="0"/>
+              </a:rPr>
+              <a:t> (</a:t>
+            </a:r>
+            <a:r>
+              <a:rPr lang="en" altLang="zh-CN" sz="1400" b="0" dirty="0" err="1">
+                <a:solidFill>
+                  <a:srgbClr val="0000FF"/>
+                </a:solidFill>
+                <a:effectLst/>
+                <a:latin typeface="Menlo" panose="020B0609030804020204" pitchFamily="49" charset="0"/>
+              </a:rPr>
+              <a:t>size_t</a:t>
+            </a:r>
+            <a:r>
+              <a:rPr lang="en" altLang="zh-CN" sz="1400" b="0" dirty="0">
+                <a:solidFill>
+                  <a:srgbClr val="000000"/>
+                </a:solidFill>
+                <a:effectLst/>
+                <a:latin typeface="Menlo" panose="020B0609030804020204" pitchFamily="49" charset="0"/>
+              </a:rPr>
+              <a:t> </a:t>
+            </a:r>
+            <a:r>
+              <a:rPr lang="en" altLang="zh-CN" sz="1400" b="0" dirty="0" err="1">
+                <a:solidFill>
+                  <a:srgbClr val="001080"/>
+                </a:solidFill>
+                <a:effectLst/>
+                <a:latin typeface="Menlo" panose="020B0609030804020204" pitchFamily="49" charset="0"/>
+              </a:rPr>
+              <a:t>i</a:t>
+            </a:r>
+            <a:r>
+              <a:rPr lang="en" altLang="zh-CN" sz="1400" b="0" dirty="0">
+                <a:solidFill>
+                  <a:srgbClr val="000000"/>
+                </a:solidFill>
+                <a:effectLst/>
+                <a:latin typeface="Menlo" panose="020B0609030804020204" pitchFamily="49" charset="0"/>
+              </a:rPr>
+              <a:t> = </a:t>
+            </a:r>
+            <a:r>
+              <a:rPr lang="en" altLang="zh-CN" sz="1400" b="0" dirty="0">
+                <a:solidFill>
+                  <a:srgbClr val="098658"/>
+                </a:solidFill>
+                <a:effectLst/>
+                <a:latin typeface="Menlo" panose="020B0609030804020204" pitchFamily="49" charset="0"/>
+              </a:rPr>
+              <a:t>0</a:t>
+            </a:r>
+            <a:r>
+              <a:rPr lang="en" altLang="zh-CN" sz="1400" b="0" dirty="0">
+                <a:solidFill>
+                  <a:srgbClr val="000000"/>
+                </a:solidFill>
+                <a:effectLst/>
+                <a:latin typeface="Menlo" panose="020B0609030804020204" pitchFamily="49" charset="0"/>
+              </a:rPr>
+              <a:t>; </a:t>
+            </a:r>
+            <a:r>
+              <a:rPr lang="en" altLang="zh-CN" sz="1400" b="0" dirty="0" err="1">
+                <a:solidFill>
+                  <a:srgbClr val="001080"/>
+                </a:solidFill>
+                <a:effectLst/>
+                <a:latin typeface="Menlo" panose="020B0609030804020204" pitchFamily="49" charset="0"/>
+              </a:rPr>
+              <a:t>i</a:t>
+            </a:r>
+            <a:r>
+              <a:rPr lang="en" altLang="zh-CN" sz="1400" b="0" dirty="0">
+                <a:solidFill>
+                  <a:srgbClr val="000000"/>
+                </a:solidFill>
+                <a:effectLst/>
+                <a:latin typeface="Menlo" panose="020B0609030804020204" pitchFamily="49" charset="0"/>
+              </a:rPr>
+              <a:t> &lt; </a:t>
+            </a:r>
+            <a:r>
+              <a:rPr lang="en" altLang="zh-CN" sz="1400" b="0" dirty="0">
+                <a:solidFill>
+                  <a:srgbClr val="001080"/>
+                </a:solidFill>
+                <a:effectLst/>
+                <a:latin typeface="Menlo" panose="020B0609030804020204" pitchFamily="49" charset="0"/>
+              </a:rPr>
+              <a:t>length</a:t>
+            </a:r>
+            <a:r>
+              <a:rPr lang="en" altLang="zh-CN" sz="1400" b="0" dirty="0">
+                <a:solidFill>
+                  <a:srgbClr val="000000"/>
+                </a:solidFill>
+                <a:effectLst/>
+                <a:latin typeface="Menlo" panose="020B0609030804020204" pitchFamily="49" charset="0"/>
+              </a:rPr>
+              <a:t>; </a:t>
+            </a:r>
+            <a:r>
+              <a:rPr lang="en" altLang="zh-CN" sz="1400" b="0" dirty="0" err="1">
+                <a:solidFill>
+                  <a:srgbClr val="001080"/>
+                </a:solidFill>
+                <a:effectLst/>
+                <a:latin typeface="Menlo" panose="020B0609030804020204" pitchFamily="49" charset="0"/>
+              </a:rPr>
+              <a:t>i</a:t>
+            </a:r>
+            <a:r>
+              <a:rPr lang="en" altLang="zh-CN" sz="1400" b="0" dirty="0">
+                <a:solidFill>
+                  <a:srgbClr val="000000"/>
+                </a:solidFill>
+                <a:effectLst/>
+                <a:latin typeface="Menlo" panose="020B0609030804020204" pitchFamily="49" charset="0"/>
+              </a:rPr>
+              <a:t>++)</a:t>
+            </a:r>
+          </a:p>
+          <a:p>
+            <a:r>
+              <a:rPr lang="en" altLang="zh-CN" sz="1400" b="0" dirty="0">
+                <a:solidFill>
+                  <a:srgbClr val="000000"/>
+                </a:solidFill>
+                <a:effectLst/>
+                <a:latin typeface="Menlo" panose="020B0609030804020204" pitchFamily="49" charset="0"/>
+              </a:rPr>
+              <a:t>        {</a:t>
+            </a:r>
+          </a:p>
+          <a:p>
+            <a:r>
+              <a:rPr lang="en" altLang="zh-CN" sz="1400" b="0" dirty="0">
+                <a:solidFill>
+                  <a:srgbClr val="001080"/>
+                </a:solidFill>
+                <a:effectLst/>
+                <a:latin typeface="Menlo" panose="020B0609030804020204" pitchFamily="49" charset="0"/>
+              </a:rPr>
+              <a:t>            </a:t>
+            </a:r>
+            <a:r>
+              <a:rPr lang="en" altLang="zh-CN" sz="1400" b="0" dirty="0" err="1">
+                <a:solidFill>
+                  <a:srgbClr val="001080"/>
+                </a:solidFill>
+                <a:effectLst/>
+                <a:latin typeface="Menlo" panose="020B0609030804020204" pitchFamily="49" charset="0"/>
+              </a:rPr>
+              <a:t>result</a:t>
+            </a:r>
+            <a:r>
+              <a:rPr lang="en" altLang="zh-CN" sz="1400" b="0" dirty="0" err="1">
+                <a:solidFill>
+                  <a:srgbClr val="000000"/>
+                </a:solidFill>
+                <a:effectLst/>
+                <a:latin typeface="Menlo" panose="020B0609030804020204" pitchFamily="49" charset="0"/>
+              </a:rPr>
+              <a:t>.</a:t>
+            </a:r>
+            <a:r>
+              <a:rPr lang="en" altLang="zh-CN" sz="1400" b="0" dirty="0" err="1">
+                <a:solidFill>
+                  <a:srgbClr val="001080"/>
+                </a:solidFill>
+                <a:effectLst/>
+                <a:latin typeface="Menlo" panose="020B0609030804020204" pitchFamily="49" charset="0"/>
+              </a:rPr>
+              <a:t>data</a:t>
+            </a:r>
+            <a:r>
+              <a:rPr lang="en" altLang="zh-CN" sz="1400" b="0" dirty="0">
+                <a:solidFill>
+                  <a:srgbClr val="000000"/>
+                </a:solidFill>
+                <a:effectLst/>
+                <a:latin typeface="Menlo" panose="020B0609030804020204" pitchFamily="49" charset="0"/>
+              </a:rPr>
+              <a:t>[</a:t>
+            </a:r>
+            <a:r>
+              <a:rPr lang="en" altLang="zh-CN" sz="1400" b="0" dirty="0" err="1">
+                <a:solidFill>
+                  <a:srgbClr val="001080"/>
+                </a:solidFill>
+                <a:effectLst/>
+                <a:latin typeface="Menlo" panose="020B0609030804020204" pitchFamily="49" charset="0"/>
+              </a:rPr>
+              <a:t>i</a:t>
+            </a:r>
+            <a:r>
+              <a:rPr lang="en" altLang="zh-CN" sz="1400" b="0" dirty="0">
+                <a:solidFill>
+                  <a:srgbClr val="000000"/>
+                </a:solidFill>
+                <a:effectLst/>
+                <a:latin typeface="Menlo" panose="020B0609030804020204" pitchFamily="49" charset="0"/>
+              </a:rPr>
+              <a:t>] = </a:t>
+            </a:r>
+            <a:r>
+              <a:rPr lang="en" altLang="zh-CN" sz="1400" b="0" dirty="0">
+                <a:solidFill>
+                  <a:srgbClr val="0000FF"/>
+                </a:solidFill>
+                <a:effectLst/>
+                <a:latin typeface="Menlo" panose="020B0609030804020204" pitchFamily="49" charset="0"/>
+              </a:rPr>
+              <a:t>this</a:t>
+            </a:r>
+            <a:r>
+              <a:rPr lang="en" altLang="zh-CN" sz="1400" b="0" dirty="0">
+                <a:solidFill>
+                  <a:srgbClr val="000000"/>
+                </a:solidFill>
+                <a:effectLst/>
+                <a:latin typeface="Menlo" panose="020B0609030804020204" pitchFamily="49" charset="0"/>
+              </a:rPr>
+              <a:t>-&gt;</a:t>
+            </a:r>
+            <a:r>
+              <a:rPr lang="en" altLang="zh-CN" sz="1400" b="0" dirty="0">
+                <a:solidFill>
+                  <a:srgbClr val="001080"/>
+                </a:solidFill>
+                <a:effectLst/>
+                <a:latin typeface="Menlo" panose="020B0609030804020204" pitchFamily="49" charset="0"/>
+              </a:rPr>
+              <a:t>data</a:t>
+            </a:r>
+            <a:r>
+              <a:rPr lang="en" altLang="zh-CN" sz="1400" b="0" dirty="0">
+                <a:solidFill>
+                  <a:srgbClr val="000000"/>
+                </a:solidFill>
+                <a:effectLst/>
+                <a:latin typeface="Menlo" panose="020B0609030804020204" pitchFamily="49" charset="0"/>
+              </a:rPr>
+              <a:t>[</a:t>
+            </a:r>
+            <a:r>
+              <a:rPr lang="en" altLang="zh-CN" sz="1400" b="0" dirty="0" err="1">
+                <a:solidFill>
+                  <a:srgbClr val="001080"/>
+                </a:solidFill>
+                <a:effectLst/>
+                <a:latin typeface="Menlo" panose="020B0609030804020204" pitchFamily="49" charset="0"/>
+              </a:rPr>
+              <a:t>i</a:t>
+            </a:r>
+            <a:r>
+              <a:rPr lang="en" altLang="zh-CN" sz="1400" b="0" dirty="0">
+                <a:solidFill>
+                  <a:srgbClr val="000000"/>
+                </a:solidFill>
+                <a:effectLst/>
+                <a:latin typeface="Menlo" panose="020B0609030804020204" pitchFamily="49" charset="0"/>
+              </a:rPr>
+              <a:t>] + </a:t>
+            </a:r>
+            <a:r>
+              <a:rPr lang="en" altLang="zh-CN" sz="1400" b="0" dirty="0" err="1">
+                <a:solidFill>
+                  <a:srgbClr val="001080"/>
+                </a:solidFill>
+                <a:effectLst/>
+                <a:latin typeface="Menlo" panose="020B0609030804020204" pitchFamily="49" charset="0"/>
+              </a:rPr>
+              <a:t>other</a:t>
+            </a:r>
+            <a:r>
+              <a:rPr lang="en" altLang="zh-CN" sz="1400" b="0" dirty="0" err="1">
+                <a:solidFill>
+                  <a:srgbClr val="000000"/>
+                </a:solidFill>
+                <a:effectLst/>
+                <a:latin typeface="Menlo" panose="020B0609030804020204" pitchFamily="49" charset="0"/>
+              </a:rPr>
+              <a:t>.</a:t>
+            </a:r>
+            <a:r>
+              <a:rPr lang="en" altLang="zh-CN" sz="1400" b="0" dirty="0" err="1">
+                <a:solidFill>
+                  <a:srgbClr val="001080"/>
+                </a:solidFill>
+                <a:effectLst/>
+                <a:latin typeface="Menlo" panose="020B0609030804020204" pitchFamily="49" charset="0"/>
+              </a:rPr>
+              <a:t>data</a:t>
+            </a:r>
+            <a:r>
+              <a:rPr lang="en" altLang="zh-CN" sz="1400" b="0" dirty="0">
+                <a:solidFill>
+                  <a:srgbClr val="000000"/>
+                </a:solidFill>
+                <a:effectLst/>
+                <a:latin typeface="Menlo" panose="020B0609030804020204" pitchFamily="49" charset="0"/>
+              </a:rPr>
+              <a:t>[</a:t>
+            </a:r>
+            <a:r>
+              <a:rPr lang="en" altLang="zh-CN" sz="1400" b="0" dirty="0" err="1">
+                <a:solidFill>
+                  <a:srgbClr val="001080"/>
+                </a:solidFill>
+                <a:effectLst/>
+                <a:latin typeface="Menlo" panose="020B0609030804020204" pitchFamily="49" charset="0"/>
+              </a:rPr>
+              <a:t>i</a:t>
+            </a:r>
+            <a:r>
+              <a:rPr lang="en" altLang="zh-CN" sz="1400" b="0" dirty="0">
+                <a:solidFill>
+                  <a:srgbClr val="000000"/>
+                </a:solidFill>
+                <a:effectLst/>
+                <a:latin typeface="Menlo" panose="020B0609030804020204" pitchFamily="49" charset="0"/>
+              </a:rPr>
+              <a:t>];</a:t>
+            </a:r>
+          </a:p>
+          <a:p>
+            <a:r>
+              <a:rPr lang="en" altLang="zh-CN" sz="1400" b="0" dirty="0">
+                <a:solidFill>
+                  <a:srgbClr val="000000"/>
+                </a:solidFill>
+                <a:effectLst/>
+                <a:latin typeface="Menlo" panose="020B0609030804020204" pitchFamily="49" charset="0"/>
+              </a:rPr>
+              <a:t>        }</a:t>
+            </a:r>
+          </a:p>
+          <a:p>
+            <a:br>
+              <a:rPr lang="en" altLang="zh-CN" sz="1400" b="0" dirty="0">
+                <a:solidFill>
+                  <a:srgbClr val="000000"/>
+                </a:solidFill>
+                <a:effectLst/>
+                <a:latin typeface="Menlo" panose="020B0609030804020204" pitchFamily="49" charset="0"/>
+              </a:rPr>
+            </a:br>
+            <a:r>
+              <a:rPr lang="en" altLang="zh-CN" sz="1400" b="0" dirty="0">
+                <a:solidFill>
+                  <a:srgbClr val="000000"/>
+                </a:solidFill>
+                <a:effectLst/>
+                <a:latin typeface="Menlo" panose="020B0609030804020204" pitchFamily="49" charset="0"/>
+              </a:rPr>
+              <a:t>         </a:t>
+            </a:r>
+            <a:r>
+              <a:rPr lang="en" altLang="zh-CN" sz="1400" b="0" dirty="0">
+                <a:solidFill>
+                  <a:srgbClr val="AF00DB"/>
+                </a:solidFill>
+                <a:effectLst/>
+                <a:latin typeface="Menlo" panose="020B0609030804020204" pitchFamily="49" charset="0"/>
+              </a:rPr>
+              <a:t>return</a:t>
+            </a:r>
+            <a:r>
+              <a:rPr lang="en" altLang="zh-CN" sz="1400" b="0" dirty="0">
+                <a:solidFill>
+                  <a:srgbClr val="000000"/>
+                </a:solidFill>
+                <a:effectLst/>
+                <a:latin typeface="Menlo" panose="020B0609030804020204" pitchFamily="49" charset="0"/>
+              </a:rPr>
+              <a:t> </a:t>
+            </a:r>
+            <a:r>
+              <a:rPr lang="en" altLang="zh-CN" sz="1400" b="0" dirty="0">
+                <a:solidFill>
+                  <a:srgbClr val="001080"/>
+                </a:solidFill>
+                <a:effectLst/>
+                <a:latin typeface="Menlo" panose="020B0609030804020204" pitchFamily="49" charset="0"/>
+              </a:rPr>
+              <a:t>result</a:t>
+            </a:r>
+            <a:r>
+              <a:rPr lang="en" altLang="zh-CN" sz="1400" b="0" dirty="0">
+                <a:solidFill>
+                  <a:srgbClr val="000000"/>
+                </a:solidFill>
+                <a:effectLst/>
+                <a:latin typeface="Menlo" panose="020B0609030804020204" pitchFamily="49" charset="0"/>
+              </a:rPr>
+              <a:t>;</a:t>
+            </a:r>
+          </a:p>
+          <a:p>
+            <a:r>
+              <a:rPr lang="en" altLang="zh-CN" sz="1400" b="0" dirty="0">
+                <a:solidFill>
+                  <a:srgbClr val="000000"/>
+                </a:solidFill>
+                <a:effectLst/>
+                <a:latin typeface="Menlo" panose="020B0609030804020204" pitchFamily="49" charset="0"/>
+              </a:rPr>
+              <a:t>    }</a:t>
+            </a:r>
+          </a:p>
+          <a:p>
+            <a:r>
+              <a:rPr lang="en" altLang="zh-CN" sz="1400" b="0" dirty="0">
+                <a:solidFill>
+                  <a:srgbClr val="000000"/>
+                </a:solidFill>
+                <a:effectLst/>
+                <a:latin typeface="Menlo" panose="020B0609030804020204" pitchFamily="49" charset="0"/>
+              </a:rPr>
+              <a:t>};</a:t>
+            </a:r>
+          </a:p>
+        </p:txBody>
+      </p:sp>
+      <p:sp>
+        <p:nvSpPr>
+          <p:cNvPr id="8" name="矩形 7">
+            <a:extLst>
+              <a:ext uri="{FF2B5EF4-FFF2-40B4-BE49-F238E27FC236}">
+                <a16:creationId xmlns:a16="http://schemas.microsoft.com/office/drawing/2014/main" id="{3841D258-A00F-8451-728C-84C54A9FF6C2}"/>
+              </a:ext>
+            </a:extLst>
+          </p:cNvPr>
+          <p:cNvSpPr/>
+          <p:nvPr/>
+        </p:nvSpPr>
+        <p:spPr>
+          <a:xfrm>
+            <a:off x="402336" y="2295144"/>
+            <a:ext cx="1133856" cy="246888"/>
+          </a:xfrm>
+          <a:prstGeom prst="rect">
+            <a:avLst/>
+          </a:prstGeom>
+          <a:noFill/>
+          <a:ln w="50800">
+            <a:solidFill>
+              <a:srgbClr val="FF0000"/>
+            </a:solidFill>
+          </a:ln>
+        </p:spPr>
+        <p:style>
+          <a:lnRef idx="2">
+            <a:schemeClr val="accent1">
+              <a:shade val="15000"/>
+            </a:schemeClr>
+          </a:lnRef>
+          <a:fillRef idx="1">
+            <a:schemeClr val="accent1"/>
+          </a:fillRef>
+          <a:effectRef idx="0">
+            <a:schemeClr val="accent1"/>
+          </a:effectRef>
+          <a:fontRef idx="minor">
+            <a:schemeClr val="lt1"/>
+          </a:fontRef>
+        </p:style>
+        <p:txBody>
+          <a:bodyPr rtlCol="0" anchor="ctr"/>
+          <a:lstStyle/>
+          <a:p>
+            <a:pPr algn="ctr"/>
+            <a:endParaRPr kumimoji="1" lang="zh-CN" altLang="en-US"/>
+          </a:p>
+        </p:txBody>
+      </p:sp>
+      <p:sp>
+        <p:nvSpPr>
+          <p:cNvPr id="9" name="矩形 8">
+            <a:extLst>
+              <a:ext uri="{FF2B5EF4-FFF2-40B4-BE49-F238E27FC236}">
+                <a16:creationId xmlns:a16="http://schemas.microsoft.com/office/drawing/2014/main" id="{192FE1AD-068A-2CE7-4012-78B5E9901F8D}"/>
+              </a:ext>
+            </a:extLst>
+          </p:cNvPr>
+          <p:cNvSpPr/>
+          <p:nvPr/>
+        </p:nvSpPr>
+        <p:spPr>
+          <a:xfrm>
+            <a:off x="6365138" y="4076146"/>
+            <a:ext cx="5680558" cy="1190797"/>
+          </a:xfrm>
+          <a:prstGeom prst="rect">
+            <a:avLst/>
+          </a:prstGeom>
+          <a:noFill/>
+          <a:ln w="50800">
+            <a:solidFill>
+              <a:srgbClr val="FF0000"/>
+            </a:solidFill>
+          </a:ln>
+        </p:spPr>
+        <p:style>
+          <a:lnRef idx="2">
+            <a:schemeClr val="accent1">
+              <a:shade val="15000"/>
+            </a:schemeClr>
+          </a:lnRef>
+          <a:fillRef idx="1">
+            <a:schemeClr val="accent1"/>
+          </a:fillRef>
+          <a:effectRef idx="0">
+            <a:schemeClr val="accent1"/>
+          </a:effectRef>
+          <a:fontRef idx="minor">
+            <a:schemeClr val="lt1"/>
+          </a:fontRef>
+        </p:style>
+        <p:txBody>
+          <a:bodyPr rtlCol="0" anchor="ctr"/>
+          <a:lstStyle/>
+          <a:p>
+            <a:pPr algn="ctr"/>
+            <a:endParaRPr kumimoji="1" lang="zh-CN" altLang="en-US"/>
+          </a:p>
+        </p:txBody>
+      </p:sp>
+    </p:spTree>
+    <p:extLst>
+      <p:ext uri="{BB962C8B-B14F-4D97-AF65-F5344CB8AC3E}">
+        <p14:creationId xmlns:p14="http://schemas.microsoft.com/office/powerpoint/2010/main" val="3413397806"/>
+      </p:ext>
+    </p:extLst>
+  </p:cSld>
+  <p:clrMapOvr>
+    <a:masterClrMapping/>
+  </p:clrMapOvr>
+</p:sld>
+</file>
+
+<file path=ppt/slides/slide21.xml><?xml version="1.0" encoding="utf-8"?>
+<p:sld xmlns:a="http://schemas.openxmlformats.org/drawingml/2006/main" xmlns:r="http://schemas.openxmlformats.org/officeDocument/2006/relationships" xmlns:p="http://schemas.openxmlformats.org/presentationml/2006/main">
+  <p:cSld>
+    <p:spTree>
+      <p:nvGrpSpPr>
+        <p:cNvPr id="1" name=""/>
+        <p:cNvGrpSpPr/>
+        <p:nvPr/>
+      </p:nvGrpSpPr>
+      <p:grpSpPr>
+        <a:xfrm>
+          <a:off x="0" y="0"/>
+          <a:ext cx="0" cy="0"/>
+          <a:chOff x="0" y="0"/>
+          <a:chExt cx="0" cy="0"/>
+        </a:xfrm>
+      </p:grpSpPr>
+      <p:sp>
+        <p:nvSpPr>
+          <p:cNvPr id="2" name="标题 1">
+            <a:extLst>
+              <a:ext uri="{FF2B5EF4-FFF2-40B4-BE49-F238E27FC236}">
+                <a16:creationId xmlns:a16="http://schemas.microsoft.com/office/drawing/2014/main" id="{C4BAAE89-D285-89ED-21BE-FDC8CCA3791E}"/>
+              </a:ext>
+            </a:extLst>
+          </p:cNvPr>
+          <p:cNvSpPr>
+            <a:spLocks noGrp="1"/>
+          </p:cNvSpPr>
+          <p:nvPr>
+            <p:ph type="title"/>
+          </p:nvPr>
+        </p:nvSpPr>
+        <p:spPr/>
+        <p:txBody>
+          <a:bodyPr/>
+          <a:lstStyle/>
+          <a:p>
+            <a:r>
+              <a:rPr kumimoji="1" lang="en-US" altLang="zh-CN" dirty="0"/>
+              <a:t>Java</a:t>
+            </a:r>
+            <a:r>
+              <a:rPr kumimoji="1" lang="zh-CN" altLang="en-US" dirty="0"/>
+              <a:t> </a:t>
+            </a:r>
+            <a:r>
+              <a:rPr kumimoji="1" lang="en-US" altLang="zh-CN" dirty="0"/>
+              <a:t>vs</a:t>
+            </a:r>
+            <a:r>
+              <a:rPr kumimoji="1" lang="zh-CN" altLang="en-US" dirty="0"/>
+              <a:t> </a:t>
+            </a:r>
+            <a:r>
+              <a:rPr kumimoji="1" lang="en-US" altLang="zh-CN" dirty="0"/>
+              <a:t>C++: Different Philosophy</a:t>
+            </a:r>
+            <a:endParaRPr kumimoji="1" lang="zh-CN" altLang="en-US" dirty="0"/>
+          </a:p>
+        </p:txBody>
+      </p:sp>
+      <p:sp>
+        <p:nvSpPr>
+          <p:cNvPr id="3" name="内容占位符 2">
+            <a:extLst>
+              <a:ext uri="{FF2B5EF4-FFF2-40B4-BE49-F238E27FC236}">
+                <a16:creationId xmlns:a16="http://schemas.microsoft.com/office/drawing/2014/main" id="{AB93FE5B-D37D-D233-4B99-BC2ADD684AC0}"/>
+              </a:ext>
+            </a:extLst>
+          </p:cNvPr>
+          <p:cNvSpPr>
+            <a:spLocks noGrp="1"/>
+          </p:cNvSpPr>
+          <p:nvPr>
+            <p:ph idx="1"/>
+          </p:nvPr>
+        </p:nvSpPr>
+        <p:spPr>
+          <a:xfrm>
+            <a:off x="371855" y="5032548"/>
+            <a:ext cx="5553457" cy="833631"/>
+          </a:xfrm>
+        </p:spPr>
+        <p:txBody>
+          <a:bodyPr>
+            <a:normAutofit/>
+          </a:bodyPr>
+          <a:lstStyle/>
+          <a:p>
+            <a:pPr marL="0" indent="0">
+              <a:buNone/>
+            </a:pPr>
+            <a:r>
+              <a:rPr kumimoji="1" lang="en-US" altLang="zh-CN" sz="2000" b="1" dirty="0"/>
+              <a:t>Developer</a:t>
+            </a:r>
+            <a:r>
+              <a:rPr kumimoji="1" lang="en-US" altLang="zh-CN" sz="2000" dirty="0"/>
+              <a:t>:</a:t>
+            </a:r>
+            <a:r>
+              <a:rPr kumimoji="1" lang="zh-CN" altLang="en-US" sz="2000" dirty="0"/>
+              <a:t> </a:t>
+            </a:r>
+            <a:r>
+              <a:rPr kumimoji="1" lang="en-US" altLang="zh-CN" sz="2000" dirty="0"/>
+              <a:t>I</a:t>
+            </a:r>
+            <a:r>
+              <a:rPr kumimoji="1" lang="zh-CN" altLang="en-US" sz="2000" dirty="0"/>
+              <a:t> </a:t>
+            </a:r>
+            <a:r>
+              <a:rPr kumimoji="1" lang="en-US" altLang="zh-CN" sz="2000" dirty="0"/>
+              <a:t>may</a:t>
+            </a:r>
+            <a:r>
+              <a:rPr kumimoji="1" lang="zh-CN" altLang="en-US" sz="2000" dirty="0"/>
+              <a:t> </a:t>
+            </a:r>
+            <a:r>
+              <a:rPr kumimoji="1" lang="en-US" altLang="zh-CN" sz="2000" dirty="0"/>
+              <a:t>have</a:t>
+            </a:r>
+            <a:r>
+              <a:rPr kumimoji="1" lang="zh-CN" altLang="en-US" sz="2000" dirty="0"/>
+              <a:t> </a:t>
+            </a:r>
+            <a:r>
+              <a:rPr kumimoji="1" lang="en-US" altLang="zh-CN" sz="2000" dirty="0"/>
+              <a:t>some</a:t>
+            </a:r>
+            <a:r>
+              <a:rPr kumimoji="1" lang="zh-CN" altLang="en-US" sz="2000" dirty="0"/>
+              <a:t> </a:t>
+            </a:r>
+            <a:r>
+              <a:rPr kumimoji="1" lang="en-US" altLang="zh-CN" sz="2000" dirty="0"/>
+              <a:t>stupid</a:t>
+            </a:r>
+            <a:r>
+              <a:rPr kumimoji="1" lang="zh-CN" altLang="en-US" sz="2000" dirty="0"/>
+              <a:t> </a:t>
+            </a:r>
+            <a:r>
+              <a:rPr kumimoji="1" lang="en-US" altLang="zh-CN" sz="2000" dirty="0"/>
+              <a:t>colleagues.</a:t>
+            </a:r>
+          </a:p>
+          <a:p>
+            <a:pPr marL="0" indent="0">
+              <a:buNone/>
+            </a:pPr>
+            <a:r>
+              <a:rPr kumimoji="1" lang="en-US" altLang="zh-CN" sz="2000" b="1" dirty="0"/>
+              <a:t>Java</a:t>
+            </a:r>
+            <a:r>
+              <a:rPr kumimoji="1" lang="en-US" altLang="zh-CN" sz="2000" dirty="0"/>
+              <a:t>: I may have some stupid developers.</a:t>
+            </a:r>
+            <a:endParaRPr kumimoji="1" lang="zh-CN" altLang="en-US" sz="2000" dirty="0"/>
+          </a:p>
+        </p:txBody>
+      </p:sp>
+      <p:sp>
+        <p:nvSpPr>
+          <p:cNvPr id="4" name="左右箭头 3">
+            <a:extLst>
+              <a:ext uri="{FF2B5EF4-FFF2-40B4-BE49-F238E27FC236}">
+                <a16:creationId xmlns:a16="http://schemas.microsoft.com/office/drawing/2014/main" id="{7AADB03D-4578-A2C4-FED1-95F145765BC0}"/>
+              </a:ext>
+            </a:extLst>
+          </p:cNvPr>
+          <p:cNvSpPr/>
+          <p:nvPr/>
+        </p:nvSpPr>
+        <p:spPr>
+          <a:xfrm>
+            <a:off x="2944368" y="3466692"/>
+            <a:ext cx="6693408" cy="1554480"/>
+          </a:xfrm>
+          <a:prstGeom prst="leftRightArrow">
+            <a:avLst/>
+          </a:prstGeom>
+          <a:solidFill>
+            <a:schemeClr val="accent1">
+              <a:lumMod val="60000"/>
+              <a:lumOff val="40000"/>
+            </a:schemeClr>
+          </a:solidFill>
+          <a:ln>
+            <a:noFill/>
+          </a:ln>
+        </p:spPr>
+        <p:style>
+          <a:lnRef idx="2">
+            <a:schemeClr val="accent1">
+              <a:shade val="15000"/>
+            </a:schemeClr>
+          </a:lnRef>
+          <a:fillRef idx="1">
+            <a:schemeClr val="accent1"/>
+          </a:fillRef>
+          <a:effectRef idx="0">
+            <a:schemeClr val="accent1"/>
+          </a:effectRef>
+          <a:fontRef idx="minor">
+            <a:schemeClr val="lt1"/>
+          </a:fontRef>
+        </p:style>
+        <p:txBody>
+          <a:bodyPr rtlCol="0" anchor="ctr"/>
+          <a:lstStyle/>
+          <a:p>
+            <a:pPr algn="ctr"/>
+            <a:endParaRPr kumimoji="1" lang="zh-CN" altLang="en-US"/>
+          </a:p>
+        </p:txBody>
+      </p:sp>
+      <p:pic>
+        <p:nvPicPr>
+          <p:cNvPr id="2050" name="Picture 2">
+            <a:extLst>
+              <a:ext uri="{FF2B5EF4-FFF2-40B4-BE49-F238E27FC236}">
+                <a16:creationId xmlns:a16="http://schemas.microsoft.com/office/drawing/2014/main" id="{F1B1112D-BE3B-0422-EF0F-D36DE9940D81}"/>
+              </a:ext>
+            </a:extLst>
+          </p:cNvPr>
+          <p:cNvPicPr>
+            <a:picLocks noChangeAspect="1" noChangeArrowheads="1"/>
+          </p:cNvPicPr>
+          <p:nvPr/>
+        </p:nvPicPr>
+        <p:blipFill>
+          <a:blip r:embed="rId2">
+            <a:extLst>
+              <a:ext uri="{28A0092B-C50C-407E-A947-70E740481C1C}">
+                <a14:useLocalDpi xmlns:a14="http://schemas.microsoft.com/office/drawing/2010/main" val="0"/>
+              </a:ext>
+            </a:extLst>
+          </a:blip>
+          <a:srcRect/>
+          <a:stretch>
+            <a:fillRect/>
+          </a:stretch>
+        </p:blipFill>
+        <p:spPr bwMode="auto">
+          <a:xfrm>
+            <a:off x="967486" y="1907726"/>
+            <a:ext cx="1739138" cy="1739138"/>
+          </a:xfrm>
+          <a:prstGeom prst="rect">
+            <a:avLst/>
+          </a:prstGeom>
+          <a:noFill/>
+          <a:extLst>
+            <a:ext uri="{909E8E84-426E-40DD-AFC4-6F175D3DCCD1}">
+              <a14:hiddenFill xmlns:a14="http://schemas.microsoft.com/office/drawing/2010/main">
+                <a:solidFill>
+                  <a:srgbClr val="FFFFFF"/>
+                </a:solidFill>
+              </a14:hiddenFill>
+            </a:ext>
+          </a:extLst>
+        </p:spPr>
+      </p:pic>
+      <p:pic>
+        <p:nvPicPr>
+          <p:cNvPr id="2052" name="Picture 4">
+            <a:extLst>
+              <a:ext uri="{FF2B5EF4-FFF2-40B4-BE49-F238E27FC236}">
+                <a16:creationId xmlns:a16="http://schemas.microsoft.com/office/drawing/2014/main" id="{46A9D86C-04FE-4D2D-4DA6-BF248B7D168C}"/>
+              </a:ext>
+            </a:extLst>
+          </p:cNvPr>
+          <p:cNvPicPr>
+            <a:picLocks noChangeAspect="1" noChangeArrowheads="1"/>
+          </p:cNvPicPr>
+          <p:nvPr/>
+        </p:nvPicPr>
+        <p:blipFill>
+          <a:blip r:embed="rId3">
+            <a:extLst>
+              <a:ext uri="{28A0092B-C50C-407E-A947-70E740481C1C}">
+                <a14:useLocalDpi xmlns:a14="http://schemas.microsoft.com/office/drawing/2010/main" val="0"/>
+              </a:ext>
+            </a:extLst>
+          </a:blip>
+          <a:srcRect/>
+          <a:stretch>
+            <a:fillRect/>
+          </a:stretch>
+        </p:blipFill>
+        <p:spPr bwMode="auto">
+          <a:xfrm>
+            <a:off x="10001250" y="2052828"/>
+            <a:ext cx="1223264" cy="1376172"/>
+          </a:xfrm>
+          <a:prstGeom prst="rect">
+            <a:avLst/>
+          </a:prstGeom>
+          <a:noFill/>
+          <a:extLst>
+            <a:ext uri="{909E8E84-426E-40DD-AFC4-6F175D3DCCD1}">
+              <a14:hiddenFill xmlns:a14="http://schemas.microsoft.com/office/drawing/2010/main">
+                <a:solidFill>
+                  <a:srgbClr val="FFFFFF"/>
+                </a:solidFill>
+              </a14:hiddenFill>
+            </a:ext>
+          </a:extLst>
+        </p:spPr>
+      </p:pic>
+      <p:sp>
+        <p:nvSpPr>
+          <p:cNvPr id="6" name="内容占位符 2">
+            <a:extLst>
+              <a:ext uri="{FF2B5EF4-FFF2-40B4-BE49-F238E27FC236}">
+                <a16:creationId xmlns:a16="http://schemas.microsoft.com/office/drawing/2014/main" id="{C6CE6CBC-83EE-FF7A-8356-036349312890}"/>
+              </a:ext>
+            </a:extLst>
+          </p:cNvPr>
+          <p:cNvSpPr txBox="1">
+            <a:spLocks/>
+          </p:cNvSpPr>
+          <p:nvPr/>
+        </p:nvSpPr>
+        <p:spPr>
+          <a:xfrm>
+            <a:off x="8912098" y="5021172"/>
+            <a:ext cx="3322320" cy="833631"/>
+          </a:xfrm>
+          <a:prstGeom prst="rect">
+            <a:avLst/>
+          </a:prstGeom>
+        </p:spPr>
+        <p:txBody>
+          <a:bodyPr vert="horz" lIns="91440" tIns="45720" rIns="91440" bIns="45720" rtlCol="0">
+            <a:normAutofit/>
+          </a:bodyPr>
+          <a:lstStyle>
+            <a:lvl1pPr marL="228600" indent="-228600" algn="l" defTabSz="914400" rtl="0" eaLnBrk="1" latinLnBrk="0" hangingPunct="1">
+              <a:lnSpc>
+                <a:spcPct val="90000"/>
+              </a:lnSpc>
+              <a:spcBef>
+                <a:spcPts val="1000"/>
+              </a:spcBef>
+              <a:buFont typeface="Arial" panose="020B0604020202020204" pitchFamily="34" charset="0"/>
+              <a:buChar char="•"/>
+              <a:defRPr sz="2800" kern="1200">
+                <a:solidFill>
+                  <a:schemeClr val="tx1"/>
+                </a:solidFill>
+                <a:latin typeface="+mn-lt"/>
+                <a:ea typeface="+mn-ea"/>
+                <a:cs typeface="+mn-cs"/>
+              </a:defRPr>
+            </a:lvl1pPr>
+            <a:lvl2pPr marL="914400" indent="-457200" algn="l" defTabSz="914400" rtl="0" eaLnBrk="1" latinLnBrk="0" hangingPunct="1">
+              <a:lnSpc>
+                <a:spcPct val="90000"/>
+              </a:lnSpc>
+              <a:spcBef>
+                <a:spcPts val="500"/>
+              </a:spcBef>
+              <a:buFont typeface="Wingdings" panose="05000000000000000000" pitchFamily="2" charset="2"/>
+              <a:buChar char="Ø"/>
+              <a:defRPr sz="2400" kern="1200">
+                <a:solidFill>
+                  <a:schemeClr val="tx1"/>
+                </a:solidFill>
+                <a:latin typeface="+mn-lt"/>
+                <a:ea typeface="+mn-ea"/>
+                <a:cs typeface="+mn-cs"/>
+              </a:defRPr>
+            </a:lvl2pPr>
+            <a:lvl3pPr marL="1143000" indent="-228600" algn="l" defTabSz="914400" rtl="0" eaLnBrk="1" latinLnBrk="0" hangingPunct="1">
+              <a:lnSpc>
+                <a:spcPct val="90000"/>
+              </a:lnSpc>
+              <a:spcBef>
+                <a:spcPts val="500"/>
+              </a:spcBef>
+              <a:buFont typeface="Wingdings" panose="05000000000000000000" pitchFamily="2" charset="2"/>
+              <a:buChar char="ü"/>
+              <a:defRPr sz="2000" kern="1200">
+                <a:solidFill>
+                  <a:schemeClr val="tx1"/>
+                </a:solidFill>
+                <a:latin typeface="+mn-lt"/>
+                <a:ea typeface="+mn-ea"/>
+                <a:cs typeface="+mn-cs"/>
+              </a:defRPr>
+            </a:lvl3pPr>
+            <a:lvl4pPr marL="1600200" indent="-228600" algn="l" defTabSz="914400" rtl="0" eaLnBrk="1" latinLnBrk="0" hangingPunct="1">
+              <a:lnSpc>
+                <a:spcPct val="90000"/>
+              </a:lnSpc>
+              <a:spcBef>
+                <a:spcPts val="500"/>
+              </a:spcBef>
+              <a:buFont typeface="Arial" panose="020B0604020202020204" pitchFamily="34" charset="0"/>
+              <a:buChar char="•"/>
+              <a:defRPr sz="1800" kern="1200">
+                <a:solidFill>
+                  <a:schemeClr val="tx1"/>
+                </a:solidFill>
+                <a:latin typeface="+mn-lt"/>
+                <a:ea typeface="+mn-ea"/>
+                <a:cs typeface="+mn-cs"/>
+              </a:defRPr>
+            </a:lvl4pPr>
+            <a:lvl5pPr marL="2057400" indent="-228600" algn="l" defTabSz="914400" rtl="0" eaLnBrk="1" latinLnBrk="0" hangingPunct="1">
+              <a:lnSpc>
+                <a:spcPct val="90000"/>
+              </a:lnSpc>
+              <a:spcBef>
+                <a:spcPts val="500"/>
+              </a:spcBef>
+              <a:buFont typeface="Arial" panose="020B0604020202020204" pitchFamily="34" charset="0"/>
+              <a:buChar char="•"/>
+              <a:defRPr sz="1800" kern="1200">
+                <a:solidFill>
+                  <a:schemeClr val="tx1"/>
+                </a:solidFill>
+                <a:latin typeface="+mn-lt"/>
+                <a:ea typeface="+mn-ea"/>
+                <a:cs typeface="+mn-cs"/>
+              </a:defRPr>
+            </a:lvl5pPr>
+            <a:lvl6pPr marL="2514600" indent="-228600" algn="l" defTabSz="914400" rtl="0" eaLnBrk="1" latinLnBrk="0" hangingPunct="1">
+              <a:lnSpc>
+                <a:spcPct val="90000"/>
+              </a:lnSpc>
+              <a:spcBef>
+                <a:spcPts val="500"/>
+              </a:spcBef>
+              <a:buFont typeface="Arial" panose="020B0604020202020204" pitchFamily="34" charset="0"/>
+              <a:buChar char="•"/>
+              <a:defRPr sz="1800" kern="1200">
+                <a:solidFill>
+                  <a:schemeClr val="tx1"/>
+                </a:solidFill>
+                <a:latin typeface="+mn-lt"/>
+                <a:ea typeface="+mn-ea"/>
+                <a:cs typeface="+mn-cs"/>
+              </a:defRPr>
+            </a:lvl6pPr>
+            <a:lvl7pPr marL="2971800" indent="-228600" algn="l" defTabSz="914400" rtl="0" eaLnBrk="1" latinLnBrk="0" hangingPunct="1">
+              <a:lnSpc>
+                <a:spcPct val="90000"/>
+              </a:lnSpc>
+              <a:spcBef>
+                <a:spcPts val="500"/>
+              </a:spcBef>
+              <a:buFont typeface="Arial" panose="020B0604020202020204" pitchFamily="34" charset="0"/>
+              <a:buChar char="•"/>
+              <a:defRPr sz="1800" kern="1200">
+                <a:solidFill>
+                  <a:schemeClr val="tx1"/>
+                </a:solidFill>
+                <a:latin typeface="+mn-lt"/>
+                <a:ea typeface="+mn-ea"/>
+                <a:cs typeface="+mn-cs"/>
+              </a:defRPr>
+            </a:lvl7pPr>
+            <a:lvl8pPr marL="3429000" indent="-228600" algn="l" defTabSz="914400" rtl="0" eaLnBrk="1" latinLnBrk="0" hangingPunct="1">
+              <a:lnSpc>
+                <a:spcPct val="90000"/>
+              </a:lnSpc>
+              <a:spcBef>
+                <a:spcPts val="500"/>
+              </a:spcBef>
+              <a:buFont typeface="Arial" panose="020B0604020202020204" pitchFamily="34" charset="0"/>
+              <a:buChar char="•"/>
+              <a:defRPr sz="1800" kern="1200">
+                <a:solidFill>
+                  <a:schemeClr val="tx1"/>
+                </a:solidFill>
+                <a:latin typeface="+mn-lt"/>
+                <a:ea typeface="+mn-ea"/>
+                <a:cs typeface="+mn-cs"/>
+              </a:defRPr>
+            </a:lvl8pPr>
+            <a:lvl9pPr marL="3886200" indent="-228600" algn="l" defTabSz="914400" rtl="0" eaLnBrk="1" latinLnBrk="0" hangingPunct="1">
+              <a:lnSpc>
+                <a:spcPct val="90000"/>
+              </a:lnSpc>
+              <a:spcBef>
+                <a:spcPts val="500"/>
+              </a:spcBef>
+              <a:buFont typeface="Arial" panose="020B0604020202020204" pitchFamily="34" charset="0"/>
+              <a:buChar char="•"/>
+              <a:defRPr sz="1800" kern="1200">
+                <a:solidFill>
+                  <a:schemeClr val="tx1"/>
+                </a:solidFill>
+                <a:latin typeface="+mn-lt"/>
+                <a:ea typeface="+mn-ea"/>
+                <a:cs typeface="+mn-cs"/>
+              </a:defRPr>
+            </a:lvl9pPr>
+          </a:lstStyle>
+          <a:p>
+            <a:pPr marL="0" indent="0">
+              <a:buFont typeface="Arial" panose="020B0604020202020204" pitchFamily="34" charset="0"/>
+              <a:buNone/>
+            </a:pPr>
+            <a:r>
+              <a:rPr kumimoji="1" lang="en-US" altLang="zh-CN" sz="2000" b="1" dirty="0"/>
+              <a:t>Developer</a:t>
+            </a:r>
+            <a:r>
+              <a:rPr kumimoji="1" lang="en-US" altLang="zh-CN" sz="2000" dirty="0"/>
+              <a:t>:</a:t>
+            </a:r>
+            <a:r>
+              <a:rPr kumimoji="1" lang="zh-CN" altLang="en-US" sz="2000" dirty="0"/>
+              <a:t> </a:t>
+            </a:r>
+            <a:r>
+              <a:rPr kumimoji="1" lang="en-US" altLang="zh-CN" sz="2000" dirty="0"/>
+              <a:t>Show my talent!</a:t>
+            </a:r>
+          </a:p>
+          <a:p>
+            <a:pPr marL="0" indent="0">
+              <a:buFont typeface="Arial" panose="020B0604020202020204" pitchFamily="34" charset="0"/>
+              <a:buNone/>
+            </a:pPr>
+            <a:r>
+              <a:rPr kumimoji="1" lang="en-US" altLang="zh-CN" sz="2000" b="1" dirty="0"/>
+              <a:t>C++</a:t>
+            </a:r>
+            <a:r>
+              <a:rPr kumimoji="1" lang="en-US" altLang="zh-CN" sz="2000" dirty="0"/>
+              <a:t>: Show your talent!</a:t>
+            </a:r>
+            <a:endParaRPr kumimoji="1" lang="zh-CN" altLang="en-US" sz="2000" dirty="0"/>
+          </a:p>
+        </p:txBody>
+      </p:sp>
+    </p:spTree>
+    <p:extLst>
+      <p:ext uri="{BB962C8B-B14F-4D97-AF65-F5344CB8AC3E}">
+        <p14:creationId xmlns:p14="http://schemas.microsoft.com/office/powerpoint/2010/main" val="957487294"/>
+      </p:ext>
+    </p:extLst>
+  </p:cSld>
+  <p:clrMapOvr>
+    <a:masterClrMapping/>
+  </p:clrMapOvr>
+</p:sld>
+</file>
+
+<file path=ppt/slides/slide22.xml><?xml version="1.0" encoding="utf-8"?>
+<p:sld xmlns:a="http://schemas.openxmlformats.org/drawingml/2006/main" xmlns:r="http://schemas.openxmlformats.org/officeDocument/2006/relationships" xmlns:p="http://schemas.openxmlformats.org/presentationml/2006/main">
+  <p:cSld>
+    <p:spTree>
+      <p:nvGrpSpPr>
+        <p:cNvPr id="1" name=""/>
+        <p:cNvGrpSpPr/>
+        <p:nvPr/>
+      </p:nvGrpSpPr>
+      <p:grpSpPr>
+        <a:xfrm>
+          <a:off x="0" y="0"/>
+          <a:ext cx="0" cy="0"/>
+          <a:chOff x="0" y="0"/>
+          <a:chExt cx="0" cy="0"/>
+        </a:xfrm>
+      </p:grpSpPr>
+      <p:sp>
+        <p:nvSpPr>
+          <p:cNvPr id="4" name="标题 3">
+            <a:extLst>
+              <a:ext uri="{FF2B5EF4-FFF2-40B4-BE49-F238E27FC236}">
+                <a16:creationId xmlns:a16="http://schemas.microsoft.com/office/drawing/2014/main" id="{9EC3532F-B9E6-8A41-BE94-99B059F01B29}"/>
+              </a:ext>
+            </a:extLst>
+          </p:cNvPr>
+          <p:cNvSpPr>
+            <a:spLocks noGrp="1"/>
+          </p:cNvSpPr>
+          <p:nvPr>
+            <p:ph type="ctrTitle"/>
+          </p:nvPr>
+        </p:nvSpPr>
+        <p:spPr/>
+        <p:txBody>
+          <a:bodyPr/>
+          <a:lstStyle/>
+          <a:p>
+            <a:r>
+              <a:rPr lang="en-US" altLang="zh-CN" dirty="0"/>
+              <a:t>The</a:t>
+            </a:r>
+            <a:r>
+              <a:rPr lang="zh-CN" altLang="en-US" dirty="0"/>
+              <a:t> </a:t>
+            </a:r>
+            <a:r>
+              <a:rPr lang="en-US" altLang="zh-CN" dirty="0"/>
+              <a:t>Trend</a:t>
+            </a:r>
+            <a:endParaRPr lang="zh-CN" altLang="en-US" dirty="0"/>
+          </a:p>
+        </p:txBody>
+      </p:sp>
+      <p:sp>
+        <p:nvSpPr>
+          <p:cNvPr id="5" name="副标题 4">
+            <a:extLst>
+              <a:ext uri="{FF2B5EF4-FFF2-40B4-BE49-F238E27FC236}">
+                <a16:creationId xmlns:a16="http://schemas.microsoft.com/office/drawing/2014/main" id="{D1A39475-9FBC-6FF0-8B7D-FB7D645C635C}"/>
+              </a:ext>
+            </a:extLst>
+          </p:cNvPr>
+          <p:cNvSpPr>
+            <a:spLocks noGrp="1"/>
+          </p:cNvSpPr>
+          <p:nvPr>
+            <p:ph type="subTitle" idx="1"/>
+          </p:nvPr>
+        </p:nvSpPr>
+        <p:spPr/>
+        <p:txBody>
+          <a:bodyPr/>
+          <a:lstStyle/>
+          <a:p>
+            <a:endParaRPr lang="zh-CN" altLang="en-US"/>
+          </a:p>
+        </p:txBody>
+      </p:sp>
+      <p:pic>
+        <p:nvPicPr>
+          <p:cNvPr id="7" name="图片 6" descr="卫星在太空中&#10;&#10;中度可信度描述已自动生成">
+            <a:extLst>
+              <a:ext uri="{FF2B5EF4-FFF2-40B4-BE49-F238E27FC236}">
+                <a16:creationId xmlns:a16="http://schemas.microsoft.com/office/drawing/2014/main" id="{83D25F9E-F648-42DE-FB1F-D3AB6F01D2F3}"/>
+              </a:ext>
+            </a:extLst>
+          </p:cNvPr>
+          <p:cNvPicPr>
+            <a:picLocks noChangeAspect="1"/>
+          </p:cNvPicPr>
+          <p:nvPr/>
+        </p:nvPicPr>
+        <p:blipFill>
+          <a:blip r:embed="rId2">
+            <a:extLst>
+              <a:ext uri="{28A0092B-C50C-407E-A947-70E740481C1C}">
+                <a14:useLocalDpi xmlns:a14="http://schemas.microsoft.com/office/drawing/2010/main" val="0"/>
+              </a:ext>
+              <a:ext uri="{837473B0-CC2E-450A-ABE3-18F120FF3D39}">
+                <a1611:picAttrSrcUrl xmlns:a1611="http://schemas.microsoft.com/office/drawing/2016/11/main" r:id="rId3"/>
+              </a:ext>
+            </a:extLst>
+          </a:blip>
+          <a:stretch>
+            <a:fillRect/>
+          </a:stretch>
+        </p:blipFill>
+        <p:spPr>
+          <a:xfrm>
+            <a:off x="9072563" y="0"/>
+            <a:ext cx="3119437" cy="1975028"/>
+          </a:xfrm>
+          <a:prstGeom prst="rect">
+            <a:avLst/>
+          </a:prstGeom>
+          <a:ln>
+            <a:noFill/>
+          </a:ln>
+          <a:effectLst>
+            <a:softEdge rad="112500"/>
+          </a:effectLst>
+        </p:spPr>
+      </p:pic>
+    </p:spTree>
+    <p:extLst>
+      <p:ext uri="{BB962C8B-B14F-4D97-AF65-F5344CB8AC3E}">
+        <p14:creationId xmlns:p14="http://schemas.microsoft.com/office/powerpoint/2010/main" val="3237578807"/>
+      </p:ext>
+    </p:extLst>
+  </p:cSld>
+  <p:clrMapOvr>
+    <a:masterClrMapping/>
+  </p:clrMapOvr>
+</p:sld>
+</file>
+
+<file path=ppt/slides/slide23.xml><?xml version="1.0" encoding="utf-8"?>
+<p:sld xmlns:a="http://schemas.openxmlformats.org/drawingml/2006/main" xmlns:r="http://schemas.openxmlformats.org/officeDocument/2006/relationships" xmlns:p="http://schemas.openxmlformats.org/presentationml/2006/main">
+  <p:cSld>
+    <p:spTree>
+      <p:nvGrpSpPr>
+        <p:cNvPr id="1" name=""/>
+        <p:cNvGrpSpPr/>
+        <p:nvPr/>
+      </p:nvGrpSpPr>
+      <p:grpSpPr>
+        <a:xfrm>
+          <a:off x="0" y="0"/>
+          <a:ext cx="0" cy="0"/>
+          <a:chOff x="0" y="0"/>
+          <a:chExt cx="0" cy="0"/>
+        </a:xfrm>
+      </p:grpSpPr>
+      <p:sp>
+        <p:nvSpPr>
+          <p:cNvPr id="2" name="标题 1">
+            <a:extLst>
+              <a:ext uri="{FF2B5EF4-FFF2-40B4-BE49-F238E27FC236}">
+                <a16:creationId xmlns:a16="http://schemas.microsoft.com/office/drawing/2014/main" id="{DEF522A2-680F-7A3B-69DF-A96A118C83D8}"/>
+              </a:ext>
+            </a:extLst>
+          </p:cNvPr>
+          <p:cNvSpPr>
+            <a:spLocks noGrp="1"/>
+          </p:cNvSpPr>
+          <p:nvPr>
+            <p:ph type="title"/>
+          </p:nvPr>
+        </p:nvSpPr>
+        <p:spPr/>
+        <p:txBody>
+          <a:bodyPr/>
+          <a:lstStyle/>
+          <a:p>
+            <a:r>
+              <a:rPr kumimoji="1" lang="en-US" altLang="zh-CN" dirty="0"/>
+              <a:t>What will happen?</a:t>
+            </a:r>
+            <a:endParaRPr kumimoji="1" lang="zh-CN" altLang="en-US" dirty="0"/>
+          </a:p>
+        </p:txBody>
+      </p:sp>
+      <p:sp>
+        <p:nvSpPr>
+          <p:cNvPr id="3" name="内容占位符 2">
+            <a:extLst>
+              <a:ext uri="{FF2B5EF4-FFF2-40B4-BE49-F238E27FC236}">
+                <a16:creationId xmlns:a16="http://schemas.microsoft.com/office/drawing/2014/main" id="{EED0917F-A1E7-1A91-1C02-F3BE1B22FF7F}"/>
+              </a:ext>
+            </a:extLst>
+          </p:cNvPr>
+          <p:cNvSpPr>
+            <a:spLocks noGrp="1"/>
+          </p:cNvSpPr>
+          <p:nvPr>
+            <p:ph idx="1"/>
+          </p:nvPr>
+        </p:nvSpPr>
+        <p:spPr/>
+        <p:txBody>
+          <a:bodyPr/>
+          <a:lstStyle/>
+          <a:p>
+            <a:r>
+              <a:rPr kumimoji="1" lang="en-US" altLang="zh-CN" dirty="0"/>
+              <a:t>I cannot predict, but …</a:t>
+            </a:r>
+          </a:p>
+          <a:p>
+            <a:r>
+              <a:rPr kumimoji="1" lang="en" altLang="zh-CN" dirty="0"/>
+              <a:t>Moore's law</a:t>
+            </a:r>
+          </a:p>
+          <a:p>
+            <a:pPr lvl="1"/>
+            <a:r>
+              <a:rPr kumimoji="1" lang="en-US" altLang="zh-CN" dirty="0"/>
+              <a:t>the number of transistors on a microchip doubled about 18 months.</a:t>
+            </a:r>
+          </a:p>
+          <a:p>
+            <a:endParaRPr kumimoji="1" lang="zh-CN" altLang="en-US" dirty="0"/>
+          </a:p>
+        </p:txBody>
+      </p:sp>
+      <p:sp>
+        <p:nvSpPr>
+          <p:cNvPr id="5" name="文本框 4">
+            <a:extLst>
+              <a:ext uri="{FF2B5EF4-FFF2-40B4-BE49-F238E27FC236}">
+                <a16:creationId xmlns:a16="http://schemas.microsoft.com/office/drawing/2014/main" id="{5EA822CC-46BF-57CC-E248-80ED65BEB90B}"/>
+              </a:ext>
+            </a:extLst>
+          </p:cNvPr>
+          <p:cNvSpPr txBox="1"/>
+          <p:nvPr/>
+        </p:nvSpPr>
+        <p:spPr>
+          <a:xfrm>
+            <a:off x="1283850" y="6593779"/>
+            <a:ext cx="10700858" cy="246221"/>
+          </a:xfrm>
+          <a:prstGeom prst="rect">
+            <a:avLst/>
+          </a:prstGeom>
+          <a:noFill/>
+        </p:spPr>
+        <p:txBody>
+          <a:bodyPr wrap="square">
+            <a:spAutoFit/>
+          </a:bodyPr>
+          <a:lstStyle/>
+          <a:p>
+            <a:r>
+              <a:rPr lang="en" altLang="zh-CN" sz="1000" dirty="0"/>
+              <a:t>Wu, Carole-Jean &amp; Manne, Srilatha &amp; Ranganathan, Parthasarathy &amp; Bird, Sarah &amp; Greenstein, Shane. (2021). Socio-Technological Challenges and Opportunities: Paths Forward. </a:t>
+            </a:r>
+            <a:endParaRPr lang="zh-CN" altLang="en-US" sz="1000" dirty="0"/>
+          </a:p>
+        </p:txBody>
+      </p:sp>
+      <p:pic>
+        <p:nvPicPr>
+          <p:cNvPr id="1026" name="Picture 2">
+            <a:extLst>
+              <a:ext uri="{FF2B5EF4-FFF2-40B4-BE49-F238E27FC236}">
+                <a16:creationId xmlns:a16="http://schemas.microsoft.com/office/drawing/2014/main" id="{A427B888-BD06-E892-E962-E43E4395AD01}"/>
+              </a:ext>
+            </a:extLst>
+          </p:cNvPr>
+          <p:cNvPicPr>
+            <a:picLocks noChangeAspect="1" noChangeArrowheads="1"/>
+          </p:cNvPicPr>
+          <p:nvPr/>
+        </p:nvPicPr>
+        <p:blipFill>
+          <a:blip r:embed="rId2">
+            <a:extLst>
+              <a:ext uri="{28A0092B-C50C-407E-A947-70E740481C1C}">
+                <a14:useLocalDpi xmlns:a14="http://schemas.microsoft.com/office/drawing/2010/main" val="0"/>
+              </a:ext>
+            </a:extLst>
+          </a:blip>
+          <a:srcRect/>
+          <a:stretch>
+            <a:fillRect/>
+          </a:stretch>
+        </p:blipFill>
+        <p:spPr bwMode="auto">
+          <a:xfrm>
+            <a:off x="2917824" y="2925604"/>
+            <a:ext cx="4149513" cy="3314700"/>
+          </a:xfrm>
+          <a:prstGeom prst="rect">
+            <a:avLst/>
+          </a:prstGeom>
+          <a:noFill/>
+          <a:extLst>
+            <a:ext uri="{909E8E84-426E-40DD-AFC4-6F175D3DCCD1}">
+              <a14:hiddenFill xmlns:a14="http://schemas.microsoft.com/office/drawing/2010/main">
+                <a:solidFill>
+                  <a:srgbClr val="FFFFFF"/>
+                </a:solidFill>
+              </a14:hiddenFill>
+            </a:ext>
+          </a:extLst>
+        </p:spPr>
+      </p:pic>
+    </p:spTree>
+    <p:extLst>
+      <p:ext uri="{BB962C8B-B14F-4D97-AF65-F5344CB8AC3E}">
+        <p14:creationId xmlns:p14="http://schemas.microsoft.com/office/powerpoint/2010/main" val="1289128326"/>
+      </p:ext>
+    </p:extLst>
+  </p:cSld>
+  <p:clrMapOvr>
+    <a:masterClrMapping/>
+  </p:clrMapOvr>
+</p:sld>
+</file>
+
+<file path=ppt/slides/slide24.xml><?xml version="1.0" encoding="utf-8"?>
+<p:sld xmlns:a="http://schemas.openxmlformats.org/drawingml/2006/main" xmlns:r="http://schemas.openxmlformats.org/officeDocument/2006/relationships" xmlns:p="http://schemas.openxmlformats.org/presentationml/2006/main">
+  <p:cSld>
+    <p:spTree>
+      <p:nvGrpSpPr>
+        <p:cNvPr id="1" name=""/>
+        <p:cNvGrpSpPr/>
+        <p:nvPr/>
+      </p:nvGrpSpPr>
+      <p:grpSpPr>
+        <a:xfrm>
+          <a:off x="0" y="0"/>
+          <a:ext cx="0" cy="0"/>
+          <a:chOff x="0" y="0"/>
+          <a:chExt cx="0" cy="0"/>
+        </a:xfrm>
+      </p:grpSpPr>
+      <p:sp>
+        <p:nvSpPr>
+          <p:cNvPr id="2" name="标题 1">
+            <a:extLst>
+              <a:ext uri="{FF2B5EF4-FFF2-40B4-BE49-F238E27FC236}">
+                <a16:creationId xmlns:a16="http://schemas.microsoft.com/office/drawing/2014/main" id="{139287E3-2763-0186-C551-EAF01C884745}"/>
+              </a:ext>
+            </a:extLst>
+          </p:cNvPr>
+          <p:cNvSpPr>
+            <a:spLocks noGrp="1"/>
+          </p:cNvSpPr>
+          <p:nvPr>
+            <p:ph type="title"/>
+          </p:nvPr>
+        </p:nvSpPr>
+        <p:spPr/>
+        <p:txBody>
+          <a:bodyPr/>
+          <a:lstStyle/>
+          <a:p>
+            <a:r>
+              <a:rPr kumimoji="1" lang="en-US" altLang="zh-CN" dirty="0"/>
+              <a:t>The Architecture</a:t>
+            </a:r>
+            <a:endParaRPr kumimoji="1" lang="zh-CN" altLang="en-US" dirty="0"/>
+          </a:p>
+        </p:txBody>
+      </p:sp>
+      <p:sp>
+        <p:nvSpPr>
+          <p:cNvPr id="3" name="内容占位符 2">
+            <a:extLst>
+              <a:ext uri="{FF2B5EF4-FFF2-40B4-BE49-F238E27FC236}">
+                <a16:creationId xmlns:a16="http://schemas.microsoft.com/office/drawing/2014/main" id="{08FB14B3-4EBC-6207-4841-69A2FDD47F83}"/>
+              </a:ext>
+            </a:extLst>
+          </p:cNvPr>
+          <p:cNvSpPr>
+            <a:spLocks noGrp="1"/>
+          </p:cNvSpPr>
+          <p:nvPr>
+            <p:ph idx="1"/>
+          </p:nvPr>
+        </p:nvSpPr>
+        <p:spPr>
+          <a:xfrm>
+            <a:off x="838199" y="1326995"/>
+            <a:ext cx="11053879" cy="1073305"/>
+          </a:xfrm>
+        </p:spPr>
+        <p:txBody>
+          <a:bodyPr/>
+          <a:lstStyle/>
+          <a:p>
+            <a:pPr marL="0" indent="0">
+              <a:buNone/>
+            </a:pPr>
+            <a:r>
+              <a:rPr kumimoji="1" lang="en-US" altLang="zh-CN" b="1" dirty="0">
+                <a:solidFill>
+                  <a:srgbClr val="0000CC"/>
+                </a:solidFill>
+              </a:rPr>
+              <a:t>CPU</a:t>
+            </a:r>
+            <a:r>
+              <a:rPr kumimoji="1" lang="en-US" altLang="zh-CN" dirty="0"/>
+              <a:t> -&gt; </a:t>
+            </a:r>
+            <a:r>
+              <a:rPr kumimoji="1" lang="en-US" altLang="zh-CN" b="1" dirty="0">
+                <a:solidFill>
+                  <a:srgbClr val="7030A0"/>
+                </a:solidFill>
+              </a:rPr>
+              <a:t>CPU + *PU (GPU, NPU, TPU, etc.)</a:t>
+            </a:r>
+            <a:endParaRPr kumimoji="1" lang="zh-CN" altLang="en-US" b="1" dirty="0">
+              <a:solidFill>
+                <a:srgbClr val="7030A0"/>
+              </a:solidFill>
+            </a:endParaRPr>
+          </a:p>
+        </p:txBody>
+      </p:sp>
+      <p:pic>
+        <p:nvPicPr>
+          <p:cNvPr id="4" name="图片 3" descr="图形用户界面, 图表&#10;&#10;描述已自动生成">
+            <a:extLst>
+              <a:ext uri="{FF2B5EF4-FFF2-40B4-BE49-F238E27FC236}">
+                <a16:creationId xmlns:a16="http://schemas.microsoft.com/office/drawing/2014/main" id="{14179667-94C5-FEE5-2D1E-810A76399811}"/>
+              </a:ext>
+            </a:extLst>
+          </p:cNvPr>
+          <p:cNvPicPr>
+            <a:picLocks noChangeAspect="1"/>
+          </p:cNvPicPr>
+          <p:nvPr/>
+        </p:nvPicPr>
+        <p:blipFill>
+          <a:blip r:embed="rId2">
+            <a:extLst>
+              <a:ext uri="{28A0092B-C50C-407E-A947-70E740481C1C}">
+                <a14:useLocalDpi xmlns:a14="http://schemas.microsoft.com/office/drawing/2010/main" val="0"/>
+              </a:ext>
+            </a:extLst>
+          </a:blip>
+          <a:stretch>
+            <a:fillRect/>
+          </a:stretch>
+        </p:blipFill>
+        <p:spPr>
+          <a:xfrm>
+            <a:off x="2001266" y="2814765"/>
+            <a:ext cx="7380478" cy="3647274"/>
+          </a:xfrm>
+          <a:prstGeom prst="rect">
+            <a:avLst/>
+          </a:prstGeom>
+        </p:spPr>
+      </p:pic>
+      <p:sp>
+        <p:nvSpPr>
+          <p:cNvPr id="5" name="文本框 4">
+            <a:extLst>
+              <a:ext uri="{FF2B5EF4-FFF2-40B4-BE49-F238E27FC236}">
+                <a16:creationId xmlns:a16="http://schemas.microsoft.com/office/drawing/2014/main" id="{C1B13ABC-EB4D-4418-672A-25385348662D}"/>
+              </a:ext>
+            </a:extLst>
+          </p:cNvPr>
+          <p:cNvSpPr txBox="1"/>
+          <p:nvPr/>
+        </p:nvSpPr>
+        <p:spPr>
+          <a:xfrm>
+            <a:off x="1229867" y="6462039"/>
+            <a:ext cx="9961417" cy="369332"/>
+          </a:xfrm>
+          <a:prstGeom prst="rect">
+            <a:avLst/>
+          </a:prstGeom>
+          <a:noFill/>
+        </p:spPr>
+        <p:txBody>
+          <a:bodyPr wrap="square">
+            <a:spAutoFit/>
+          </a:bodyPr>
+          <a:lstStyle/>
+          <a:p>
+            <a:r>
+              <a:rPr lang="zh-CN" altLang="en-US" dirty="0"/>
+              <a:t>https://docs.nvidia.com/cuda/cuda-c-programming-guide/index.html</a:t>
+            </a:r>
+          </a:p>
+        </p:txBody>
+      </p:sp>
+      <p:sp>
+        <p:nvSpPr>
+          <p:cNvPr id="6" name="左右箭头 5">
+            <a:extLst>
+              <a:ext uri="{FF2B5EF4-FFF2-40B4-BE49-F238E27FC236}">
+                <a16:creationId xmlns:a16="http://schemas.microsoft.com/office/drawing/2014/main" id="{396D817A-C0B7-2E9D-30B8-07E7DF7D9ED2}"/>
+              </a:ext>
+            </a:extLst>
+          </p:cNvPr>
+          <p:cNvSpPr/>
+          <p:nvPr/>
+        </p:nvSpPr>
+        <p:spPr>
+          <a:xfrm>
+            <a:off x="5135407" y="5686648"/>
+            <a:ext cx="1112196" cy="266679"/>
+          </a:xfrm>
+          <a:prstGeom prst="leftRightArrow">
+            <a:avLst/>
+          </a:prstGeom>
+          <a:solidFill>
+            <a:srgbClr val="7030A0"/>
+          </a:solidFill>
+          <a:ln>
+            <a:noFill/>
+          </a:ln>
+        </p:spPr>
+        <p:style>
+          <a:lnRef idx="2">
+            <a:schemeClr val="accent1">
+              <a:shade val="15000"/>
+            </a:schemeClr>
+          </a:lnRef>
+          <a:fillRef idx="1">
+            <a:schemeClr val="accent1"/>
+          </a:fillRef>
+          <a:effectRef idx="0">
+            <a:schemeClr val="accent1"/>
+          </a:effectRef>
+          <a:fontRef idx="minor">
+            <a:schemeClr val="lt1"/>
+          </a:fontRef>
+        </p:style>
+        <p:txBody>
+          <a:bodyPr rtlCol="0" anchor="ctr"/>
+          <a:lstStyle/>
+          <a:p>
+            <a:pPr algn="ctr"/>
+            <a:endParaRPr kumimoji="1" lang="zh-CN" altLang="en-US" dirty="0"/>
+          </a:p>
+        </p:txBody>
+      </p:sp>
+    </p:spTree>
+    <p:extLst>
+      <p:ext uri="{BB962C8B-B14F-4D97-AF65-F5344CB8AC3E}">
+        <p14:creationId xmlns:p14="http://schemas.microsoft.com/office/powerpoint/2010/main" val="2424841122"/>
+      </p:ext>
+    </p:extLst>
+  </p:cSld>
+  <p:clrMapOvr>
+    <a:masterClrMapping/>
+  </p:clrMapOvr>
+</p:sld>
+</file>
+
+<file path=ppt/slides/slide25.xml><?xml version="1.0" encoding="utf-8"?>
+<p:sld xmlns:a="http://schemas.openxmlformats.org/drawingml/2006/main" xmlns:r="http://schemas.openxmlformats.org/officeDocument/2006/relationships" xmlns:p="http://schemas.openxmlformats.org/presentationml/2006/main">
+  <p:cSld>
+    <p:spTree>
+      <p:nvGrpSpPr>
+        <p:cNvPr id="1" name=""/>
+        <p:cNvGrpSpPr/>
+        <p:nvPr/>
+      </p:nvGrpSpPr>
+      <p:grpSpPr>
+        <a:xfrm>
+          <a:off x="0" y="0"/>
+          <a:ext cx="0" cy="0"/>
+          <a:chOff x="0" y="0"/>
+          <a:chExt cx="0" cy="0"/>
+        </a:xfrm>
+      </p:grpSpPr>
+      <p:sp>
+        <p:nvSpPr>
+          <p:cNvPr id="4" name="标题 3">
+            <a:extLst>
+              <a:ext uri="{FF2B5EF4-FFF2-40B4-BE49-F238E27FC236}">
+                <a16:creationId xmlns:a16="http://schemas.microsoft.com/office/drawing/2014/main" id="{27D8E073-6B98-E24C-0F49-893FD6A41264}"/>
+              </a:ext>
+            </a:extLst>
+          </p:cNvPr>
+          <p:cNvSpPr>
+            <a:spLocks noGrp="1"/>
+          </p:cNvSpPr>
+          <p:nvPr>
+            <p:ph type="ctrTitle"/>
+          </p:nvPr>
+        </p:nvSpPr>
+        <p:spPr/>
+        <p:txBody>
+          <a:bodyPr/>
+          <a:lstStyle/>
+          <a:p>
+            <a:r>
+              <a:rPr lang="en-US" altLang="zh-CN" dirty="0"/>
+              <a:t>What’s your position?</a:t>
+            </a:r>
+            <a:endParaRPr lang="zh-CN" altLang="en-US" dirty="0"/>
+          </a:p>
+        </p:txBody>
+      </p:sp>
+      <p:sp>
+        <p:nvSpPr>
+          <p:cNvPr id="5" name="副标题 4">
+            <a:extLst>
+              <a:ext uri="{FF2B5EF4-FFF2-40B4-BE49-F238E27FC236}">
+                <a16:creationId xmlns:a16="http://schemas.microsoft.com/office/drawing/2014/main" id="{F213FC6D-EB07-63A9-7CC8-D763264D1066}"/>
+              </a:ext>
+            </a:extLst>
+          </p:cNvPr>
+          <p:cNvSpPr>
+            <a:spLocks noGrp="1"/>
+          </p:cNvSpPr>
+          <p:nvPr>
+            <p:ph type="subTitle" idx="1"/>
+          </p:nvPr>
+        </p:nvSpPr>
+        <p:spPr/>
+        <p:txBody>
+          <a:bodyPr/>
+          <a:lstStyle/>
+          <a:p>
+            <a:r>
+              <a:rPr lang="en-US" altLang="zh-CN" dirty="0"/>
+              <a:t>Hardware, OS, DB, Cloud, Deep Learning, C/C++/Java/Python/JS, …</a:t>
+            </a:r>
+            <a:endParaRPr lang="zh-CN" altLang="en-US" dirty="0"/>
+          </a:p>
+        </p:txBody>
+      </p:sp>
+    </p:spTree>
+    <p:extLst>
+      <p:ext uri="{BB962C8B-B14F-4D97-AF65-F5344CB8AC3E}">
+        <p14:creationId xmlns:p14="http://schemas.microsoft.com/office/powerpoint/2010/main" val="2597165966"/>
       </p:ext>
     </p:extLst>
   </p:cSld>
@@ -9915,6 +16713,88 @@
           </a:p>
         </p:txBody>
       </p:sp>
+      <p:sp>
+        <p:nvSpPr>
+          <p:cNvPr id="3" name="文本框 2">
+            <a:extLst>
+              <a:ext uri="{FF2B5EF4-FFF2-40B4-BE49-F238E27FC236}">
+                <a16:creationId xmlns:a16="http://schemas.microsoft.com/office/drawing/2014/main" id="{F2F64A10-3AB8-4AF4-74BA-1C87DD3C7908}"/>
+              </a:ext>
+            </a:extLst>
+          </p:cNvPr>
+          <p:cNvSpPr txBox="1"/>
+          <p:nvPr/>
+        </p:nvSpPr>
+        <p:spPr>
+          <a:xfrm>
+            <a:off x="1137063" y="6550223"/>
+            <a:ext cx="6097978" cy="307777"/>
+          </a:xfrm>
+          <a:prstGeom prst="rect">
+            <a:avLst/>
+          </a:prstGeom>
+          <a:noFill/>
+        </p:spPr>
+        <p:txBody>
+          <a:bodyPr wrap="square">
+            <a:spAutoFit/>
+          </a:bodyPr>
+          <a:lstStyle/>
+          <a:p>
+            <a:r>
+              <a:rPr lang="zh-CN" altLang="en-US" sz="1400" dirty="0"/>
+              <a:t>https://www.scientificamerican.com/article/build-a-bird-nest/</a:t>
+            </a:r>
+          </a:p>
+        </p:txBody>
+      </p:sp>
+      <p:pic>
+        <p:nvPicPr>
+          <p:cNvPr id="1026" name="Picture 2">
+            <a:extLst>
+              <a:ext uri="{FF2B5EF4-FFF2-40B4-BE49-F238E27FC236}">
+                <a16:creationId xmlns:a16="http://schemas.microsoft.com/office/drawing/2014/main" id="{91C9CB45-0226-E4DC-73B0-21DD460DEEA5}"/>
+              </a:ext>
+            </a:extLst>
+          </p:cNvPr>
+          <p:cNvPicPr>
+            <a:picLocks noChangeAspect="1" noChangeArrowheads="1"/>
+          </p:cNvPicPr>
+          <p:nvPr/>
+        </p:nvPicPr>
+        <p:blipFill>
+          <a:blip r:embed="rId2">
+            <a:extLst>
+              <a:ext uri="{28A0092B-C50C-407E-A947-70E740481C1C}">
+                <a14:useLocalDpi xmlns:a14="http://schemas.microsoft.com/office/drawing/2010/main" val="0"/>
+              </a:ext>
+            </a:extLst>
+          </a:blip>
+          <a:srcRect/>
+          <a:stretch>
+            <a:fillRect/>
+          </a:stretch>
+        </p:blipFill>
+        <p:spPr bwMode="auto">
+          <a:xfrm>
+            <a:off x="7890934" y="0"/>
+            <a:ext cx="4301066" cy="2870478"/>
+          </a:xfrm>
+          <a:prstGeom prst="rect">
+            <a:avLst/>
+          </a:prstGeom>
+          <a:noFill/>
+          <a:extLst>
+            <a:ext uri="{909E8E84-426E-40DD-AFC4-6F175D3DCCD1}">
+              <a14:hiddenFill xmlns:a14="http://schemas.microsoft.com/office/drawing/2010/main">
+                <a:solidFill>
+                  <a:srgbClr val="FFFFFF"/>
+                </a:solidFill>
+              </a14:hiddenFill>
+            </a:ext>
+          </a:extLst>
+        </p:spPr>
+      </p:pic>
     </p:spTree>
     <p:extLst>
       <p:ext uri="{BB962C8B-B14F-4D97-AF65-F5344CB8AC3E}">

--- a/week15/Lecture15.pptx
+++ b/week15/Lecture15.pptx
@@ -221,7 +221,7 @@
           <a:p>
             <a:fld id="{634F3F22-B4BB-3F48-9180-464A9F2D66D1}" type="datetimeFigureOut">
               <a:rPr kumimoji="1" lang="zh-CN" altLang="en-US" smtClean="0"/>
-              <a:t>2024/6/4</a:t>
+              <a:t>2025/6/3</a:t>
             </a:fld>
             <a:endParaRPr kumimoji="1" lang="zh-CN" altLang="en-US"/>
           </a:p>
@@ -701,7 +701,7 @@
           <a:p>
             <a:fld id="{FC19A4FA-3D9A-4114-B0D5-759CBD56F1AB}" type="datetimeFigureOut">
               <a:rPr lang="zh-CN" altLang="en-US" smtClean="0"/>
-              <a:t>2024/6/4</a:t>
+              <a:t>2025/6/3</a:t>
             </a:fld>
             <a:endParaRPr lang="zh-CN" altLang="en-US"/>
           </a:p>
@@ -904,7 +904,7 @@
           <a:p>
             <a:fld id="{FC19A4FA-3D9A-4114-B0D5-759CBD56F1AB}" type="datetimeFigureOut">
               <a:rPr lang="zh-CN" altLang="en-US" smtClean="0"/>
-              <a:t>2024/6/4</a:t>
+              <a:t>2025/6/3</a:t>
             </a:fld>
             <a:endParaRPr lang="zh-CN" altLang="en-US"/>
           </a:p>
@@ -1082,7 +1082,7 @@
           <a:p>
             <a:fld id="{FC19A4FA-3D9A-4114-B0D5-759CBD56F1AB}" type="datetimeFigureOut">
               <a:rPr lang="zh-CN" altLang="en-US" smtClean="0"/>
-              <a:t>2024/6/4</a:t>
+              <a:t>2025/6/3</a:t>
             </a:fld>
             <a:endParaRPr lang="zh-CN" altLang="en-US"/>
           </a:p>
@@ -1306,7 +1306,7 @@
           <a:p>
             <a:fld id="{FC19A4FA-3D9A-4114-B0D5-759CBD56F1AB}" type="datetimeFigureOut">
               <a:rPr lang="zh-CN" altLang="en-US" smtClean="0"/>
-              <a:t>2024/6/4</a:t>
+              <a:t>2025/6/3</a:t>
             </a:fld>
             <a:endParaRPr lang="zh-CN" altLang="en-US"/>
           </a:p>
@@ -1540,7 +1540,7 @@
           <a:p>
             <a:fld id="{FC19A4FA-3D9A-4114-B0D5-759CBD56F1AB}" type="datetimeFigureOut">
               <a:rPr lang="zh-CN" altLang="en-US" smtClean="0"/>
-              <a:t>2024/6/4</a:t>
+              <a:t>2025/6/3</a:t>
             </a:fld>
             <a:endParaRPr lang="zh-CN" altLang="en-US"/>
           </a:p>
@@ -1939,7 +1939,7 @@
           <a:p>
             <a:fld id="{FC19A4FA-3D9A-4114-B0D5-759CBD56F1AB}" type="datetimeFigureOut">
               <a:rPr lang="zh-CN" altLang="en-US" smtClean="0"/>
-              <a:t>2024/6/4</a:t>
+              <a:t>2025/6/3</a:t>
             </a:fld>
             <a:endParaRPr lang="zh-CN" altLang="en-US"/>
           </a:p>
@@ -2219,7 +2219,7 @@
           <a:p>
             <a:fld id="{FC19A4FA-3D9A-4114-B0D5-759CBD56F1AB}" type="datetimeFigureOut">
               <a:rPr lang="zh-CN" altLang="en-US" smtClean="0"/>
-              <a:t>2024/6/4</a:t>
+              <a:t>2025/6/3</a:t>
             </a:fld>
             <a:endParaRPr lang="zh-CN" altLang="en-US"/>
           </a:p>
@@ -2371,7 +2371,7 @@
           <a:p>
             <a:fld id="{FC19A4FA-3D9A-4114-B0D5-759CBD56F1AB}" type="datetimeFigureOut">
               <a:rPr lang="zh-CN" altLang="en-US" smtClean="0"/>
-              <a:t>2024/6/4</a:t>
+              <a:t>2025/6/3</a:t>
             </a:fld>
             <a:endParaRPr lang="zh-CN" altLang="en-US"/>
           </a:p>
@@ -2501,7 +2501,7 @@
           <a:p>
             <a:fld id="{FC19A4FA-3D9A-4114-B0D5-759CBD56F1AB}" type="datetimeFigureOut">
               <a:rPr lang="zh-CN" altLang="en-US" smtClean="0"/>
-              <a:t>2024/6/4</a:t>
+              <a:t>2025/6/3</a:t>
             </a:fld>
             <a:endParaRPr lang="zh-CN" altLang="en-US"/>
           </a:p>
@@ -2811,7 +2811,7 @@
           <a:p>
             <a:fld id="{FC19A4FA-3D9A-4114-B0D5-759CBD56F1AB}" type="datetimeFigureOut">
               <a:rPr lang="zh-CN" altLang="en-US" smtClean="0"/>
-              <a:t>2024/6/4</a:t>
+              <a:t>2025/6/3</a:t>
             </a:fld>
             <a:endParaRPr lang="zh-CN" altLang="en-US"/>
           </a:p>
@@ -3098,7 +3098,7 @@
           <a:p>
             <a:fld id="{FC19A4FA-3D9A-4114-B0D5-759CBD56F1AB}" type="datetimeFigureOut">
               <a:rPr lang="zh-CN" altLang="en-US" smtClean="0"/>
-              <a:t>2024/6/4</a:t>
+              <a:t>2025/6/3</a:t>
             </a:fld>
             <a:endParaRPr lang="zh-CN" altLang="en-US"/>
           </a:p>
@@ -3391,7 +3391,7 @@
           <a:p>
             <a:fld id="{FC19A4FA-3D9A-4114-B0D5-759CBD56F1AB}" type="datetimeFigureOut">
               <a:rPr lang="zh-CN" altLang="en-US" smtClean="0"/>
-              <a:t>2024/6/4</a:t>
+              <a:t>2025/6/3</a:t>
             </a:fld>
             <a:endParaRPr lang="zh-CN" altLang="en-US"/>
           </a:p>
@@ -3821,20 +3821,23 @@
             <a:r>
               <a:rPr lang="en-US" altLang="zh-CN" b="1" dirty="0">
                 <a:latin typeface="Franklin Gothic Demi" panose="020B0703020102020204" pitchFamily="34" charset="0"/>
-              </a:rPr>
-              <a:t>C/C++</a:t>
+                <a:sym typeface="+mn-ea"/>
+              </a:rPr>
+              <a:t>Advanced</a:t>
             </a:r>
             <a:r>
               <a:rPr lang="zh-CN" altLang="en-US" b="1" dirty="0">
                 <a:latin typeface="Franklin Gothic Demi" panose="020B0703020102020204" pitchFamily="34" charset="0"/>
+                <a:sym typeface="+mn-ea"/>
               </a:rPr>
               <a:t> </a:t>
             </a:r>
             <a:r>
               <a:rPr lang="en-US" altLang="zh-CN" b="1" dirty="0">
                 <a:latin typeface="Franklin Gothic Demi" panose="020B0703020102020204" pitchFamily="34" charset="0"/>
-              </a:rPr>
-              <a:t>Program Design</a:t>
+                <a:sym typeface="+mn-ea"/>
+              </a:rPr>
+              <a:t>Programming</a:t>
             </a:r>
             <a:endParaRPr lang="zh-CN" altLang="en-US" b="1" dirty="0">
               <a:latin typeface="Franklin Gothic Demi" panose="020B0703020102020204" pitchFamily="34" charset="0"/>
@@ -3864,12 +3867,9 @@
           </a:bodyPr>
           <a:lstStyle/>
           <a:p>
-            <a:r>
-              <a:rPr lang="en-US" altLang="zh-CN" sz="3600" dirty="0">
-                <a:latin typeface="Franklin Gothic Medium" panose="020B0603020102020204" pitchFamily="34" charset="0"/>
-              </a:rPr>
-              <a:t>CS205</a:t>
-            </a:r>
+            <a:endParaRPr lang="en-US" altLang="zh-CN" dirty="0">
+              <a:latin typeface="Franklin Gothic Medium" panose="020B0603020102020204" pitchFamily="34" charset="0"/>
+            </a:endParaRPr>
           </a:p>
           <a:p>
             <a:endParaRPr lang="en-US" altLang="zh-CN" dirty="0">
